--- a/Prezentácia.pptx
+++ b/Prezentácia.pptx
@@ -2,18 +2,27 @@
 <file path=ppt/presentation.xml><?xml version="1.0" encoding="utf-8"?>
 <p:presentation xmlns:a="http://schemas.openxmlformats.org/drawingml/2006/main" xmlns:r="http://schemas.openxmlformats.org/officeDocument/2006/relationships" xmlns:p="http://schemas.openxmlformats.org/presentationml/2006/main" saveSubsetFonts="1">
   <p:sldMasterIdLst>
-    <p:sldMasterId id="2147483648" r:id="rId1"/>
+    <p:sldMasterId id="2147483813" r:id="rId1"/>
   </p:sldMasterIdLst>
   <p:sldIdLst>
     <p:sldId id="256" r:id="rId2"/>
+    <p:sldId id="261" r:id="rId3"/>
+    <p:sldId id="257" r:id="rId4"/>
+    <p:sldId id="258" r:id="rId5"/>
+    <p:sldId id="263" r:id="rId6"/>
+    <p:sldId id="259" r:id="rId7"/>
+    <p:sldId id="260" r:id="rId8"/>
+    <p:sldId id="262" r:id="rId9"/>
+    <p:sldId id="264" r:id="rId10"/>
+    <p:sldId id="265" r:id="rId11"/>
   </p:sldIdLst>
   <p:sldSz cx="12192000" cy="6858000"/>
   <p:notesSz cx="6858000" cy="9144000"/>
   <p:defaultTextStyle>
     <a:defPPr>
-      <a:defRPr lang="sk-SK"/>
+      <a:defRPr lang="en-US"/>
     </a:defPPr>
-    <a:lvl1pPr marL="0" algn="l" defTabSz="914400" rtl="0" eaLnBrk="1" latinLnBrk="0" hangingPunct="1">
+    <a:lvl1pPr marL="0" algn="l" defTabSz="457200" rtl="0" eaLnBrk="1" latinLnBrk="0" hangingPunct="1">
       <a:defRPr sz="1800" kern="1200">
         <a:solidFill>
           <a:schemeClr val="tx1"/>
@@ -23,7 +32,7 @@
         <a:cs typeface="+mn-cs"/>
       </a:defRPr>
     </a:lvl1pPr>
-    <a:lvl2pPr marL="457200" algn="l" defTabSz="914400" rtl="0" eaLnBrk="1" latinLnBrk="0" hangingPunct="1">
+    <a:lvl2pPr marL="457200" algn="l" defTabSz="457200" rtl="0" eaLnBrk="1" latinLnBrk="0" hangingPunct="1">
       <a:defRPr sz="1800" kern="1200">
         <a:solidFill>
           <a:schemeClr val="tx1"/>
@@ -33,7 +42,7 @@
         <a:cs typeface="+mn-cs"/>
       </a:defRPr>
     </a:lvl2pPr>
-    <a:lvl3pPr marL="914400" algn="l" defTabSz="914400" rtl="0" eaLnBrk="1" latinLnBrk="0" hangingPunct="1">
+    <a:lvl3pPr marL="914400" algn="l" defTabSz="457200" rtl="0" eaLnBrk="1" latinLnBrk="0" hangingPunct="1">
       <a:defRPr sz="1800" kern="1200">
         <a:solidFill>
           <a:schemeClr val="tx1"/>
@@ -43,7 +52,7 @@
         <a:cs typeface="+mn-cs"/>
       </a:defRPr>
     </a:lvl3pPr>
-    <a:lvl4pPr marL="1371600" algn="l" defTabSz="914400" rtl="0" eaLnBrk="1" latinLnBrk="0" hangingPunct="1">
+    <a:lvl4pPr marL="1371600" algn="l" defTabSz="457200" rtl="0" eaLnBrk="1" latinLnBrk="0" hangingPunct="1">
       <a:defRPr sz="1800" kern="1200">
         <a:solidFill>
           <a:schemeClr val="tx1"/>
@@ -53,7 +62,7 @@
         <a:cs typeface="+mn-cs"/>
       </a:defRPr>
     </a:lvl4pPr>
-    <a:lvl5pPr marL="1828800" algn="l" defTabSz="914400" rtl="0" eaLnBrk="1" latinLnBrk="0" hangingPunct="1">
+    <a:lvl5pPr marL="1828800" algn="l" defTabSz="457200" rtl="0" eaLnBrk="1" latinLnBrk="0" hangingPunct="1">
       <a:defRPr sz="1800" kern="1200">
         <a:solidFill>
           <a:schemeClr val="tx1"/>
@@ -63,7 +72,7 @@
         <a:cs typeface="+mn-cs"/>
       </a:defRPr>
     </a:lvl5pPr>
-    <a:lvl6pPr marL="2286000" algn="l" defTabSz="914400" rtl="0" eaLnBrk="1" latinLnBrk="0" hangingPunct="1">
+    <a:lvl6pPr marL="2286000" algn="l" defTabSz="457200" rtl="0" eaLnBrk="1" latinLnBrk="0" hangingPunct="1">
       <a:defRPr sz="1800" kern="1200">
         <a:solidFill>
           <a:schemeClr val="tx1"/>
@@ -73,7 +82,7 @@
         <a:cs typeface="+mn-cs"/>
       </a:defRPr>
     </a:lvl6pPr>
-    <a:lvl7pPr marL="2743200" algn="l" defTabSz="914400" rtl="0" eaLnBrk="1" latinLnBrk="0" hangingPunct="1">
+    <a:lvl7pPr marL="2743200" algn="l" defTabSz="457200" rtl="0" eaLnBrk="1" latinLnBrk="0" hangingPunct="1">
       <a:defRPr sz="1800" kern="1200">
         <a:solidFill>
           <a:schemeClr val="tx1"/>
@@ -83,7 +92,7 @@
         <a:cs typeface="+mn-cs"/>
       </a:defRPr>
     </a:lvl7pPr>
-    <a:lvl8pPr marL="3200400" algn="l" defTabSz="914400" rtl="0" eaLnBrk="1" latinLnBrk="0" hangingPunct="1">
+    <a:lvl8pPr marL="3200400" algn="l" defTabSz="457200" rtl="0" eaLnBrk="1" latinLnBrk="0" hangingPunct="1">
       <a:defRPr sz="1800" kern="1200">
         <a:solidFill>
           <a:schemeClr val="tx1"/>
@@ -93,7 +102,7 @@
         <a:cs typeface="+mn-cs"/>
       </a:defRPr>
     </a:lvl8pPr>
-    <a:lvl9pPr marL="3657600" algn="l" defTabSz="914400" rtl="0" eaLnBrk="1" latinLnBrk="0" hangingPunct="1">
+    <a:lvl9pPr marL="3657600" algn="l" defTabSz="457200" rtl="0" eaLnBrk="1" latinLnBrk="0" hangingPunct="1">
       <a:defRPr sz="1800" kern="1200">
         <a:solidFill>
           <a:schemeClr val="tx1"/>
@@ -104,6 +113,29 @@
       </a:defRPr>
     </a:lvl9pPr>
   </p:defaultTextStyle>
+  <p:extLst>
+    <p:ext uri="{521415D9-36F7-43E2-AB2F-B90AF26B5E84}">
+      <p14:sectionLst xmlns:p14="http://schemas.microsoft.com/office/powerpoint/2010/main">
+        <p14:section name="Predvolená sekcia" id="{2B73590E-F0AD-4632-BF22-98047E3D990F}">
+          <p14:sldIdLst>
+            <p14:sldId id="256"/>
+            <p14:sldId id="261"/>
+            <p14:sldId id="257"/>
+            <p14:sldId id="258"/>
+            <p14:sldId id="263"/>
+            <p14:sldId id="259"/>
+            <p14:sldId id="260"/>
+            <p14:sldId id="262"/>
+            <p14:sldId id="264"/>
+            <p14:sldId id="265"/>
+          </p14:sldIdLst>
+        </p14:section>
+      </p14:sectionLst>
+    </p:ext>
+    <p:ext uri="{EFAFB233-063F-42B5-8137-9DF3F51BA10A}">
+      <p15:sldGuideLst xmlns:p15="http://schemas.microsoft.com/office/powerpoint/2012/main"/>
+    </p:ext>
+  </p:extLst>
 </p:presentation>
 </file>
 
@@ -124,15 +156,148 @@
           <a:chExt cx="0" cy="0"/>
         </a:xfrm>
       </p:grpSpPr>
-      <p:sp>
-        <p:nvSpPr>
-          <p:cNvPr id="2" name="Nadpis 1">
+      <p:pic>
+        <p:nvPicPr>
+          <p:cNvPr id="7" name="Picture 6" descr="HD-ShadowLong.png"/>
+          <p:cNvPicPr>
+            <a:picLocks noChangeAspect="1"/>
+          </p:cNvPicPr>
+          <p:nvPr/>
+        </p:nvPicPr>
+        <p:blipFill>
+          <a:blip r:embed="rId2">
             <a:extLst>
-              <a:ext uri="{FF2B5EF4-FFF2-40B4-BE49-F238E27FC236}">
-                <a16:creationId xmlns:a16="http://schemas.microsoft.com/office/drawing/2014/main" id="{B2D1F75D-9255-4E41-9315-39B817AA5A7F}"/>
+              <a:ext uri="{28A0092B-C50C-407E-A947-70E740481C1C}">
+                <a14:useLocalDpi xmlns:a14="http://schemas.microsoft.com/office/drawing/2010/main" val="0"/>
               </a:ext>
             </a:extLst>
-          </p:cNvPr>
+          </a:blip>
+          <a:stretch>
+            <a:fillRect/>
+          </a:stretch>
+        </p:blipFill>
+        <p:spPr>
+          <a:xfrm>
+            <a:off x="1" y="4242851"/>
+            <a:ext cx="8968084" cy="275942"/>
+          </a:xfrm>
+          <a:prstGeom prst="rect">
+            <a:avLst/>
+          </a:prstGeom>
+        </p:spPr>
+      </p:pic>
+      <p:pic>
+        <p:nvPicPr>
+          <p:cNvPr id="8" name="Picture 7" descr="HD-ShadowShort.png"/>
+          <p:cNvPicPr>
+            <a:picLocks noChangeAspect="1"/>
+          </p:cNvPicPr>
+          <p:nvPr/>
+        </p:nvPicPr>
+        <p:blipFill>
+          <a:blip r:embed="rId3">
+            <a:extLst>
+              <a:ext uri="{28A0092B-C50C-407E-A947-70E740481C1C}">
+                <a14:useLocalDpi xmlns:a14="http://schemas.microsoft.com/office/drawing/2010/main" val="0"/>
+              </a:ext>
+            </a:extLst>
+          </a:blip>
+          <a:stretch>
+            <a:fillRect/>
+          </a:stretch>
+        </p:blipFill>
+        <p:spPr>
+          <a:xfrm>
+            <a:off x="9111716" y="4243845"/>
+            <a:ext cx="3077108" cy="276940"/>
+          </a:xfrm>
+          <a:prstGeom prst="rect">
+            <a:avLst/>
+          </a:prstGeom>
+        </p:spPr>
+      </p:pic>
+      <p:sp>
+        <p:nvSpPr>
+          <p:cNvPr id="9" name="Rectangle 8"/>
+          <p:cNvSpPr/>
+          <p:nvPr/>
+        </p:nvSpPr>
+        <p:spPr>
+          <a:xfrm>
+            <a:off x="0" y="2590078"/>
+            <a:ext cx="8968085" cy="1660332"/>
+          </a:xfrm>
+          <a:prstGeom prst="rect">
+            <a:avLst/>
+          </a:prstGeom>
+          <a:solidFill>
+            <a:schemeClr val="bg1">
+              <a:lumMod val="85000"/>
+              <a:lumOff val="15000"/>
+            </a:schemeClr>
+          </a:solidFill>
+          <a:ln>
+            <a:noFill/>
+          </a:ln>
+        </p:spPr>
+        <p:style>
+          <a:lnRef idx="2">
+            <a:schemeClr val="accent1">
+              <a:shade val="50000"/>
+            </a:schemeClr>
+          </a:lnRef>
+          <a:fillRef idx="1">
+            <a:schemeClr val="accent1"/>
+          </a:fillRef>
+          <a:effectRef idx="0">
+            <a:schemeClr val="accent1"/>
+          </a:effectRef>
+          <a:fontRef idx="minor">
+            <a:schemeClr val="lt1"/>
+          </a:fontRef>
+        </p:style>
+      </p:sp>
+      <p:sp>
+        <p:nvSpPr>
+          <p:cNvPr id="10" name="Rectangle 9"/>
+          <p:cNvSpPr/>
+          <p:nvPr/>
+        </p:nvSpPr>
+        <p:spPr>
+          <a:xfrm>
+            <a:off x="9111715" y="2590078"/>
+            <a:ext cx="3077109" cy="1660332"/>
+          </a:xfrm>
+          <a:prstGeom prst="rect">
+            <a:avLst/>
+          </a:prstGeom>
+          <a:solidFill>
+            <a:schemeClr val="accent1"/>
+          </a:solidFill>
+          <a:ln>
+            <a:noFill/>
+          </a:ln>
+        </p:spPr>
+        <p:style>
+          <a:lnRef idx="2">
+            <a:schemeClr val="accent1">
+              <a:shade val="50000"/>
+            </a:schemeClr>
+          </a:lnRef>
+          <a:fillRef idx="1">
+            <a:schemeClr val="accent1"/>
+          </a:fillRef>
+          <a:effectRef idx="0">
+            <a:schemeClr val="accent1"/>
+          </a:effectRef>
+          <a:fontRef idx="minor">
+            <a:schemeClr val="lt1"/>
+          </a:fontRef>
+        </p:style>
+      </p:sp>
+      <p:sp>
+        <p:nvSpPr>
+          <p:cNvPr id="2" name="Title 1"/>
           <p:cNvSpPr>
             <a:spLocks noGrp="1"/>
           </p:cNvSpPr>
@@ -142,15 +307,17 @@
         </p:nvSpPr>
         <p:spPr>
           <a:xfrm>
-            <a:off x="1524000" y="1122363"/>
-            <a:ext cx="9144000" cy="2387600"/>
-          </a:xfrm>
-        </p:spPr>
-        <p:txBody>
-          <a:bodyPr anchor="b"/>
+            <a:off x="680322" y="2733709"/>
+            <a:ext cx="8144134" cy="1373070"/>
+          </a:xfrm>
+        </p:spPr>
+        <p:txBody>
+          <a:bodyPr anchor="b">
+            <a:noAutofit/>
+          </a:bodyPr>
           <a:lstStyle>
-            <a:lvl1pPr algn="ctr">
-              <a:defRPr sz="6000"/>
+            <a:lvl1pPr algn="r">
+              <a:defRPr sz="5400"/>
             </a:lvl1pPr>
           </a:lstStyle>
           <a:p>
@@ -158,18 +325,13 @@
               <a:rPr lang="sk-SK"/>
               <a:t>Kliknutím upravte štýl predlohy nadpisu</a:t>
             </a:r>
-          </a:p>
-        </p:txBody>
-      </p:sp>
-      <p:sp>
-        <p:nvSpPr>
-          <p:cNvPr id="3" name="Podnadpis 2">
-            <a:extLst>
-              <a:ext uri="{FF2B5EF4-FFF2-40B4-BE49-F238E27FC236}">
-                <a16:creationId xmlns:a16="http://schemas.microsoft.com/office/drawing/2014/main" id="{257432DC-0123-414A-AAFA-30EEF9036863}"/>
-              </a:ext>
-            </a:extLst>
-          </p:cNvPr>
+            <a:endParaRPr lang="en-US" dirty="0"/>
+          </a:p>
+        </p:txBody>
+      </p:sp>
+      <p:sp>
+        <p:nvSpPr>
+          <p:cNvPr id="3" name="Subtitle 2"/>
           <p:cNvSpPr>
             <a:spLocks noGrp="1"/>
           </p:cNvSpPr>
@@ -179,16 +341,18 @@
         </p:nvSpPr>
         <p:spPr>
           <a:xfrm>
-            <a:off x="1524000" y="3602038"/>
-            <a:ext cx="9144000" cy="1655762"/>
-          </a:xfrm>
-        </p:spPr>
-        <p:txBody>
-          <a:bodyPr/>
+            <a:off x="680322" y="4394039"/>
+            <a:ext cx="8144134" cy="1117687"/>
+          </a:xfrm>
+        </p:spPr>
+        <p:txBody>
+          <a:bodyPr>
+            <a:normAutofit/>
+          </a:bodyPr>
           <a:lstStyle>
-            <a:lvl1pPr marL="0" indent="0" algn="ctr">
-              <a:buNone/>
-              <a:defRPr sz="2400"/>
+            <a:lvl1pPr marL="0" indent="0" algn="r">
+              <a:buNone/>
+              <a:defRPr sz="2000"/>
             </a:lvl1pPr>
             <a:lvl2pPr marL="457200" indent="0" algn="ctr">
               <a:buNone/>
@@ -228,18 +392,13 @@
               <a:rPr lang="sk-SK"/>
               <a:t>Kliknutím upravte štýl predlohy podnadpisu</a:t>
             </a:r>
-          </a:p>
-        </p:txBody>
-      </p:sp>
-      <p:sp>
-        <p:nvSpPr>
-          <p:cNvPr id="4" name="Zástupný objekt pre dátum 3">
-            <a:extLst>
-              <a:ext uri="{FF2B5EF4-FFF2-40B4-BE49-F238E27FC236}">
-                <a16:creationId xmlns:a16="http://schemas.microsoft.com/office/drawing/2014/main" id="{03302D4C-4104-484C-B628-AB16A9513DAB}"/>
-              </a:ext>
-            </a:extLst>
-          </p:cNvPr>
+            <a:endParaRPr lang="en-US" dirty="0"/>
+          </a:p>
+        </p:txBody>
+      </p:sp>
+      <p:sp>
+        <p:nvSpPr>
+          <p:cNvPr id="4" name="Date Placeholder 3"/>
           <p:cNvSpPr>
             <a:spLocks noGrp="1"/>
           </p:cNvSpPr>
@@ -254,7 +413,7 @@
           <a:p>
             <a:fld id="{CC18E518-9312-428E-99F8-E157FFD147CF}" type="datetimeFigureOut">
               <a:rPr lang="sk-SK" smtClean="0"/>
-              <a:t>07. 04. 2019</a:t>
+              <a:t>10. 05. 2019</a:t>
             </a:fld>
             <a:endParaRPr lang="sk-SK"/>
           </a:p>
@@ -262,13 +421,7 @@
       </p:sp>
       <p:sp>
         <p:nvSpPr>
-          <p:cNvPr id="5" name="Zástupný objekt pre pätu 4">
-            <a:extLst>
-              <a:ext uri="{FF2B5EF4-FFF2-40B4-BE49-F238E27FC236}">
-                <a16:creationId xmlns:a16="http://schemas.microsoft.com/office/drawing/2014/main" id="{37D44471-AD53-4E83-B732-3341D65C448C}"/>
-              </a:ext>
-            </a:extLst>
-          </p:cNvPr>
+          <p:cNvPr id="5" name="Footer Placeholder 4"/>
           <p:cNvSpPr>
             <a:spLocks noGrp="1"/>
           </p:cNvSpPr>
@@ -287,13 +440,7 @@
       </p:sp>
       <p:sp>
         <p:nvSpPr>
-          <p:cNvPr id="6" name="Zástupný objekt pre číslo snímky 5">
-            <a:extLst>
-              <a:ext uri="{FF2B5EF4-FFF2-40B4-BE49-F238E27FC236}">
-                <a16:creationId xmlns:a16="http://schemas.microsoft.com/office/drawing/2014/main" id="{77B38E31-157A-40C9-AA07-7D7BF349379A}"/>
-              </a:ext>
-            </a:extLst>
-          </p:cNvPr>
+          <p:cNvPr id="6" name="Slide Number Placeholder 5"/>
           <p:cNvSpPr>
             <a:spLocks noGrp="1"/>
           </p:cNvSpPr>
@@ -301,7 +448,12 @@
             <p:ph type="sldNum" sz="quarter" idx="12"/>
           </p:nvPr>
         </p:nvSpPr>
-        <p:spPr/>
+        <p:spPr>
+          <a:xfrm>
+            <a:off x="9255346" y="2750337"/>
+            <a:ext cx="1171888" cy="1356442"/>
+          </a:xfrm>
+        </p:spPr>
         <p:txBody>
           <a:bodyPr/>
           <a:lstStyle/>
@@ -317,7 +469,7 @@
     </p:spTree>
     <p:extLst>
       <p:ext uri="{BB962C8B-B14F-4D97-AF65-F5344CB8AC3E}">
-        <p14:creationId xmlns:p14="http://schemas.microsoft.com/office/powerpoint/2010/main" val="1691758692"/>
+        <p14:creationId xmlns:p14="http://schemas.microsoft.com/office/powerpoint/2010/main" val="1298369247"/>
       </p:ext>
     </p:extLst>
   </p:cSld>
@@ -328,6 +480,3318 @@
 </file>
 
 <file path=ppt/slideLayouts/slideLayout10.xml><?xml version="1.0" encoding="utf-8"?>
+<p:sldLayout xmlns:a="http://schemas.openxmlformats.org/drawingml/2006/main" xmlns:r="http://schemas.openxmlformats.org/officeDocument/2006/relationships" xmlns:p="http://schemas.openxmlformats.org/presentationml/2006/main" preserve="1">
+  <p:cSld name="Panoramatický obrázok s popisom">
+    <p:spTree>
+      <p:nvGrpSpPr>
+        <p:cNvPr id="1" name=""/>
+        <p:cNvGrpSpPr/>
+        <p:nvPr/>
+      </p:nvGrpSpPr>
+      <p:grpSpPr>
+        <a:xfrm>
+          <a:off x="0" y="0"/>
+          <a:ext cx="0" cy="0"/>
+          <a:chOff x="0" y="0"/>
+          <a:chExt cx="0" cy="0"/>
+        </a:xfrm>
+      </p:grpSpPr>
+      <p:pic>
+        <p:nvPicPr>
+          <p:cNvPr id="8" name="Picture 7" descr="HD-ShadowLong.png"/>
+          <p:cNvPicPr>
+            <a:picLocks noChangeAspect="1"/>
+          </p:cNvPicPr>
+          <p:nvPr/>
+        </p:nvPicPr>
+        <p:blipFill>
+          <a:blip r:embed="rId2">
+            <a:extLst>
+              <a:ext uri="{28A0092B-C50C-407E-A947-70E740481C1C}">
+                <a14:useLocalDpi xmlns:a14="http://schemas.microsoft.com/office/drawing/2010/main" val="0"/>
+              </a:ext>
+            </a:extLst>
+          </a:blip>
+          <a:stretch>
+            <a:fillRect/>
+          </a:stretch>
+        </p:blipFill>
+        <p:spPr>
+          <a:xfrm>
+            <a:off x="1" y="5928628"/>
+            <a:ext cx="10437812" cy="321164"/>
+          </a:xfrm>
+          <a:prstGeom prst="rect">
+            <a:avLst/>
+          </a:prstGeom>
+        </p:spPr>
+      </p:pic>
+      <p:pic>
+        <p:nvPicPr>
+          <p:cNvPr id="9" name="Picture 8" descr="HD-ShadowShort.png"/>
+          <p:cNvPicPr>
+            <a:picLocks noChangeAspect="1"/>
+          </p:cNvPicPr>
+          <p:nvPr/>
+        </p:nvPicPr>
+        <p:blipFill>
+          <a:blip r:embed="rId3">
+            <a:extLst>
+              <a:ext uri="{28A0092B-C50C-407E-A947-70E740481C1C}">
+                <a14:useLocalDpi xmlns:a14="http://schemas.microsoft.com/office/drawing/2010/main" val="0"/>
+              </a:ext>
+            </a:extLst>
+          </a:blip>
+          <a:stretch>
+            <a:fillRect/>
+          </a:stretch>
+        </p:blipFill>
+        <p:spPr>
+          <a:xfrm>
+            <a:off x="10585826" y="5929622"/>
+            <a:ext cx="1602997" cy="144270"/>
+          </a:xfrm>
+          <a:prstGeom prst="rect">
+            <a:avLst/>
+          </a:prstGeom>
+        </p:spPr>
+      </p:pic>
+      <p:sp>
+        <p:nvSpPr>
+          <p:cNvPr id="10" name="Rectangle 9"/>
+          <p:cNvSpPr/>
+          <p:nvPr/>
+        </p:nvSpPr>
+        <p:spPr>
+          <a:xfrm>
+            <a:off x="0" y="4567988"/>
+            <a:ext cx="10437812" cy="1368198"/>
+          </a:xfrm>
+          <a:prstGeom prst="rect">
+            <a:avLst/>
+          </a:prstGeom>
+          <a:solidFill>
+            <a:schemeClr val="bg1">
+              <a:lumMod val="85000"/>
+              <a:lumOff val="15000"/>
+            </a:schemeClr>
+          </a:solidFill>
+          <a:ln>
+            <a:noFill/>
+          </a:ln>
+        </p:spPr>
+        <p:style>
+          <a:lnRef idx="2">
+            <a:schemeClr val="accent1">
+              <a:shade val="50000"/>
+            </a:schemeClr>
+          </a:lnRef>
+          <a:fillRef idx="1">
+            <a:schemeClr val="accent1"/>
+          </a:fillRef>
+          <a:effectRef idx="0">
+            <a:schemeClr val="accent1"/>
+          </a:effectRef>
+          <a:fontRef idx="minor">
+            <a:schemeClr val="lt1"/>
+          </a:fontRef>
+        </p:style>
+      </p:sp>
+      <p:sp>
+        <p:nvSpPr>
+          <p:cNvPr id="11" name="Rectangle 10"/>
+          <p:cNvSpPr/>
+          <p:nvPr/>
+        </p:nvSpPr>
+        <p:spPr>
+          <a:xfrm>
+            <a:off x="10585827" y="4567988"/>
+            <a:ext cx="1602997" cy="1368198"/>
+          </a:xfrm>
+          <a:prstGeom prst="rect">
+            <a:avLst/>
+          </a:prstGeom>
+          <a:solidFill>
+            <a:schemeClr val="accent1"/>
+          </a:solidFill>
+          <a:ln>
+            <a:noFill/>
+          </a:ln>
+        </p:spPr>
+        <p:style>
+          <a:lnRef idx="2">
+            <a:schemeClr val="accent1">
+              <a:shade val="50000"/>
+            </a:schemeClr>
+          </a:lnRef>
+          <a:fillRef idx="1">
+            <a:schemeClr val="accent1"/>
+          </a:fillRef>
+          <a:effectRef idx="0">
+            <a:schemeClr val="accent1"/>
+          </a:effectRef>
+          <a:fontRef idx="minor">
+            <a:schemeClr val="lt1"/>
+          </a:fontRef>
+        </p:style>
+      </p:sp>
+      <p:sp>
+        <p:nvSpPr>
+          <p:cNvPr id="2" name="Title 1"/>
+          <p:cNvSpPr>
+            <a:spLocks noGrp="1"/>
+          </p:cNvSpPr>
+          <p:nvPr>
+            <p:ph type="title"/>
+          </p:nvPr>
+        </p:nvSpPr>
+        <p:spPr>
+          <a:xfrm>
+            <a:off x="680322" y="4711616"/>
+            <a:ext cx="9613859" cy="453051"/>
+          </a:xfrm>
+        </p:spPr>
+        <p:txBody>
+          <a:bodyPr anchor="b">
+            <a:normAutofit/>
+          </a:bodyPr>
+          <a:lstStyle>
+            <a:lvl1pPr>
+              <a:defRPr sz="2400"/>
+            </a:lvl1pPr>
+          </a:lstStyle>
+          <a:p>
+            <a:r>
+              <a:rPr lang="sk-SK"/>
+              <a:t>Kliknutím upravte štýl predlohy nadpisu</a:t>
+            </a:r>
+            <a:endParaRPr lang="en-US" dirty="0"/>
+          </a:p>
+        </p:txBody>
+      </p:sp>
+      <p:sp>
+        <p:nvSpPr>
+          <p:cNvPr id="3" name="Picture Placeholder 2"/>
+          <p:cNvSpPr>
+            <a:spLocks noGrp="1" noChangeAspect="1"/>
+          </p:cNvSpPr>
+          <p:nvPr>
+            <p:ph type="pic" idx="1"/>
+          </p:nvPr>
+        </p:nvSpPr>
+        <p:spPr>
+          <a:xfrm>
+            <a:off x="680322" y="609597"/>
+            <a:ext cx="9613859" cy="3589575"/>
+          </a:xfrm>
+          <a:noFill/>
+          <a:ln>
+            <a:noFill/>
+          </a:ln>
+          <a:effectLst>
+            <a:outerShdw blurRad="76200" dist="63500" dir="5040000" algn="tl" rotWithShape="0">
+              <a:srgbClr val="000000">
+                <a:alpha val="41000"/>
+              </a:srgbClr>
+            </a:outerShdw>
+          </a:effectLst>
+        </p:spPr>
+        <p:txBody>
+          <a:bodyPr anchor="t"/>
+          <a:lstStyle>
+            <a:lvl1pPr marL="0" indent="0">
+              <a:buNone/>
+              <a:defRPr sz="3200"/>
+            </a:lvl1pPr>
+            <a:lvl2pPr marL="457200" indent="0">
+              <a:buNone/>
+              <a:defRPr sz="2800"/>
+            </a:lvl2pPr>
+            <a:lvl3pPr marL="914400" indent="0">
+              <a:buNone/>
+              <a:defRPr sz="2400"/>
+            </a:lvl3pPr>
+            <a:lvl4pPr marL="1371600" indent="0">
+              <a:buNone/>
+              <a:defRPr sz="2000"/>
+            </a:lvl4pPr>
+            <a:lvl5pPr marL="1828800" indent="0">
+              <a:buNone/>
+              <a:defRPr sz="2000"/>
+            </a:lvl5pPr>
+            <a:lvl6pPr marL="2286000" indent="0">
+              <a:buNone/>
+              <a:defRPr sz="2000"/>
+            </a:lvl6pPr>
+            <a:lvl7pPr marL="2743200" indent="0">
+              <a:buNone/>
+              <a:defRPr sz="2000"/>
+            </a:lvl7pPr>
+            <a:lvl8pPr marL="3200400" indent="0">
+              <a:buNone/>
+              <a:defRPr sz="2000"/>
+            </a:lvl8pPr>
+            <a:lvl9pPr marL="3657600" indent="0">
+              <a:buNone/>
+              <a:defRPr sz="2000"/>
+            </a:lvl9pPr>
+          </a:lstStyle>
+          <a:p>
+            <a:r>
+              <a:rPr lang="sk-SK"/>
+              <a:t>Kliknutím na ikonu pridáte obrázok</a:t>
+            </a:r>
+            <a:endParaRPr lang="en-US" dirty="0"/>
+          </a:p>
+        </p:txBody>
+      </p:sp>
+      <p:sp>
+        <p:nvSpPr>
+          <p:cNvPr id="4" name="Text Placeholder 3"/>
+          <p:cNvSpPr>
+            <a:spLocks noGrp="1"/>
+          </p:cNvSpPr>
+          <p:nvPr>
+            <p:ph type="body" sz="half" idx="2"/>
+          </p:nvPr>
+        </p:nvSpPr>
+        <p:spPr>
+          <a:xfrm>
+            <a:off x="680319" y="5169583"/>
+            <a:ext cx="9613862" cy="622971"/>
+          </a:xfrm>
+        </p:spPr>
+        <p:txBody>
+          <a:bodyPr/>
+          <a:lstStyle>
+            <a:lvl1pPr marL="0" indent="0">
+              <a:buNone/>
+              <a:defRPr sz="1600"/>
+            </a:lvl1pPr>
+            <a:lvl2pPr marL="457200" indent="0">
+              <a:buNone/>
+              <a:defRPr sz="1400"/>
+            </a:lvl2pPr>
+            <a:lvl3pPr marL="914400" indent="0">
+              <a:buNone/>
+              <a:defRPr sz="1200"/>
+            </a:lvl3pPr>
+            <a:lvl4pPr marL="1371600" indent="0">
+              <a:buNone/>
+              <a:defRPr sz="1000"/>
+            </a:lvl4pPr>
+            <a:lvl5pPr marL="1828800" indent="0">
+              <a:buNone/>
+              <a:defRPr sz="1000"/>
+            </a:lvl5pPr>
+            <a:lvl6pPr marL="2286000" indent="0">
+              <a:buNone/>
+              <a:defRPr sz="1000"/>
+            </a:lvl6pPr>
+            <a:lvl7pPr marL="2743200" indent="0">
+              <a:buNone/>
+              <a:defRPr sz="1000"/>
+            </a:lvl7pPr>
+            <a:lvl8pPr marL="3200400" indent="0">
+              <a:buNone/>
+              <a:defRPr sz="1000"/>
+            </a:lvl8pPr>
+            <a:lvl9pPr marL="3657600" indent="0">
+              <a:buNone/>
+              <a:defRPr sz="1000"/>
+            </a:lvl9pPr>
+          </a:lstStyle>
+          <a:p>
+            <a:pPr lvl="0"/>
+            <a:r>
+              <a:rPr lang="sk-SK"/>
+              <a:t>Kliknite sem a upravte štýly predlohy textu</a:t>
+            </a:r>
+          </a:p>
+        </p:txBody>
+      </p:sp>
+      <p:sp>
+        <p:nvSpPr>
+          <p:cNvPr id="5" name="Date Placeholder 4"/>
+          <p:cNvSpPr>
+            <a:spLocks noGrp="1"/>
+          </p:cNvSpPr>
+          <p:nvPr>
+            <p:ph type="dt" sz="half" idx="10"/>
+          </p:nvPr>
+        </p:nvSpPr>
+        <p:spPr/>
+        <p:txBody>
+          <a:bodyPr/>
+          <a:lstStyle/>
+          <a:p>
+            <a:fld id="{CC18E518-9312-428E-99F8-E157FFD147CF}" type="datetimeFigureOut">
+              <a:rPr lang="sk-SK" smtClean="0"/>
+              <a:t>10. 05. 2019</a:t>
+            </a:fld>
+            <a:endParaRPr lang="sk-SK"/>
+          </a:p>
+        </p:txBody>
+      </p:sp>
+      <p:sp>
+        <p:nvSpPr>
+          <p:cNvPr id="6" name="Footer Placeholder 5"/>
+          <p:cNvSpPr>
+            <a:spLocks noGrp="1"/>
+          </p:cNvSpPr>
+          <p:nvPr>
+            <p:ph type="ftr" sz="quarter" idx="11"/>
+          </p:nvPr>
+        </p:nvSpPr>
+        <p:spPr/>
+        <p:txBody>
+          <a:bodyPr/>
+          <a:lstStyle/>
+          <a:p>
+            <a:endParaRPr lang="sk-SK"/>
+          </a:p>
+        </p:txBody>
+      </p:sp>
+      <p:sp>
+        <p:nvSpPr>
+          <p:cNvPr id="7" name="Slide Number Placeholder 6"/>
+          <p:cNvSpPr>
+            <a:spLocks noGrp="1"/>
+          </p:cNvSpPr>
+          <p:nvPr>
+            <p:ph type="sldNum" sz="quarter" idx="12"/>
+          </p:nvPr>
+        </p:nvSpPr>
+        <p:spPr>
+          <a:xfrm>
+            <a:off x="10729455" y="4711309"/>
+            <a:ext cx="1154151" cy="1090789"/>
+          </a:xfrm>
+        </p:spPr>
+        <p:txBody>
+          <a:bodyPr/>
+          <a:lstStyle/>
+          <a:p>
+            <a:fld id="{F0A719F2-AE6D-4D5A-AE60-212B10298967}" type="slidenum">
+              <a:rPr lang="sk-SK" smtClean="0"/>
+              <a:t>‹#›</a:t>
+            </a:fld>
+            <a:endParaRPr lang="sk-SK"/>
+          </a:p>
+        </p:txBody>
+      </p:sp>
+    </p:spTree>
+    <p:extLst>
+      <p:ext uri="{BB962C8B-B14F-4D97-AF65-F5344CB8AC3E}">
+        <p14:creationId xmlns:p14="http://schemas.microsoft.com/office/powerpoint/2010/main" val="3231637243"/>
+      </p:ext>
+    </p:extLst>
+  </p:cSld>
+  <p:clrMapOvr>
+    <a:masterClrMapping/>
+  </p:clrMapOvr>
+</p:sldLayout>
+</file>
+
+<file path=ppt/slideLayouts/slideLayout11.xml><?xml version="1.0" encoding="utf-8"?>
+<p:sldLayout xmlns:a="http://schemas.openxmlformats.org/drawingml/2006/main" xmlns:r="http://schemas.openxmlformats.org/officeDocument/2006/relationships" xmlns:p="http://schemas.openxmlformats.org/presentationml/2006/main" preserve="1">
+  <p:cSld name="Názov a popis">
+    <p:spTree>
+      <p:nvGrpSpPr>
+        <p:cNvPr id="1" name=""/>
+        <p:cNvGrpSpPr/>
+        <p:nvPr/>
+      </p:nvGrpSpPr>
+      <p:grpSpPr>
+        <a:xfrm>
+          <a:off x="0" y="0"/>
+          <a:ext cx="0" cy="0"/>
+          <a:chOff x="0" y="0"/>
+          <a:chExt cx="0" cy="0"/>
+        </a:xfrm>
+      </p:grpSpPr>
+      <p:pic>
+        <p:nvPicPr>
+          <p:cNvPr id="8" name="Picture 7" descr="HD-ShadowLong.png"/>
+          <p:cNvPicPr>
+            <a:picLocks noChangeAspect="1"/>
+          </p:cNvPicPr>
+          <p:nvPr/>
+        </p:nvPicPr>
+        <p:blipFill>
+          <a:blip r:embed="rId2">
+            <a:extLst>
+              <a:ext uri="{28A0092B-C50C-407E-A947-70E740481C1C}">
+                <a14:useLocalDpi xmlns:a14="http://schemas.microsoft.com/office/drawing/2010/main" val="0"/>
+              </a:ext>
+            </a:extLst>
+          </a:blip>
+          <a:stretch>
+            <a:fillRect/>
+          </a:stretch>
+        </p:blipFill>
+        <p:spPr>
+          <a:xfrm>
+            <a:off x="1" y="5928628"/>
+            <a:ext cx="10437812" cy="321164"/>
+          </a:xfrm>
+          <a:prstGeom prst="rect">
+            <a:avLst/>
+          </a:prstGeom>
+        </p:spPr>
+      </p:pic>
+      <p:pic>
+        <p:nvPicPr>
+          <p:cNvPr id="9" name="Picture 8" descr="HD-ShadowShort.png"/>
+          <p:cNvPicPr>
+            <a:picLocks noChangeAspect="1"/>
+          </p:cNvPicPr>
+          <p:nvPr/>
+        </p:nvPicPr>
+        <p:blipFill>
+          <a:blip r:embed="rId3">
+            <a:extLst>
+              <a:ext uri="{28A0092B-C50C-407E-A947-70E740481C1C}">
+                <a14:useLocalDpi xmlns:a14="http://schemas.microsoft.com/office/drawing/2010/main" val="0"/>
+              </a:ext>
+            </a:extLst>
+          </a:blip>
+          <a:stretch>
+            <a:fillRect/>
+          </a:stretch>
+        </p:blipFill>
+        <p:spPr>
+          <a:xfrm>
+            <a:off x="10585826" y="5929622"/>
+            <a:ext cx="1602997" cy="144270"/>
+          </a:xfrm>
+          <a:prstGeom prst="rect">
+            <a:avLst/>
+          </a:prstGeom>
+        </p:spPr>
+      </p:pic>
+      <p:sp>
+        <p:nvSpPr>
+          <p:cNvPr id="10" name="Rectangle 9"/>
+          <p:cNvSpPr/>
+          <p:nvPr/>
+        </p:nvSpPr>
+        <p:spPr>
+          <a:xfrm>
+            <a:off x="0" y="4567988"/>
+            <a:ext cx="10437812" cy="1368198"/>
+          </a:xfrm>
+          <a:prstGeom prst="rect">
+            <a:avLst/>
+          </a:prstGeom>
+          <a:solidFill>
+            <a:schemeClr val="bg1">
+              <a:lumMod val="85000"/>
+              <a:lumOff val="15000"/>
+            </a:schemeClr>
+          </a:solidFill>
+          <a:ln>
+            <a:noFill/>
+          </a:ln>
+        </p:spPr>
+        <p:style>
+          <a:lnRef idx="2">
+            <a:schemeClr val="accent1">
+              <a:shade val="50000"/>
+            </a:schemeClr>
+          </a:lnRef>
+          <a:fillRef idx="1">
+            <a:schemeClr val="accent1"/>
+          </a:fillRef>
+          <a:effectRef idx="0">
+            <a:schemeClr val="accent1"/>
+          </a:effectRef>
+          <a:fontRef idx="minor">
+            <a:schemeClr val="lt1"/>
+          </a:fontRef>
+        </p:style>
+      </p:sp>
+      <p:sp>
+        <p:nvSpPr>
+          <p:cNvPr id="11" name="Rectangle 10"/>
+          <p:cNvSpPr/>
+          <p:nvPr/>
+        </p:nvSpPr>
+        <p:spPr>
+          <a:xfrm>
+            <a:off x="10585827" y="4567988"/>
+            <a:ext cx="1602997" cy="1368198"/>
+          </a:xfrm>
+          <a:prstGeom prst="rect">
+            <a:avLst/>
+          </a:prstGeom>
+          <a:solidFill>
+            <a:schemeClr val="accent1"/>
+          </a:solidFill>
+          <a:ln>
+            <a:noFill/>
+          </a:ln>
+        </p:spPr>
+        <p:style>
+          <a:lnRef idx="2">
+            <a:schemeClr val="accent1">
+              <a:shade val="50000"/>
+            </a:schemeClr>
+          </a:lnRef>
+          <a:fillRef idx="1">
+            <a:schemeClr val="accent1"/>
+          </a:fillRef>
+          <a:effectRef idx="0">
+            <a:schemeClr val="accent1"/>
+          </a:effectRef>
+          <a:fontRef idx="minor">
+            <a:schemeClr val="lt1"/>
+          </a:fontRef>
+        </p:style>
+      </p:sp>
+      <p:sp>
+        <p:nvSpPr>
+          <p:cNvPr id="2" name="Title 1"/>
+          <p:cNvSpPr>
+            <a:spLocks noGrp="1"/>
+          </p:cNvSpPr>
+          <p:nvPr>
+            <p:ph type="title"/>
+          </p:nvPr>
+        </p:nvSpPr>
+        <p:spPr>
+          <a:xfrm>
+            <a:off x="680322" y="609597"/>
+            <a:ext cx="9613858" cy="3592750"/>
+          </a:xfrm>
+        </p:spPr>
+        <p:txBody>
+          <a:bodyPr anchor="ctr"/>
+          <a:lstStyle>
+            <a:lvl1pPr>
+              <a:defRPr sz="3200"/>
+            </a:lvl1pPr>
+          </a:lstStyle>
+          <a:p>
+            <a:r>
+              <a:rPr lang="sk-SK"/>
+              <a:t>Kliknutím upravte štýl predlohy nadpisu</a:t>
+            </a:r>
+            <a:endParaRPr lang="en-US" dirty="0"/>
+          </a:p>
+        </p:txBody>
+      </p:sp>
+      <p:sp>
+        <p:nvSpPr>
+          <p:cNvPr id="4" name="Text Placeholder 3"/>
+          <p:cNvSpPr>
+            <a:spLocks noGrp="1"/>
+          </p:cNvSpPr>
+          <p:nvPr>
+            <p:ph type="body" sz="half" idx="2"/>
+          </p:nvPr>
+        </p:nvSpPr>
+        <p:spPr>
+          <a:xfrm>
+            <a:off x="680322" y="4711615"/>
+            <a:ext cx="9613859" cy="1090789"/>
+          </a:xfrm>
+        </p:spPr>
+        <p:txBody>
+          <a:bodyPr anchor="ctr"/>
+          <a:lstStyle>
+            <a:lvl1pPr marL="0" indent="0">
+              <a:buNone/>
+              <a:defRPr sz="1600"/>
+            </a:lvl1pPr>
+            <a:lvl2pPr marL="457200" indent="0">
+              <a:buNone/>
+              <a:defRPr sz="1400"/>
+            </a:lvl2pPr>
+            <a:lvl3pPr marL="914400" indent="0">
+              <a:buNone/>
+              <a:defRPr sz="1200"/>
+            </a:lvl3pPr>
+            <a:lvl4pPr marL="1371600" indent="0">
+              <a:buNone/>
+              <a:defRPr sz="1000"/>
+            </a:lvl4pPr>
+            <a:lvl5pPr marL="1828800" indent="0">
+              <a:buNone/>
+              <a:defRPr sz="1000"/>
+            </a:lvl5pPr>
+            <a:lvl6pPr marL="2286000" indent="0">
+              <a:buNone/>
+              <a:defRPr sz="1000"/>
+            </a:lvl6pPr>
+            <a:lvl7pPr marL="2743200" indent="0">
+              <a:buNone/>
+              <a:defRPr sz="1000"/>
+            </a:lvl7pPr>
+            <a:lvl8pPr marL="3200400" indent="0">
+              <a:buNone/>
+              <a:defRPr sz="1000"/>
+            </a:lvl8pPr>
+            <a:lvl9pPr marL="3657600" indent="0">
+              <a:buNone/>
+              <a:defRPr sz="1000"/>
+            </a:lvl9pPr>
+          </a:lstStyle>
+          <a:p>
+            <a:pPr lvl="0"/>
+            <a:r>
+              <a:rPr lang="sk-SK"/>
+              <a:t>Kliknite sem a upravte štýly predlohy textu</a:t>
+            </a:r>
+          </a:p>
+        </p:txBody>
+      </p:sp>
+      <p:sp>
+        <p:nvSpPr>
+          <p:cNvPr id="5" name="Date Placeholder 4"/>
+          <p:cNvSpPr>
+            <a:spLocks noGrp="1"/>
+          </p:cNvSpPr>
+          <p:nvPr>
+            <p:ph type="dt" sz="half" idx="10"/>
+          </p:nvPr>
+        </p:nvSpPr>
+        <p:spPr/>
+        <p:txBody>
+          <a:bodyPr/>
+          <a:lstStyle/>
+          <a:p>
+            <a:fld id="{CC18E518-9312-428E-99F8-E157FFD147CF}" type="datetimeFigureOut">
+              <a:rPr lang="sk-SK" smtClean="0"/>
+              <a:t>10. 05. 2019</a:t>
+            </a:fld>
+            <a:endParaRPr lang="sk-SK"/>
+          </a:p>
+        </p:txBody>
+      </p:sp>
+      <p:sp>
+        <p:nvSpPr>
+          <p:cNvPr id="6" name="Footer Placeholder 5"/>
+          <p:cNvSpPr>
+            <a:spLocks noGrp="1"/>
+          </p:cNvSpPr>
+          <p:nvPr>
+            <p:ph type="ftr" sz="quarter" idx="11"/>
+          </p:nvPr>
+        </p:nvSpPr>
+        <p:spPr/>
+        <p:txBody>
+          <a:bodyPr/>
+          <a:lstStyle/>
+          <a:p>
+            <a:endParaRPr lang="sk-SK"/>
+          </a:p>
+        </p:txBody>
+      </p:sp>
+      <p:sp>
+        <p:nvSpPr>
+          <p:cNvPr id="7" name="Slide Number Placeholder 6"/>
+          <p:cNvSpPr>
+            <a:spLocks noGrp="1"/>
+          </p:cNvSpPr>
+          <p:nvPr>
+            <p:ph type="sldNum" sz="quarter" idx="12"/>
+          </p:nvPr>
+        </p:nvSpPr>
+        <p:spPr>
+          <a:xfrm>
+            <a:off x="10729455" y="4711615"/>
+            <a:ext cx="1154151" cy="1090789"/>
+          </a:xfrm>
+        </p:spPr>
+        <p:txBody>
+          <a:bodyPr/>
+          <a:lstStyle/>
+          <a:p>
+            <a:fld id="{F0A719F2-AE6D-4D5A-AE60-212B10298967}" type="slidenum">
+              <a:rPr lang="sk-SK" smtClean="0"/>
+              <a:t>‹#›</a:t>
+            </a:fld>
+            <a:endParaRPr lang="sk-SK"/>
+          </a:p>
+        </p:txBody>
+      </p:sp>
+    </p:spTree>
+    <p:extLst>
+      <p:ext uri="{BB962C8B-B14F-4D97-AF65-F5344CB8AC3E}">
+        <p14:creationId xmlns:p14="http://schemas.microsoft.com/office/powerpoint/2010/main" val="4201454036"/>
+      </p:ext>
+    </p:extLst>
+  </p:cSld>
+  <p:clrMapOvr>
+    <a:masterClrMapping/>
+  </p:clrMapOvr>
+</p:sldLayout>
+</file>
+
+<file path=ppt/slideLayouts/slideLayout12.xml><?xml version="1.0" encoding="utf-8"?>
+<p:sldLayout xmlns:a="http://schemas.openxmlformats.org/drawingml/2006/main" xmlns:r="http://schemas.openxmlformats.org/officeDocument/2006/relationships" xmlns:p="http://schemas.openxmlformats.org/presentationml/2006/main" preserve="1">
+  <p:cSld name="Ponuka s popisom">
+    <p:spTree>
+      <p:nvGrpSpPr>
+        <p:cNvPr id="1" name=""/>
+        <p:cNvGrpSpPr/>
+        <p:nvPr/>
+      </p:nvGrpSpPr>
+      <p:grpSpPr>
+        <a:xfrm>
+          <a:off x="0" y="0"/>
+          <a:ext cx="0" cy="0"/>
+          <a:chOff x="0" y="0"/>
+          <a:chExt cx="0" cy="0"/>
+        </a:xfrm>
+      </p:grpSpPr>
+      <p:pic>
+        <p:nvPicPr>
+          <p:cNvPr id="11" name="Picture 10" descr="HD-ShadowLong.png"/>
+          <p:cNvPicPr>
+            <a:picLocks noChangeAspect="1"/>
+          </p:cNvPicPr>
+          <p:nvPr/>
+        </p:nvPicPr>
+        <p:blipFill>
+          <a:blip r:embed="rId2">
+            <a:extLst>
+              <a:ext uri="{28A0092B-C50C-407E-A947-70E740481C1C}">
+                <a14:useLocalDpi xmlns:a14="http://schemas.microsoft.com/office/drawing/2010/main" val="0"/>
+              </a:ext>
+            </a:extLst>
+          </a:blip>
+          <a:stretch>
+            <a:fillRect/>
+          </a:stretch>
+        </p:blipFill>
+        <p:spPr>
+          <a:xfrm>
+            <a:off x="1" y="5928628"/>
+            <a:ext cx="10437812" cy="321164"/>
+          </a:xfrm>
+          <a:prstGeom prst="rect">
+            <a:avLst/>
+          </a:prstGeom>
+        </p:spPr>
+      </p:pic>
+      <p:pic>
+        <p:nvPicPr>
+          <p:cNvPr id="13" name="Picture 12" descr="HD-ShadowShort.png"/>
+          <p:cNvPicPr>
+            <a:picLocks noChangeAspect="1"/>
+          </p:cNvPicPr>
+          <p:nvPr/>
+        </p:nvPicPr>
+        <p:blipFill>
+          <a:blip r:embed="rId3">
+            <a:extLst>
+              <a:ext uri="{28A0092B-C50C-407E-A947-70E740481C1C}">
+                <a14:useLocalDpi xmlns:a14="http://schemas.microsoft.com/office/drawing/2010/main" val="0"/>
+              </a:ext>
+            </a:extLst>
+          </a:blip>
+          <a:stretch>
+            <a:fillRect/>
+          </a:stretch>
+        </p:blipFill>
+        <p:spPr>
+          <a:xfrm>
+            <a:off x="10585826" y="5929622"/>
+            <a:ext cx="1602997" cy="144270"/>
+          </a:xfrm>
+          <a:prstGeom prst="rect">
+            <a:avLst/>
+          </a:prstGeom>
+        </p:spPr>
+      </p:pic>
+      <p:sp>
+        <p:nvSpPr>
+          <p:cNvPr id="14" name="Rectangle 13"/>
+          <p:cNvSpPr/>
+          <p:nvPr/>
+        </p:nvSpPr>
+        <p:spPr>
+          <a:xfrm>
+            <a:off x="0" y="4567988"/>
+            <a:ext cx="10437812" cy="1368198"/>
+          </a:xfrm>
+          <a:prstGeom prst="rect">
+            <a:avLst/>
+          </a:prstGeom>
+          <a:solidFill>
+            <a:schemeClr val="bg1">
+              <a:lumMod val="85000"/>
+              <a:lumOff val="15000"/>
+            </a:schemeClr>
+          </a:solidFill>
+          <a:ln>
+            <a:noFill/>
+          </a:ln>
+        </p:spPr>
+        <p:style>
+          <a:lnRef idx="2">
+            <a:schemeClr val="accent1">
+              <a:shade val="50000"/>
+            </a:schemeClr>
+          </a:lnRef>
+          <a:fillRef idx="1">
+            <a:schemeClr val="accent1"/>
+          </a:fillRef>
+          <a:effectRef idx="0">
+            <a:schemeClr val="accent1"/>
+          </a:effectRef>
+          <a:fontRef idx="minor">
+            <a:schemeClr val="lt1"/>
+          </a:fontRef>
+        </p:style>
+      </p:sp>
+      <p:sp>
+        <p:nvSpPr>
+          <p:cNvPr id="15" name="Rectangle 14"/>
+          <p:cNvSpPr/>
+          <p:nvPr/>
+        </p:nvSpPr>
+        <p:spPr>
+          <a:xfrm>
+            <a:off x="10585827" y="4567988"/>
+            <a:ext cx="1602997" cy="1368198"/>
+          </a:xfrm>
+          <a:prstGeom prst="rect">
+            <a:avLst/>
+          </a:prstGeom>
+          <a:solidFill>
+            <a:schemeClr val="accent1"/>
+          </a:solidFill>
+          <a:ln>
+            <a:noFill/>
+          </a:ln>
+        </p:spPr>
+        <p:style>
+          <a:lnRef idx="2">
+            <a:schemeClr val="accent1">
+              <a:shade val="50000"/>
+            </a:schemeClr>
+          </a:lnRef>
+          <a:fillRef idx="1">
+            <a:schemeClr val="accent1"/>
+          </a:fillRef>
+          <a:effectRef idx="0">
+            <a:schemeClr val="accent1"/>
+          </a:effectRef>
+          <a:fontRef idx="minor">
+            <a:schemeClr val="lt1"/>
+          </a:fontRef>
+        </p:style>
+      </p:sp>
+      <p:sp>
+        <p:nvSpPr>
+          <p:cNvPr id="2" name="Title 1"/>
+          <p:cNvSpPr>
+            <a:spLocks noGrp="1"/>
+          </p:cNvSpPr>
+          <p:nvPr>
+            <p:ph type="title"/>
+          </p:nvPr>
+        </p:nvSpPr>
+        <p:spPr>
+          <a:xfrm>
+            <a:off x="1127856" y="609598"/>
+            <a:ext cx="8718877" cy="3036061"/>
+          </a:xfrm>
+        </p:spPr>
+        <p:txBody>
+          <a:bodyPr anchor="ctr"/>
+          <a:lstStyle>
+            <a:lvl1pPr>
+              <a:defRPr sz="3200"/>
+            </a:lvl1pPr>
+          </a:lstStyle>
+          <a:p>
+            <a:r>
+              <a:rPr lang="sk-SK"/>
+              <a:t>Kliknutím upravte štýl predlohy nadpisu</a:t>
+            </a:r>
+            <a:endParaRPr lang="en-US" dirty="0"/>
+          </a:p>
+        </p:txBody>
+      </p:sp>
+      <p:sp>
+        <p:nvSpPr>
+          <p:cNvPr id="12" name="Text Placeholder 3"/>
+          <p:cNvSpPr>
+            <a:spLocks noGrp="1"/>
+          </p:cNvSpPr>
+          <p:nvPr>
+            <p:ph type="body" sz="half" idx="13"/>
+          </p:nvPr>
+        </p:nvSpPr>
+        <p:spPr>
+          <a:xfrm>
+            <a:off x="1402288" y="3653379"/>
+            <a:ext cx="8156579" cy="548968"/>
+          </a:xfrm>
+        </p:spPr>
+        <p:txBody>
+          <a:bodyPr anchor="t">
+            <a:normAutofit/>
+          </a:bodyPr>
+          <a:lstStyle>
+            <a:lvl1pPr marL="0" indent="0">
+              <a:buNone/>
+              <a:defRPr sz="1400"/>
+            </a:lvl1pPr>
+            <a:lvl2pPr marL="457200" indent="0">
+              <a:buNone/>
+              <a:defRPr sz="1400"/>
+            </a:lvl2pPr>
+            <a:lvl3pPr marL="914400" indent="0">
+              <a:buNone/>
+              <a:defRPr sz="1200"/>
+            </a:lvl3pPr>
+            <a:lvl4pPr marL="1371600" indent="0">
+              <a:buNone/>
+              <a:defRPr sz="1000"/>
+            </a:lvl4pPr>
+            <a:lvl5pPr marL="1828800" indent="0">
+              <a:buNone/>
+              <a:defRPr sz="1000"/>
+            </a:lvl5pPr>
+            <a:lvl6pPr marL="2286000" indent="0">
+              <a:buNone/>
+              <a:defRPr sz="1000"/>
+            </a:lvl6pPr>
+            <a:lvl7pPr marL="2743200" indent="0">
+              <a:buNone/>
+              <a:defRPr sz="1000"/>
+            </a:lvl7pPr>
+            <a:lvl8pPr marL="3200400" indent="0">
+              <a:buNone/>
+              <a:defRPr sz="1000"/>
+            </a:lvl8pPr>
+            <a:lvl9pPr marL="3657600" indent="0">
+              <a:buNone/>
+              <a:defRPr sz="1000"/>
+            </a:lvl9pPr>
+          </a:lstStyle>
+          <a:p>
+            <a:pPr lvl="0"/>
+            <a:r>
+              <a:rPr lang="sk-SK"/>
+              <a:t>Kliknite sem a upravte štýly predlohy textu</a:t>
+            </a:r>
+          </a:p>
+        </p:txBody>
+      </p:sp>
+      <p:sp>
+        <p:nvSpPr>
+          <p:cNvPr id="4" name="Text Placeholder 3"/>
+          <p:cNvSpPr>
+            <a:spLocks noGrp="1"/>
+          </p:cNvSpPr>
+          <p:nvPr>
+            <p:ph type="body" sz="half" idx="2"/>
+          </p:nvPr>
+        </p:nvSpPr>
+        <p:spPr>
+          <a:xfrm>
+            <a:off x="680322" y="4711615"/>
+            <a:ext cx="9613859" cy="1090789"/>
+          </a:xfrm>
+        </p:spPr>
+        <p:txBody>
+          <a:bodyPr anchor="ctr">
+            <a:normAutofit/>
+          </a:bodyPr>
+          <a:lstStyle>
+            <a:lvl1pPr marL="0" indent="0">
+              <a:buNone/>
+              <a:defRPr sz="1600"/>
+            </a:lvl1pPr>
+            <a:lvl2pPr marL="457200" indent="0">
+              <a:buNone/>
+              <a:defRPr sz="1400"/>
+            </a:lvl2pPr>
+            <a:lvl3pPr marL="914400" indent="0">
+              <a:buNone/>
+              <a:defRPr sz="1200"/>
+            </a:lvl3pPr>
+            <a:lvl4pPr marL="1371600" indent="0">
+              <a:buNone/>
+              <a:defRPr sz="1000"/>
+            </a:lvl4pPr>
+            <a:lvl5pPr marL="1828800" indent="0">
+              <a:buNone/>
+              <a:defRPr sz="1000"/>
+            </a:lvl5pPr>
+            <a:lvl6pPr marL="2286000" indent="0">
+              <a:buNone/>
+              <a:defRPr sz="1000"/>
+            </a:lvl6pPr>
+            <a:lvl7pPr marL="2743200" indent="0">
+              <a:buNone/>
+              <a:defRPr sz="1000"/>
+            </a:lvl7pPr>
+            <a:lvl8pPr marL="3200400" indent="0">
+              <a:buNone/>
+              <a:defRPr sz="1000"/>
+            </a:lvl8pPr>
+            <a:lvl9pPr marL="3657600" indent="0">
+              <a:buNone/>
+              <a:defRPr sz="1000"/>
+            </a:lvl9pPr>
+          </a:lstStyle>
+          <a:p>
+            <a:pPr lvl="0"/>
+            <a:r>
+              <a:rPr lang="sk-SK"/>
+              <a:t>Kliknite sem a upravte štýly predlohy textu</a:t>
+            </a:r>
+          </a:p>
+        </p:txBody>
+      </p:sp>
+      <p:sp>
+        <p:nvSpPr>
+          <p:cNvPr id="5" name="Date Placeholder 4"/>
+          <p:cNvSpPr>
+            <a:spLocks noGrp="1"/>
+          </p:cNvSpPr>
+          <p:nvPr>
+            <p:ph type="dt" sz="half" idx="10"/>
+          </p:nvPr>
+        </p:nvSpPr>
+        <p:spPr/>
+        <p:txBody>
+          <a:bodyPr/>
+          <a:lstStyle/>
+          <a:p>
+            <a:fld id="{CC18E518-9312-428E-99F8-E157FFD147CF}" type="datetimeFigureOut">
+              <a:rPr lang="sk-SK" smtClean="0"/>
+              <a:t>10. 05. 2019</a:t>
+            </a:fld>
+            <a:endParaRPr lang="sk-SK"/>
+          </a:p>
+        </p:txBody>
+      </p:sp>
+      <p:sp>
+        <p:nvSpPr>
+          <p:cNvPr id="6" name="Footer Placeholder 5"/>
+          <p:cNvSpPr>
+            <a:spLocks noGrp="1"/>
+          </p:cNvSpPr>
+          <p:nvPr>
+            <p:ph type="ftr" sz="quarter" idx="11"/>
+          </p:nvPr>
+        </p:nvSpPr>
+        <p:spPr/>
+        <p:txBody>
+          <a:bodyPr/>
+          <a:lstStyle/>
+          <a:p>
+            <a:endParaRPr lang="sk-SK"/>
+          </a:p>
+        </p:txBody>
+      </p:sp>
+      <p:sp>
+        <p:nvSpPr>
+          <p:cNvPr id="7" name="Slide Number Placeholder 6"/>
+          <p:cNvSpPr>
+            <a:spLocks noGrp="1"/>
+          </p:cNvSpPr>
+          <p:nvPr>
+            <p:ph type="sldNum" sz="quarter" idx="12"/>
+          </p:nvPr>
+        </p:nvSpPr>
+        <p:spPr>
+          <a:xfrm>
+            <a:off x="10729455" y="4709925"/>
+            <a:ext cx="1154151" cy="1090789"/>
+          </a:xfrm>
+        </p:spPr>
+        <p:txBody>
+          <a:bodyPr/>
+          <a:lstStyle/>
+          <a:p>
+            <a:fld id="{F0A719F2-AE6D-4D5A-AE60-212B10298967}" type="slidenum">
+              <a:rPr lang="sk-SK" smtClean="0"/>
+              <a:t>‹#›</a:t>
+            </a:fld>
+            <a:endParaRPr lang="sk-SK"/>
+          </a:p>
+        </p:txBody>
+      </p:sp>
+      <p:sp>
+        <p:nvSpPr>
+          <p:cNvPr id="16" name="TextBox 15"/>
+          <p:cNvSpPr txBox="1"/>
+          <p:nvPr/>
+        </p:nvSpPr>
+        <p:spPr>
+          <a:xfrm>
+            <a:off x="583572" y="748116"/>
+            <a:ext cx="609600" cy="584776"/>
+          </a:xfrm>
+          <a:prstGeom prst="rect">
+            <a:avLst/>
+          </a:prstGeom>
+        </p:spPr>
+        <p:txBody>
+          <a:bodyPr vert="horz" lIns="91440" tIns="45720" rIns="91440" bIns="45720" rtlCol="0" anchor="ctr">
+            <a:noAutofit/>
+          </a:bodyPr>
+          <a:lstStyle>
+            <a:lvl1pPr>
+              <a:spcBef>
+                <a:spcPct val="0"/>
+              </a:spcBef>
+              <a:buNone/>
+              <a:defRPr sz="3200" b="0" cap="all">
+                <a:ln w="3175" cmpd="sng">
+                  <a:noFill/>
+                </a:ln>
+                <a:effectLst>
+                  <a:glow rad="38100">
+                    <a:schemeClr val="bg1">
+                      <a:lumMod val="65000"/>
+                      <a:lumOff val="35000"/>
+                      <a:alpha val="40000"/>
+                    </a:schemeClr>
+                  </a:glow>
+                  <a:outerShdw blurRad="28575" dist="38100" dir="14040000" algn="tl" rotWithShape="0">
+                    <a:srgbClr val="000000">
+                      <a:alpha val="25000"/>
+                    </a:srgbClr>
+                  </a:outerShdw>
+                </a:effectLst>
+              </a:defRPr>
+            </a:lvl1pPr>
+            <a:lvl2pPr>
+              <a:defRPr>
+                <a:solidFill>
+                  <a:schemeClr val="tx2"/>
+                </a:solidFill>
+              </a:defRPr>
+            </a:lvl2pPr>
+            <a:lvl3pPr>
+              <a:defRPr>
+                <a:solidFill>
+                  <a:schemeClr val="tx2"/>
+                </a:solidFill>
+              </a:defRPr>
+            </a:lvl3pPr>
+            <a:lvl4pPr>
+              <a:defRPr>
+                <a:solidFill>
+                  <a:schemeClr val="tx2"/>
+                </a:solidFill>
+              </a:defRPr>
+            </a:lvl4pPr>
+            <a:lvl5pPr>
+              <a:defRPr>
+                <a:solidFill>
+                  <a:schemeClr val="tx2"/>
+                </a:solidFill>
+              </a:defRPr>
+            </a:lvl5pPr>
+            <a:lvl6pPr>
+              <a:defRPr>
+                <a:solidFill>
+                  <a:schemeClr val="tx2"/>
+                </a:solidFill>
+              </a:defRPr>
+            </a:lvl6pPr>
+            <a:lvl7pPr>
+              <a:defRPr>
+                <a:solidFill>
+                  <a:schemeClr val="tx2"/>
+                </a:solidFill>
+              </a:defRPr>
+            </a:lvl7pPr>
+            <a:lvl8pPr>
+              <a:defRPr>
+                <a:solidFill>
+                  <a:schemeClr val="tx2"/>
+                </a:solidFill>
+              </a:defRPr>
+            </a:lvl8pPr>
+            <a:lvl9pPr>
+              <a:defRPr>
+                <a:solidFill>
+                  <a:schemeClr val="tx2"/>
+                </a:solidFill>
+              </a:defRPr>
+            </a:lvl9pPr>
+          </a:lstStyle>
+          <a:p>
+            <a:pPr lvl="0"/>
+            <a:r>
+              <a:rPr lang="en-US" sz="7200" dirty="0">
+                <a:solidFill>
+                  <a:schemeClr val="tx1"/>
+                </a:solidFill>
+                <a:effectLst/>
+              </a:rPr>
+              <a:t>“</a:t>
+            </a:r>
+          </a:p>
+        </p:txBody>
+      </p:sp>
+      <p:sp>
+        <p:nvSpPr>
+          <p:cNvPr id="17" name="TextBox 16"/>
+          <p:cNvSpPr txBox="1"/>
+          <p:nvPr/>
+        </p:nvSpPr>
+        <p:spPr>
+          <a:xfrm>
+            <a:off x="9662809" y="3033524"/>
+            <a:ext cx="609600" cy="584776"/>
+          </a:xfrm>
+          <a:prstGeom prst="rect">
+            <a:avLst/>
+          </a:prstGeom>
+        </p:spPr>
+        <p:txBody>
+          <a:bodyPr vert="horz" lIns="91440" tIns="45720" rIns="91440" bIns="45720" rtlCol="0" anchor="ctr">
+            <a:noAutofit/>
+          </a:bodyPr>
+          <a:lstStyle>
+            <a:lvl1pPr>
+              <a:spcBef>
+                <a:spcPct val="0"/>
+              </a:spcBef>
+              <a:buNone/>
+              <a:defRPr sz="3200" b="0" cap="all">
+                <a:ln w="3175" cmpd="sng">
+                  <a:noFill/>
+                </a:ln>
+                <a:effectLst>
+                  <a:glow rad="38100">
+                    <a:schemeClr val="bg1">
+                      <a:lumMod val="65000"/>
+                      <a:lumOff val="35000"/>
+                      <a:alpha val="40000"/>
+                    </a:schemeClr>
+                  </a:glow>
+                  <a:outerShdw blurRad="28575" dist="38100" dir="14040000" algn="tl" rotWithShape="0">
+                    <a:srgbClr val="000000">
+                      <a:alpha val="25000"/>
+                    </a:srgbClr>
+                  </a:outerShdw>
+                </a:effectLst>
+              </a:defRPr>
+            </a:lvl1pPr>
+            <a:lvl2pPr>
+              <a:defRPr>
+                <a:solidFill>
+                  <a:schemeClr val="tx2"/>
+                </a:solidFill>
+              </a:defRPr>
+            </a:lvl2pPr>
+            <a:lvl3pPr>
+              <a:defRPr>
+                <a:solidFill>
+                  <a:schemeClr val="tx2"/>
+                </a:solidFill>
+              </a:defRPr>
+            </a:lvl3pPr>
+            <a:lvl4pPr>
+              <a:defRPr>
+                <a:solidFill>
+                  <a:schemeClr val="tx2"/>
+                </a:solidFill>
+              </a:defRPr>
+            </a:lvl4pPr>
+            <a:lvl5pPr>
+              <a:defRPr>
+                <a:solidFill>
+                  <a:schemeClr val="tx2"/>
+                </a:solidFill>
+              </a:defRPr>
+            </a:lvl5pPr>
+            <a:lvl6pPr>
+              <a:defRPr>
+                <a:solidFill>
+                  <a:schemeClr val="tx2"/>
+                </a:solidFill>
+              </a:defRPr>
+            </a:lvl6pPr>
+            <a:lvl7pPr>
+              <a:defRPr>
+                <a:solidFill>
+                  <a:schemeClr val="tx2"/>
+                </a:solidFill>
+              </a:defRPr>
+            </a:lvl7pPr>
+            <a:lvl8pPr>
+              <a:defRPr>
+                <a:solidFill>
+                  <a:schemeClr val="tx2"/>
+                </a:solidFill>
+              </a:defRPr>
+            </a:lvl8pPr>
+            <a:lvl9pPr>
+              <a:defRPr>
+                <a:solidFill>
+                  <a:schemeClr val="tx2"/>
+                </a:solidFill>
+              </a:defRPr>
+            </a:lvl9pPr>
+          </a:lstStyle>
+          <a:p>
+            <a:pPr lvl="0" algn="r"/>
+            <a:r>
+              <a:rPr lang="en-US" sz="7200" dirty="0">
+                <a:solidFill>
+                  <a:schemeClr val="tx1"/>
+                </a:solidFill>
+                <a:effectLst/>
+              </a:rPr>
+              <a:t>”</a:t>
+            </a:r>
+          </a:p>
+        </p:txBody>
+      </p:sp>
+    </p:spTree>
+    <p:extLst>
+      <p:ext uri="{BB962C8B-B14F-4D97-AF65-F5344CB8AC3E}">
+        <p14:creationId xmlns:p14="http://schemas.microsoft.com/office/powerpoint/2010/main" val="356809559"/>
+      </p:ext>
+    </p:extLst>
+  </p:cSld>
+  <p:clrMapOvr>
+    <a:masterClrMapping/>
+  </p:clrMapOvr>
+</p:sldLayout>
+</file>
+
+<file path=ppt/slideLayouts/slideLayout13.xml><?xml version="1.0" encoding="utf-8"?>
+<p:sldLayout xmlns:a="http://schemas.openxmlformats.org/drawingml/2006/main" xmlns:r="http://schemas.openxmlformats.org/officeDocument/2006/relationships" xmlns:p="http://schemas.openxmlformats.org/presentationml/2006/main" preserve="1">
+  <p:cSld name="Karta s názvom">
+    <p:spTree>
+      <p:nvGrpSpPr>
+        <p:cNvPr id="1" name=""/>
+        <p:cNvGrpSpPr/>
+        <p:nvPr/>
+      </p:nvGrpSpPr>
+      <p:grpSpPr>
+        <a:xfrm>
+          <a:off x="0" y="0"/>
+          <a:ext cx="0" cy="0"/>
+          <a:chOff x="0" y="0"/>
+          <a:chExt cx="0" cy="0"/>
+        </a:xfrm>
+      </p:grpSpPr>
+      <p:pic>
+        <p:nvPicPr>
+          <p:cNvPr id="9" name="Picture 8" descr="HD-ShadowLong.png"/>
+          <p:cNvPicPr>
+            <a:picLocks noChangeAspect="1"/>
+          </p:cNvPicPr>
+          <p:nvPr/>
+        </p:nvPicPr>
+        <p:blipFill>
+          <a:blip r:embed="rId2">
+            <a:extLst>
+              <a:ext uri="{28A0092B-C50C-407E-A947-70E740481C1C}">
+                <a14:useLocalDpi xmlns:a14="http://schemas.microsoft.com/office/drawing/2010/main" val="0"/>
+              </a:ext>
+            </a:extLst>
+          </a:blip>
+          <a:stretch>
+            <a:fillRect/>
+          </a:stretch>
+        </p:blipFill>
+        <p:spPr>
+          <a:xfrm>
+            <a:off x="1" y="5928628"/>
+            <a:ext cx="10437812" cy="321164"/>
+          </a:xfrm>
+          <a:prstGeom prst="rect">
+            <a:avLst/>
+          </a:prstGeom>
+        </p:spPr>
+      </p:pic>
+      <p:pic>
+        <p:nvPicPr>
+          <p:cNvPr id="10" name="Picture 9" descr="HD-ShadowShort.png"/>
+          <p:cNvPicPr>
+            <a:picLocks noChangeAspect="1"/>
+          </p:cNvPicPr>
+          <p:nvPr/>
+        </p:nvPicPr>
+        <p:blipFill>
+          <a:blip r:embed="rId3">
+            <a:extLst>
+              <a:ext uri="{28A0092B-C50C-407E-A947-70E740481C1C}">
+                <a14:useLocalDpi xmlns:a14="http://schemas.microsoft.com/office/drawing/2010/main" val="0"/>
+              </a:ext>
+            </a:extLst>
+          </a:blip>
+          <a:stretch>
+            <a:fillRect/>
+          </a:stretch>
+        </p:blipFill>
+        <p:spPr>
+          <a:xfrm>
+            <a:off x="10585826" y="5929622"/>
+            <a:ext cx="1602997" cy="144270"/>
+          </a:xfrm>
+          <a:prstGeom prst="rect">
+            <a:avLst/>
+          </a:prstGeom>
+        </p:spPr>
+      </p:pic>
+      <p:sp>
+        <p:nvSpPr>
+          <p:cNvPr id="11" name="Rectangle 10"/>
+          <p:cNvSpPr/>
+          <p:nvPr/>
+        </p:nvSpPr>
+        <p:spPr>
+          <a:xfrm>
+            <a:off x="0" y="4567988"/>
+            <a:ext cx="10437812" cy="1368198"/>
+          </a:xfrm>
+          <a:prstGeom prst="rect">
+            <a:avLst/>
+          </a:prstGeom>
+          <a:solidFill>
+            <a:schemeClr val="bg1">
+              <a:lumMod val="85000"/>
+              <a:lumOff val="15000"/>
+            </a:schemeClr>
+          </a:solidFill>
+          <a:ln>
+            <a:noFill/>
+          </a:ln>
+        </p:spPr>
+        <p:style>
+          <a:lnRef idx="2">
+            <a:schemeClr val="accent1">
+              <a:shade val="50000"/>
+            </a:schemeClr>
+          </a:lnRef>
+          <a:fillRef idx="1">
+            <a:schemeClr val="accent1"/>
+          </a:fillRef>
+          <a:effectRef idx="0">
+            <a:schemeClr val="accent1"/>
+          </a:effectRef>
+          <a:fontRef idx="minor">
+            <a:schemeClr val="lt1"/>
+          </a:fontRef>
+        </p:style>
+      </p:sp>
+      <p:sp>
+        <p:nvSpPr>
+          <p:cNvPr id="12" name="Rectangle 11"/>
+          <p:cNvSpPr/>
+          <p:nvPr/>
+        </p:nvSpPr>
+        <p:spPr>
+          <a:xfrm>
+            <a:off x="10585827" y="4567988"/>
+            <a:ext cx="1602997" cy="1368198"/>
+          </a:xfrm>
+          <a:prstGeom prst="rect">
+            <a:avLst/>
+          </a:prstGeom>
+          <a:solidFill>
+            <a:schemeClr val="accent1"/>
+          </a:solidFill>
+          <a:ln>
+            <a:noFill/>
+          </a:ln>
+        </p:spPr>
+        <p:style>
+          <a:lnRef idx="2">
+            <a:schemeClr val="accent1">
+              <a:shade val="50000"/>
+            </a:schemeClr>
+          </a:lnRef>
+          <a:fillRef idx="1">
+            <a:schemeClr val="accent1"/>
+          </a:fillRef>
+          <a:effectRef idx="0">
+            <a:schemeClr val="accent1"/>
+          </a:effectRef>
+          <a:fontRef idx="minor">
+            <a:schemeClr val="lt1"/>
+          </a:fontRef>
+        </p:style>
+      </p:sp>
+      <p:sp>
+        <p:nvSpPr>
+          <p:cNvPr id="2" name="Title 1"/>
+          <p:cNvSpPr>
+            <a:spLocks noGrp="1"/>
+          </p:cNvSpPr>
+          <p:nvPr>
+            <p:ph type="title"/>
+          </p:nvPr>
+        </p:nvSpPr>
+        <p:spPr>
+          <a:xfrm>
+            <a:off x="680319" y="4711615"/>
+            <a:ext cx="9613862" cy="588535"/>
+          </a:xfrm>
+        </p:spPr>
+        <p:txBody>
+          <a:bodyPr anchor="b"/>
+          <a:lstStyle>
+            <a:lvl1pPr>
+              <a:defRPr sz="3200"/>
+            </a:lvl1pPr>
+          </a:lstStyle>
+          <a:p>
+            <a:r>
+              <a:rPr lang="sk-SK"/>
+              <a:t>Kliknutím upravte štýl predlohy nadpisu</a:t>
+            </a:r>
+            <a:endParaRPr lang="en-US" dirty="0"/>
+          </a:p>
+        </p:txBody>
+      </p:sp>
+      <p:sp>
+        <p:nvSpPr>
+          <p:cNvPr id="4" name="Text Placeholder 3"/>
+          <p:cNvSpPr>
+            <a:spLocks noGrp="1"/>
+          </p:cNvSpPr>
+          <p:nvPr>
+            <p:ph type="body" sz="half" idx="2"/>
+          </p:nvPr>
+        </p:nvSpPr>
+        <p:spPr>
+          <a:xfrm>
+            <a:off x="680320" y="5300149"/>
+            <a:ext cx="9613862" cy="502255"/>
+          </a:xfrm>
+        </p:spPr>
+        <p:txBody>
+          <a:bodyPr anchor="t"/>
+          <a:lstStyle>
+            <a:lvl1pPr marL="0" indent="0">
+              <a:buNone/>
+              <a:defRPr sz="1600"/>
+            </a:lvl1pPr>
+            <a:lvl2pPr marL="457200" indent="0">
+              <a:buNone/>
+              <a:defRPr sz="1400"/>
+            </a:lvl2pPr>
+            <a:lvl3pPr marL="914400" indent="0">
+              <a:buNone/>
+              <a:defRPr sz="1200"/>
+            </a:lvl3pPr>
+            <a:lvl4pPr marL="1371600" indent="0">
+              <a:buNone/>
+              <a:defRPr sz="1000"/>
+            </a:lvl4pPr>
+            <a:lvl5pPr marL="1828800" indent="0">
+              <a:buNone/>
+              <a:defRPr sz="1000"/>
+            </a:lvl5pPr>
+            <a:lvl6pPr marL="2286000" indent="0">
+              <a:buNone/>
+              <a:defRPr sz="1000"/>
+            </a:lvl6pPr>
+            <a:lvl7pPr marL="2743200" indent="0">
+              <a:buNone/>
+              <a:defRPr sz="1000"/>
+            </a:lvl7pPr>
+            <a:lvl8pPr marL="3200400" indent="0">
+              <a:buNone/>
+              <a:defRPr sz="1000"/>
+            </a:lvl8pPr>
+            <a:lvl9pPr marL="3657600" indent="0">
+              <a:buNone/>
+              <a:defRPr sz="1000"/>
+            </a:lvl9pPr>
+          </a:lstStyle>
+          <a:p>
+            <a:pPr lvl="0"/>
+            <a:r>
+              <a:rPr lang="sk-SK"/>
+              <a:t>Kliknite sem a upravte štýly predlohy textu</a:t>
+            </a:r>
+          </a:p>
+        </p:txBody>
+      </p:sp>
+      <p:sp>
+        <p:nvSpPr>
+          <p:cNvPr id="5" name="Date Placeholder 4"/>
+          <p:cNvSpPr>
+            <a:spLocks noGrp="1"/>
+          </p:cNvSpPr>
+          <p:nvPr>
+            <p:ph type="dt" sz="half" idx="10"/>
+          </p:nvPr>
+        </p:nvSpPr>
+        <p:spPr/>
+        <p:txBody>
+          <a:bodyPr/>
+          <a:lstStyle/>
+          <a:p>
+            <a:fld id="{CC18E518-9312-428E-99F8-E157FFD147CF}" type="datetimeFigureOut">
+              <a:rPr lang="sk-SK" smtClean="0"/>
+              <a:t>10. 05. 2019</a:t>
+            </a:fld>
+            <a:endParaRPr lang="sk-SK"/>
+          </a:p>
+        </p:txBody>
+      </p:sp>
+      <p:sp>
+        <p:nvSpPr>
+          <p:cNvPr id="6" name="Footer Placeholder 5"/>
+          <p:cNvSpPr>
+            <a:spLocks noGrp="1"/>
+          </p:cNvSpPr>
+          <p:nvPr>
+            <p:ph type="ftr" sz="quarter" idx="11"/>
+          </p:nvPr>
+        </p:nvSpPr>
+        <p:spPr/>
+        <p:txBody>
+          <a:bodyPr/>
+          <a:lstStyle/>
+          <a:p>
+            <a:endParaRPr lang="sk-SK"/>
+          </a:p>
+        </p:txBody>
+      </p:sp>
+      <p:sp>
+        <p:nvSpPr>
+          <p:cNvPr id="7" name="Slide Number Placeholder 6"/>
+          <p:cNvSpPr>
+            <a:spLocks noGrp="1"/>
+          </p:cNvSpPr>
+          <p:nvPr>
+            <p:ph type="sldNum" sz="quarter" idx="12"/>
+          </p:nvPr>
+        </p:nvSpPr>
+        <p:spPr>
+          <a:xfrm>
+            <a:off x="10729455" y="4709925"/>
+            <a:ext cx="1154151" cy="1090789"/>
+          </a:xfrm>
+        </p:spPr>
+        <p:txBody>
+          <a:bodyPr/>
+          <a:lstStyle/>
+          <a:p>
+            <a:fld id="{F0A719F2-AE6D-4D5A-AE60-212B10298967}" type="slidenum">
+              <a:rPr lang="sk-SK" smtClean="0"/>
+              <a:t>‹#›</a:t>
+            </a:fld>
+            <a:endParaRPr lang="sk-SK"/>
+          </a:p>
+        </p:txBody>
+      </p:sp>
+    </p:spTree>
+    <p:extLst>
+      <p:ext uri="{BB962C8B-B14F-4D97-AF65-F5344CB8AC3E}">
+        <p14:creationId xmlns:p14="http://schemas.microsoft.com/office/powerpoint/2010/main" val="2904830481"/>
+      </p:ext>
+    </p:extLst>
+  </p:cSld>
+  <p:clrMapOvr>
+    <a:masterClrMapping/>
+  </p:clrMapOvr>
+</p:sldLayout>
+</file>
+
+<file path=ppt/slideLayouts/slideLayout14.xml><?xml version="1.0" encoding="utf-8"?>
+<p:sldLayout xmlns:a="http://schemas.openxmlformats.org/drawingml/2006/main" xmlns:r="http://schemas.openxmlformats.org/officeDocument/2006/relationships" xmlns:p="http://schemas.openxmlformats.org/presentationml/2006/main" preserve="1">
+  <p:cSld name="3 Stĺpec">
+    <p:spTree>
+      <p:nvGrpSpPr>
+        <p:cNvPr id="1" name=""/>
+        <p:cNvGrpSpPr/>
+        <p:nvPr/>
+      </p:nvGrpSpPr>
+      <p:grpSpPr>
+        <a:xfrm>
+          <a:off x="0" y="0"/>
+          <a:ext cx="0" cy="0"/>
+          <a:chOff x="0" y="0"/>
+          <a:chExt cx="0" cy="0"/>
+        </a:xfrm>
+      </p:grpSpPr>
+      <p:pic>
+        <p:nvPicPr>
+          <p:cNvPr id="13" name="Picture 12" descr="HD-ShadowLong.png"/>
+          <p:cNvPicPr>
+            <a:picLocks noChangeAspect="1"/>
+          </p:cNvPicPr>
+          <p:nvPr/>
+        </p:nvPicPr>
+        <p:blipFill>
+          <a:blip r:embed="rId2">
+            <a:extLst>
+              <a:ext uri="{28A0092B-C50C-407E-A947-70E740481C1C}">
+                <a14:useLocalDpi xmlns:a14="http://schemas.microsoft.com/office/drawing/2010/main" val="0"/>
+              </a:ext>
+            </a:extLst>
+          </a:blip>
+          <a:stretch>
+            <a:fillRect/>
+          </a:stretch>
+        </p:blipFill>
+        <p:spPr>
+          <a:xfrm>
+            <a:off x="1" y="1970240"/>
+            <a:ext cx="10437812" cy="321164"/>
+          </a:xfrm>
+          <a:prstGeom prst="rect">
+            <a:avLst/>
+          </a:prstGeom>
+        </p:spPr>
+      </p:pic>
+      <p:pic>
+        <p:nvPicPr>
+          <p:cNvPr id="14" name="Picture 13" descr="HD-ShadowShort.png"/>
+          <p:cNvPicPr>
+            <a:picLocks noChangeAspect="1"/>
+          </p:cNvPicPr>
+          <p:nvPr/>
+        </p:nvPicPr>
+        <p:blipFill>
+          <a:blip r:embed="rId3">
+            <a:extLst>
+              <a:ext uri="{28A0092B-C50C-407E-A947-70E740481C1C}">
+                <a14:useLocalDpi xmlns:a14="http://schemas.microsoft.com/office/drawing/2010/main" val="0"/>
+              </a:ext>
+            </a:extLst>
+          </a:blip>
+          <a:stretch>
+            <a:fillRect/>
+          </a:stretch>
+        </p:blipFill>
+        <p:spPr>
+          <a:xfrm>
+            <a:off x="10585826" y="1971234"/>
+            <a:ext cx="1602997" cy="144270"/>
+          </a:xfrm>
+          <a:prstGeom prst="rect">
+            <a:avLst/>
+          </a:prstGeom>
+        </p:spPr>
+      </p:pic>
+      <p:sp>
+        <p:nvSpPr>
+          <p:cNvPr id="16" name="Rectangle 15"/>
+          <p:cNvSpPr/>
+          <p:nvPr/>
+        </p:nvSpPr>
+        <p:spPr>
+          <a:xfrm>
+            <a:off x="0" y="609600"/>
+            <a:ext cx="10437812" cy="1368198"/>
+          </a:xfrm>
+          <a:prstGeom prst="rect">
+            <a:avLst/>
+          </a:prstGeom>
+          <a:solidFill>
+            <a:schemeClr val="bg1">
+              <a:lumMod val="85000"/>
+              <a:lumOff val="15000"/>
+            </a:schemeClr>
+          </a:solidFill>
+          <a:ln>
+            <a:noFill/>
+          </a:ln>
+        </p:spPr>
+        <p:style>
+          <a:lnRef idx="2">
+            <a:schemeClr val="accent1">
+              <a:shade val="50000"/>
+            </a:schemeClr>
+          </a:lnRef>
+          <a:fillRef idx="1">
+            <a:schemeClr val="accent1"/>
+          </a:fillRef>
+          <a:effectRef idx="0">
+            <a:schemeClr val="accent1"/>
+          </a:effectRef>
+          <a:fontRef idx="minor">
+            <a:schemeClr val="lt1"/>
+          </a:fontRef>
+        </p:style>
+      </p:sp>
+      <p:sp>
+        <p:nvSpPr>
+          <p:cNvPr id="17" name="Rectangle 16"/>
+          <p:cNvSpPr/>
+          <p:nvPr/>
+        </p:nvSpPr>
+        <p:spPr>
+          <a:xfrm>
+            <a:off x="10585827" y="609600"/>
+            <a:ext cx="1602997" cy="1368198"/>
+          </a:xfrm>
+          <a:prstGeom prst="rect">
+            <a:avLst/>
+          </a:prstGeom>
+          <a:solidFill>
+            <a:schemeClr val="accent1"/>
+          </a:solidFill>
+          <a:ln>
+            <a:noFill/>
+          </a:ln>
+        </p:spPr>
+        <p:style>
+          <a:lnRef idx="2">
+            <a:schemeClr val="accent1">
+              <a:shade val="50000"/>
+            </a:schemeClr>
+          </a:lnRef>
+          <a:fillRef idx="1">
+            <a:schemeClr val="accent1"/>
+          </a:fillRef>
+          <a:effectRef idx="0">
+            <a:schemeClr val="accent1"/>
+          </a:effectRef>
+          <a:fontRef idx="minor">
+            <a:schemeClr val="lt1"/>
+          </a:fontRef>
+        </p:style>
+      </p:sp>
+      <p:sp>
+        <p:nvSpPr>
+          <p:cNvPr id="15" name="Title 1"/>
+          <p:cNvSpPr>
+            <a:spLocks noGrp="1"/>
+          </p:cNvSpPr>
+          <p:nvPr>
+            <p:ph type="title"/>
+          </p:nvPr>
+        </p:nvSpPr>
+        <p:spPr>
+          <a:xfrm>
+            <a:off x="669222" y="753228"/>
+            <a:ext cx="9624960" cy="1080938"/>
+          </a:xfrm>
+        </p:spPr>
+        <p:txBody>
+          <a:bodyPr/>
+          <a:lstStyle/>
+          <a:p>
+            <a:r>
+              <a:rPr lang="sk-SK"/>
+              <a:t>Kliknutím upravte štýl predlohy nadpisu</a:t>
+            </a:r>
+            <a:endParaRPr lang="en-US" dirty="0"/>
+          </a:p>
+        </p:txBody>
+      </p:sp>
+      <p:sp>
+        <p:nvSpPr>
+          <p:cNvPr id="7" name="Text Placeholder 2"/>
+          <p:cNvSpPr>
+            <a:spLocks noGrp="1"/>
+          </p:cNvSpPr>
+          <p:nvPr>
+            <p:ph type="body" idx="1"/>
+          </p:nvPr>
+        </p:nvSpPr>
+        <p:spPr>
+          <a:xfrm>
+            <a:off x="660946" y="2336873"/>
+            <a:ext cx="3070034" cy="576262"/>
+          </a:xfrm>
+        </p:spPr>
+        <p:txBody>
+          <a:bodyPr anchor="b">
+            <a:noAutofit/>
+          </a:bodyPr>
+          <a:lstStyle>
+            <a:lvl1pPr marL="0" indent="0">
+              <a:buNone/>
+              <a:defRPr sz="2400" b="0">
+                <a:solidFill>
+                  <a:schemeClr val="tx1"/>
+                </a:solidFill>
+              </a:defRPr>
+            </a:lvl1pPr>
+            <a:lvl2pPr marL="457200" indent="0">
+              <a:buNone/>
+              <a:defRPr sz="2000" b="1"/>
+            </a:lvl2pPr>
+            <a:lvl3pPr marL="914400" indent="0">
+              <a:buNone/>
+              <a:defRPr sz="1800" b="1"/>
+            </a:lvl3pPr>
+            <a:lvl4pPr marL="1371600" indent="0">
+              <a:buNone/>
+              <a:defRPr sz="1600" b="1"/>
+            </a:lvl4pPr>
+            <a:lvl5pPr marL="1828800" indent="0">
+              <a:buNone/>
+              <a:defRPr sz="1600" b="1"/>
+            </a:lvl5pPr>
+            <a:lvl6pPr marL="2286000" indent="0">
+              <a:buNone/>
+              <a:defRPr sz="1600" b="1"/>
+            </a:lvl6pPr>
+            <a:lvl7pPr marL="2743200" indent="0">
+              <a:buNone/>
+              <a:defRPr sz="1600" b="1"/>
+            </a:lvl7pPr>
+            <a:lvl8pPr marL="3200400" indent="0">
+              <a:buNone/>
+              <a:defRPr sz="1600" b="1"/>
+            </a:lvl8pPr>
+            <a:lvl9pPr marL="3657600" indent="0">
+              <a:buNone/>
+              <a:defRPr sz="1600" b="1"/>
+            </a:lvl9pPr>
+          </a:lstStyle>
+          <a:p>
+            <a:pPr lvl="0"/>
+            <a:r>
+              <a:rPr lang="sk-SK"/>
+              <a:t>Kliknite sem a upravte štýly predlohy textu</a:t>
+            </a:r>
+          </a:p>
+        </p:txBody>
+      </p:sp>
+      <p:sp>
+        <p:nvSpPr>
+          <p:cNvPr id="8" name="Text Placeholder 3"/>
+          <p:cNvSpPr>
+            <a:spLocks noGrp="1"/>
+          </p:cNvSpPr>
+          <p:nvPr>
+            <p:ph type="body" sz="half" idx="15"/>
+          </p:nvPr>
+        </p:nvSpPr>
+        <p:spPr>
+          <a:xfrm>
+            <a:off x="680322" y="3022673"/>
+            <a:ext cx="3049702" cy="2913513"/>
+          </a:xfrm>
+        </p:spPr>
+        <p:txBody>
+          <a:bodyPr anchor="t">
+            <a:normAutofit/>
+          </a:bodyPr>
+          <a:lstStyle>
+            <a:lvl1pPr marL="0" indent="0">
+              <a:buNone/>
+              <a:defRPr sz="1400"/>
+            </a:lvl1pPr>
+            <a:lvl2pPr marL="457200" indent="0">
+              <a:buNone/>
+              <a:defRPr sz="1200"/>
+            </a:lvl2pPr>
+            <a:lvl3pPr marL="914400" indent="0">
+              <a:buNone/>
+              <a:defRPr sz="1000"/>
+            </a:lvl3pPr>
+            <a:lvl4pPr marL="1371600" indent="0">
+              <a:buNone/>
+              <a:defRPr sz="900"/>
+            </a:lvl4pPr>
+            <a:lvl5pPr marL="1828800" indent="0">
+              <a:buNone/>
+              <a:defRPr sz="900"/>
+            </a:lvl5pPr>
+            <a:lvl6pPr marL="2286000" indent="0">
+              <a:buNone/>
+              <a:defRPr sz="900"/>
+            </a:lvl6pPr>
+            <a:lvl7pPr marL="2743200" indent="0">
+              <a:buNone/>
+              <a:defRPr sz="900"/>
+            </a:lvl7pPr>
+            <a:lvl8pPr marL="3200400" indent="0">
+              <a:buNone/>
+              <a:defRPr sz="900"/>
+            </a:lvl8pPr>
+            <a:lvl9pPr marL="3657600" indent="0">
+              <a:buNone/>
+              <a:defRPr sz="900"/>
+            </a:lvl9pPr>
+          </a:lstStyle>
+          <a:p>
+            <a:pPr lvl="0"/>
+            <a:r>
+              <a:rPr lang="sk-SK"/>
+              <a:t>Kliknite sem a upravte štýly predlohy textu</a:t>
+            </a:r>
+          </a:p>
+        </p:txBody>
+      </p:sp>
+      <p:sp>
+        <p:nvSpPr>
+          <p:cNvPr id="9" name="Text Placeholder 4"/>
+          <p:cNvSpPr>
+            <a:spLocks noGrp="1"/>
+          </p:cNvSpPr>
+          <p:nvPr>
+            <p:ph type="body" sz="quarter" idx="3"/>
+          </p:nvPr>
+        </p:nvSpPr>
+        <p:spPr>
+          <a:xfrm>
+            <a:off x="3956025" y="2336873"/>
+            <a:ext cx="3063240" cy="576262"/>
+          </a:xfrm>
+        </p:spPr>
+        <p:txBody>
+          <a:bodyPr anchor="b">
+            <a:noAutofit/>
+          </a:bodyPr>
+          <a:lstStyle>
+            <a:lvl1pPr marL="0" indent="0">
+              <a:buNone/>
+              <a:defRPr sz="2400" b="0">
+                <a:solidFill>
+                  <a:schemeClr val="tx1"/>
+                </a:solidFill>
+              </a:defRPr>
+            </a:lvl1pPr>
+            <a:lvl2pPr marL="457200" indent="0">
+              <a:buNone/>
+              <a:defRPr sz="2000" b="1"/>
+            </a:lvl2pPr>
+            <a:lvl3pPr marL="914400" indent="0">
+              <a:buNone/>
+              <a:defRPr sz="1800" b="1"/>
+            </a:lvl3pPr>
+            <a:lvl4pPr marL="1371600" indent="0">
+              <a:buNone/>
+              <a:defRPr sz="1600" b="1"/>
+            </a:lvl4pPr>
+            <a:lvl5pPr marL="1828800" indent="0">
+              <a:buNone/>
+              <a:defRPr sz="1600" b="1"/>
+            </a:lvl5pPr>
+            <a:lvl6pPr marL="2286000" indent="0">
+              <a:buNone/>
+              <a:defRPr sz="1600" b="1"/>
+            </a:lvl6pPr>
+            <a:lvl7pPr marL="2743200" indent="0">
+              <a:buNone/>
+              <a:defRPr sz="1600" b="1"/>
+            </a:lvl7pPr>
+            <a:lvl8pPr marL="3200400" indent="0">
+              <a:buNone/>
+              <a:defRPr sz="1600" b="1"/>
+            </a:lvl8pPr>
+            <a:lvl9pPr marL="3657600" indent="0">
+              <a:buNone/>
+              <a:defRPr sz="1600" b="1"/>
+            </a:lvl9pPr>
+          </a:lstStyle>
+          <a:p>
+            <a:pPr lvl="0"/>
+            <a:r>
+              <a:rPr lang="sk-SK"/>
+              <a:t>Kliknite sem a upravte štýly predlohy textu</a:t>
+            </a:r>
+          </a:p>
+        </p:txBody>
+      </p:sp>
+      <p:sp>
+        <p:nvSpPr>
+          <p:cNvPr id="10" name="Text Placeholder 3"/>
+          <p:cNvSpPr>
+            <a:spLocks noGrp="1"/>
+          </p:cNvSpPr>
+          <p:nvPr>
+            <p:ph type="body" sz="half" idx="16"/>
+          </p:nvPr>
+        </p:nvSpPr>
+        <p:spPr>
+          <a:xfrm>
+            <a:off x="3945470" y="3022673"/>
+            <a:ext cx="3063240" cy="2913513"/>
+          </a:xfrm>
+        </p:spPr>
+        <p:txBody>
+          <a:bodyPr anchor="t">
+            <a:normAutofit/>
+          </a:bodyPr>
+          <a:lstStyle>
+            <a:lvl1pPr marL="0" indent="0">
+              <a:buNone/>
+              <a:defRPr sz="1400"/>
+            </a:lvl1pPr>
+            <a:lvl2pPr marL="457200" indent="0">
+              <a:buNone/>
+              <a:defRPr sz="1200"/>
+            </a:lvl2pPr>
+            <a:lvl3pPr marL="914400" indent="0">
+              <a:buNone/>
+              <a:defRPr sz="1000"/>
+            </a:lvl3pPr>
+            <a:lvl4pPr marL="1371600" indent="0">
+              <a:buNone/>
+              <a:defRPr sz="900"/>
+            </a:lvl4pPr>
+            <a:lvl5pPr marL="1828800" indent="0">
+              <a:buNone/>
+              <a:defRPr sz="900"/>
+            </a:lvl5pPr>
+            <a:lvl6pPr marL="2286000" indent="0">
+              <a:buNone/>
+              <a:defRPr sz="900"/>
+            </a:lvl6pPr>
+            <a:lvl7pPr marL="2743200" indent="0">
+              <a:buNone/>
+              <a:defRPr sz="900"/>
+            </a:lvl7pPr>
+            <a:lvl8pPr marL="3200400" indent="0">
+              <a:buNone/>
+              <a:defRPr sz="900"/>
+            </a:lvl8pPr>
+            <a:lvl9pPr marL="3657600" indent="0">
+              <a:buNone/>
+              <a:defRPr sz="900"/>
+            </a:lvl9pPr>
+          </a:lstStyle>
+          <a:p>
+            <a:pPr lvl="0"/>
+            <a:r>
+              <a:rPr lang="sk-SK"/>
+              <a:t>Kliknite sem a upravte štýly predlohy textu</a:t>
+            </a:r>
+          </a:p>
+        </p:txBody>
+      </p:sp>
+      <p:sp>
+        <p:nvSpPr>
+          <p:cNvPr id="11" name="Text Placeholder 4"/>
+          <p:cNvSpPr>
+            <a:spLocks noGrp="1"/>
+          </p:cNvSpPr>
+          <p:nvPr>
+            <p:ph type="body" sz="quarter" idx="13"/>
+          </p:nvPr>
+        </p:nvSpPr>
+        <p:spPr>
+          <a:xfrm>
+            <a:off x="7224156" y="2336873"/>
+            <a:ext cx="3070025" cy="576262"/>
+          </a:xfrm>
+        </p:spPr>
+        <p:txBody>
+          <a:bodyPr anchor="b">
+            <a:noAutofit/>
+          </a:bodyPr>
+          <a:lstStyle>
+            <a:lvl1pPr marL="0" indent="0">
+              <a:buNone/>
+              <a:defRPr sz="2400" b="0">
+                <a:solidFill>
+                  <a:schemeClr val="tx1"/>
+                </a:solidFill>
+              </a:defRPr>
+            </a:lvl1pPr>
+            <a:lvl2pPr marL="457200" indent="0">
+              <a:buNone/>
+              <a:defRPr sz="2000" b="1"/>
+            </a:lvl2pPr>
+            <a:lvl3pPr marL="914400" indent="0">
+              <a:buNone/>
+              <a:defRPr sz="1800" b="1"/>
+            </a:lvl3pPr>
+            <a:lvl4pPr marL="1371600" indent="0">
+              <a:buNone/>
+              <a:defRPr sz="1600" b="1"/>
+            </a:lvl4pPr>
+            <a:lvl5pPr marL="1828800" indent="0">
+              <a:buNone/>
+              <a:defRPr sz="1600" b="1"/>
+            </a:lvl5pPr>
+            <a:lvl6pPr marL="2286000" indent="0">
+              <a:buNone/>
+              <a:defRPr sz="1600" b="1"/>
+            </a:lvl6pPr>
+            <a:lvl7pPr marL="2743200" indent="0">
+              <a:buNone/>
+              <a:defRPr sz="1600" b="1"/>
+            </a:lvl7pPr>
+            <a:lvl8pPr marL="3200400" indent="0">
+              <a:buNone/>
+              <a:defRPr sz="1600" b="1"/>
+            </a:lvl8pPr>
+            <a:lvl9pPr marL="3657600" indent="0">
+              <a:buNone/>
+              <a:defRPr sz="1600" b="1"/>
+            </a:lvl9pPr>
+          </a:lstStyle>
+          <a:p>
+            <a:pPr lvl="0"/>
+            <a:r>
+              <a:rPr lang="sk-SK"/>
+              <a:t>Kliknite sem a upravte štýly predlohy textu</a:t>
+            </a:r>
+          </a:p>
+        </p:txBody>
+      </p:sp>
+      <p:sp>
+        <p:nvSpPr>
+          <p:cNvPr id="12" name="Text Placeholder 3"/>
+          <p:cNvSpPr>
+            <a:spLocks noGrp="1"/>
+          </p:cNvSpPr>
+          <p:nvPr>
+            <p:ph type="body" sz="half" idx="17"/>
+          </p:nvPr>
+        </p:nvSpPr>
+        <p:spPr>
+          <a:xfrm>
+            <a:off x="7224156" y="3022673"/>
+            <a:ext cx="3070025" cy="2913513"/>
+          </a:xfrm>
+        </p:spPr>
+        <p:txBody>
+          <a:bodyPr anchor="t">
+            <a:normAutofit/>
+          </a:bodyPr>
+          <a:lstStyle>
+            <a:lvl1pPr marL="0" indent="0">
+              <a:buNone/>
+              <a:defRPr sz="1400"/>
+            </a:lvl1pPr>
+            <a:lvl2pPr marL="457200" indent="0">
+              <a:buNone/>
+              <a:defRPr sz="1200"/>
+            </a:lvl2pPr>
+            <a:lvl3pPr marL="914400" indent="0">
+              <a:buNone/>
+              <a:defRPr sz="1000"/>
+            </a:lvl3pPr>
+            <a:lvl4pPr marL="1371600" indent="0">
+              <a:buNone/>
+              <a:defRPr sz="900"/>
+            </a:lvl4pPr>
+            <a:lvl5pPr marL="1828800" indent="0">
+              <a:buNone/>
+              <a:defRPr sz="900"/>
+            </a:lvl5pPr>
+            <a:lvl6pPr marL="2286000" indent="0">
+              <a:buNone/>
+              <a:defRPr sz="900"/>
+            </a:lvl6pPr>
+            <a:lvl7pPr marL="2743200" indent="0">
+              <a:buNone/>
+              <a:defRPr sz="900"/>
+            </a:lvl7pPr>
+            <a:lvl8pPr marL="3200400" indent="0">
+              <a:buNone/>
+              <a:defRPr sz="900"/>
+            </a:lvl8pPr>
+            <a:lvl9pPr marL="3657600" indent="0">
+              <a:buNone/>
+              <a:defRPr sz="900"/>
+            </a:lvl9pPr>
+          </a:lstStyle>
+          <a:p>
+            <a:pPr lvl="0"/>
+            <a:r>
+              <a:rPr lang="sk-SK"/>
+              <a:t>Kliknite sem a upravte štýly predlohy textu</a:t>
+            </a:r>
+          </a:p>
+        </p:txBody>
+      </p:sp>
+      <p:sp>
+        <p:nvSpPr>
+          <p:cNvPr id="3" name="Date Placeholder 2"/>
+          <p:cNvSpPr>
+            <a:spLocks noGrp="1"/>
+          </p:cNvSpPr>
+          <p:nvPr>
+            <p:ph type="dt" sz="half" idx="10"/>
+          </p:nvPr>
+        </p:nvSpPr>
+        <p:spPr/>
+        <p:txBody>
+          <a:bodyPr/>
+          <a:lstStyle/>
+          <a:p>
+            <a:fld id="{CC18E518-9312-428E-99F8-E157FFD147CF}" type="datetimeFigureOut">
+              <a:rPr lang="sk-SK" smtClean="0"/>
+              <a:t>10. 05. 2019</a:t>
+            </a:fld>
+            <a:endParaRPr lang="sk-SK"/>
+          </a:p>
+        </p:txBody>
+      </p:sp>
+      <p:sp>
+        <p:nvSpPr>
+          <p:cNvPr id="4" name="Footer Placeholder 3"/>
+          <p:cNvSpPr>
+            <a:spLocks noGrp="1"/>
+          </p:cNvSpPr>
+          <p:nvPr>
+            <p:ph type="ftr" sz="quarter" idx="11"/>
+          </p:nvPr>
+        </p:nvSpPr>
+        <p:spPr/>
+        <p:txBody>
+          <a:bodyPr/>
+          <a:lstStyle/>
+          <a:p>
+            <a:endParaRPr lang="sk-SK"/>
+          </a:p>
+        </p:txBody>
+      </p:sp>
+      <p:sp>
+        <p:nvSpPr>
+          <p:cNvPr id="5" name="Slide Number Placeholder 4"/>
+          <p:cNvSpPr>
+            <a:spLocks noGrp="1"/>
+          </p:cNvSpPr>
+          <p:nvPr>
+            <p:ph type="sldNum" sz="quarter" idx="12"/>
+          </p:nvPr>
+        </p:nvSpPr>
+        <p:spPr/>
+        <p:txBody>
+          <a:bodyPr/>
+          <a:lstStyle/>
+          <a:p>
+            <a:fld id="{F0A719F2-AE6D-4D5A-AE60-212B10298967}" type="slidenum">
+              <a:rPr lang="sk-SK" smtClean="0"/>
+              <a:t>‹#›</a:t>
+            </a:fld>
+            <a:endParaRPr lang="sk-SK"/>
+          </a:p>
+        </p:txBody>
+      </p:sp>
+    </p:spTree>
+    <p:extLst>
+      <p:ext uri="{BB962C8B-B14F-4D97-AF65-F5344CB8AC3E}">
+        <p14:creationId xmlns:p14="http://schemas.microsoft.com/office/powerpoint/2010/main" val="2506381039"/>
+      </p:ext>
+    </p:extLst>
+  </p:cSld>
+  <p:clrMapOvr>
+    <a:masterClrMapping/>
+  </p:clrMapOvr>
+</p:sldLayout>
+</file>
+
+<file path=ppt/slideLayouts/slideLayout15.xml><?xml version="1.0" encoding="utf-8"?>
+<p:sldLayout xmlns:a="http://schemas.openxmlformats.org/drawingml/2006/main" xmlns:r="http://schemas.openxmlformats.org/officeDocument/2006/relationships" xmlns:p="http://schemas.openxmlformats.org/presentationml/2006/main" preserve="1">
+  <p:cSld name="3 Stĺpec s obrázkom">
+    <p:spTree>
+      <p:nvGrpSpPr>
+        <p:cNvPr id="1" name=""/>
+        <p:cNvGrpSpPr/>
+        <p:nvPr/>
+      </p:nvGrpSpPr>
+      <p:grpSpPr>
+        <a:xfrm>
+          <a:off x="0" y="0"/>
+          <a:ext cx="0" cy="0"/>
+          <a:chOff x="0" y="0"/>
+          <a:chExt cx="0" cy="0"/>
+        </a:xfrm>
+      </p:grpSpPr>
+      <p:pic>
+        <p:nvPicPr>
+          <p:cNvPr id="15" name="Picture 14" descr="HD-ShadowLong.png"/>
+          <p:cNvPicPr>
+            <a:picLocks noChangeAspect="1"/>
+          </p:cNvPicPr>
+          <p:nvPr/>
+        </p:nvPicPr>
+        <p:blipFill>
+          <a:blip r:embed="rId2">
+            <a:extLst>
+              <a:ext uri="{28A0092B-C50C-407E-A947-70E740481C1C}">
+                <a14:useLocalDpi xmlns:a14="http://schemas.microsoft.com/office/drawing/2010/main" val="0"/>
+              </a:ext>
+            </a:extLst>
+          </a:blip>
+          <a:stretch>
+            <a:fillRect/>
+          </a:stretch>
+        </p:blipFill>
+        <p:spPr>
+          <a:xfrm>
+            <a:off x="1" y="1970240"/>
+            <a:ext cx="10437812" cy="321164"/>
+          </a:xfrm>
+          <a:prstGeom prst="rect">
+            <a:avLst/>
+          </a:prstGeom>
+        </p:spPr>
+      </p:pic>
+      <p:pic>
+        <p:nvPicPr>
+          <p:cNvPr id="16" name="Picture 15" descr="HD-ShadowShort.png"/>
+          <p:cNvPicPr>
+            <a:picLocks noChangeAspect="1"/>
+          </p:cNvPicPr>
+          <p:nvPr/>
+        </p:nvPicPr>
+        <p:blipFill>
+          <a:blip r:embed="rId3">
+            <a:extLst>
+              <a:ext uri="{28A0092B-C50C-407E-A947-70E740481C1C}">
+                <a14:useLocalDpi xmlns:a14="http://schemas.microsoft.com/office/drawing/2010/main" val="0"/>
+              </a:ext>
+            </a:extLst>
+          </a:blip>
+          <a:stretch>
+            <a:fillRect/>
+          </a:stretch>
+        </p:blipFill>
+        <p:spPr>
+          <a:xfrm>
+            <a:off x="10585826" y="1971234"/>
+            <a:ext cx="1602997" cy="144270"/>
+          </a:xfrm>
+          <a:prstGeom prst="rect">
+            <a:avLst/>
+          </a:prstGeom>
+        </p:spPr>
+      </p:pic>
+      <p:sp>
+        <p:nvSpPr>
+          <p:cNvPr id="17" name="Rectangle 16"/>
+          <p:cNvSpPr/>
+          <p:nvPr/>
+        </p:nvSpPr>
+        <p:spPr>
+          <a:xfrm>
+            <a:off x="0" y="609600"/>
+            <a:ext cx="10437812" cy="1368198"/>
+          </a:xfrm>
+          <a:prstGeom prst="rect">
+            <a:avLst/>
+          </a:prstGeom>
+          <a:solidFill>
+            <a:schemeClr val="bg1">
+              <a:lumMod val="85000"/>
+              <a:lumOff val="15000"/>
+            </a:schemeClr>
+          </a:solidFill>
+          <a:ln>
+            <a:noFill/>
+          </a:ln>
+        </p:spPr>
+        <p:style>
+          <a:lnRef idx="2">
+            <a:schemeClr val="accent1">
+              <a:shade val="50000"/>
+            </a:schemeClr>
+          </a:lnRef>
+          <a:fillRef idx="1">
+            <a:schemeClr val="accent1"/>
+          </a:fillRef>
+          <a:effectRef idx="0">
+            <a:schemeClr val="accent1"/>
+          </a:effectRef>
+          <a:fontRef idx="minor">
+            <a:schemeClr val="lt1"/>
+          </a:fontRef>
+        </p:style>
+      </p:sp>
+      <p:sp>
+        <p:nvSpPr>
+          <p:cNvPr id="18" name="Rectangle 17"/>
+          <p:cNvSpPr/>
+          <p:nvPr/>
+        </p:nvSpPr>
+        <p:spPr>
+          <a:xfrm>
+            <a:off x="10585827" y="609600"/>
+            <a:ext cx="1602997" cy="1368198"/>
+          </a:xfrm>
+          <a:prstGeom prst="rect">
+            <a:avLst/>
+          </a:prstGeom>
+          <a:solidFill>
+            <a:schemeClr val="accent1"/>
+          </a:solidFill>
+          <a:ln>
+            <a:noFill/>
+          </a:ln>
+        </p:spPr>
+        <p:style>
+          <a:lnRef idx="2">
+            <a:schemeClr val="accent1">
+              <a:shade val="50000"/>
+            </a:schemeClr>
+          </a:lnRef>
+          <a:fillRef idx="1">
+            <a:schemeClr val="accent1"/>
+          </a:fillRef>
+          <a:effectRef idx="0">
+            <a:schemeClr val="accent1"/>
+          </a:effectRef>
+          <a:fontRef idx="minor">
+            <a:schemeClr val="lt1"/>
+          </a:fontRef>
+        </p:style>
+      </p:sp>
+      <p:sp>
+        <p:nvSpPr>
+          <p:cNvPr id="30" name="Title 1"/>
+          <p:cNvSpPr>
+            <a:spLocks noGrp="1"/>
+          </p:cNvSpPr>
+          <p:nvPr>
+            <p:ph type="title"/>
+          </p:nvPr>
+        </p:nvSpPr>
+        <p:spPr>
+          <a:xfrm>
+            <a:off x="680322" y="753228"/>
+            <a:ext cx="9613860" cy="1080938"/>
+          </a:xfrm>
+        </p:spPr>
+        <p:txBody>
+          <a:bodyPr/>
+          <a:lstStyle/>
+          <a:p>
+            <a:r>
+              <a:rPr lang="sk-SK"/>
+              <a:t>Kliknutím upravte štýl predlohy nadpisu</a:t>
+            </a:r>
+            <a:endParaRPr lang="en-US" dirty="0"/>
+          </a:p>
+        </p:txBody>
+      </p:sp>
+      <p:sp>
+        <p:nvSpPr>
+          <p:cNvPr id="19" name="Text Placeholder 2"/>
+          <p:cNvSpPr>
+            <a:spLocks noGrp="1"/>
+          </p:cNvSpPr>
+          <p:nvPr>
+            <p:ph type="body" idx="1"/>
+          </p:nvPr>
+        </p:nvSpPr>
+        <p:spPr>
+          <a:xfrm>
+            <a:off x="680318" y="4297503"/>
+            <a:ext cx="3049705" cy="576262"/>
+          </a:xfrm>
+        </p:spPr>
+        <p:txBody>
+          <a:bodyPr anchor="b">
+            <a:noAutofit/>
+          </a:bodyPr>
+          <a:lstStyle>
+            <a:lvl1pPr marL="0" indent="0">
+              <a:buNone/>
+              <a:defRPr sz="2400" b="0">
+                <a:solidFill>
+                  <a:schemeClr val="tx1"/>
+                </a:solidFill>
+              </a:defRPr>
+            </a:lvl1pPr>
+            <a:lvl2pPr marL="457200" indent="0">
+              <a:buNone/>
+              <a:defRPr sz="2000" b="1"/>
+            </a:lvl2pPr>
+            <a:lvl3pPr marL="914400" indent="0">
+              <a:buNone/>
+              <a:defRPr sz="1800" b="1"/>
+            </a:lvl3pPr>
+            <a:lvl4pPr marL="1371600" indent="0">
+              <a:buNone/>
+              <a:defRPr sz="1600" b="1"/>
+            </a:lvl4pPr>
+            <a:lvl5pPr marL="1828800" indent="0">
+              <a:buNone/>
+              <a:defRPr sz="1600" b="1"/>
+            </a:lvl5pPr>
+            <a:lvl6pPr marL="2286000" indent="0">
+              <a:buNone/>
+              <a:defRPr sz="1600" b="1"/>
+            </a:lvl6pPr>
+            <a:lvl7pPr marL="2743200" indent="0">
+              <a:buNone/>
+              <a:defRPr sz="1600" b="1"/>
+            </a:lvl7pPr>
+            <a:lvl8pPr marL="3200400" indent="0">
+              <a:buNone/>
+              <a:defRPr sz="1600" b="1"/>
+            </a:lvl8pPr>
+            <a:lvl9pPr marL="3657600" indent="0">
+              <a:buNone/>
+              <a:defRPr sz="1600" b="1"/>
+            </a:lvl9pPr>
+          </a:lstStyle>
+          <a:p>
+            <a:pPr lvl="0"/>
+            <a:r>
+              <a:rPr lang="sk-SK"/>
+              <a:t>Kliknite sem a upravte štýly predlohy textu</a:t>
+            </a:r>
+          </a:p>
+        </p:txBody>
+      </p:sp>
+      <p:sp>
+        <p:nvSpPr>
+          <p:cNvPr id="20" name="Picture Placeholder 2"/>
+          <p:cNvSpPr>
+            <a:spLocks noGrp="1" noChangeAspect="1"/>
+          </p:cNvSpPr>
+          <p:nvPr>
+            <p:ph type="pic" idx="15"/>
+          </p:nvPr>
+        </p:nvSpPr>
+        <p:spPr>
+          <a:xfrm>
+            <a:off x="680318" y="2336873"/>
+            <a:ext cx="3049705" cy="1524000"/>
+          </a:xfrm>
+          <a:prstGeom prst="roundRect">
+            <a:avLst>
+              <a:gd name="adj" fmla="val 0"/>
+            </a:avLst>
+          </a:prstGeom>
+          <a:effectLst>
+            <a:outerShdw blurRad="50800" dist="50800" dir="5400000" algn="tl" rotWithShape="0">
+              <a:srgbClr val="000000">
+                <a:alpha val="43000"/>
+              </a:srgbClr>
+            </a:outerShdw>
+          </a:effectLst>
+        </p:spPr>
+        <p:txBody>
+          <a:bodyPr anchor="t">
+            <a:normAutofit/>
+          </a:bodyPr>
+          <a:lstStyle>
+            <a:lvl1pPr marL="0" indent="0" algn="ctr">
+              <a:buNone/>
+              <a:defRPr sz="1600"/>
+            </a:lvl1pPr>
+            <a:lvl2pPr marL="457200" indent="0">
+              <a:buNone/>
+              <a:defRPr sz="1600"/>
+            </a:lvl2pPr>
+            <a:lvl3pPr marL="914400" indent="0">
+              <a:buNone/>
+              <a:defRPr sz="1600"/>
+            </a:lvl3pPr>
+            <a:lvl4pPr marL="1371600" indent="0">
+              <a:buNone/>
+              <a:defRPr sz="1600"/>
+            </a:lvl4pPr>
+            <a:lvl5pPr marL="1828800" indent="0">
+              <a:buNone/>
+              <a:defRPr sz="1600"/>
+            </a:lvl5pPr>
+            <a:lvl6pPr marL="2286000" indent="0">
+              <a:buNone/>
+              <a:defRPr sz="1600"/>
+            </a:lvl6pPr>
+            <a:lvl7pPr marL="2743200" indent="0">
+              <a:buNone/>
+              <a:defRPr sz="1600"/>
+            </a:lvl7pPr>
+            <a:lvl8pPr marL="3200400" indent="0">
+              <a:buNone/>
+              <a:defRPr sz="1600"/>
+            </a:lvl8pPr>
+            <a:lvl9pPr marL="3657600" indent="0">
+              <a:buNone/>
+              <a:defRPr sz="1600"/>
+            </a:lvl9pPr>
+          </a:lstStyle>
+          <a:p>
+            <a:r>
+              <a:rPr lang="sk-SK"/>
+              <a:t>Kliknutím na ikonu pridáte obrázok</a:t>
+            </a:r>
+            <a:endParaRPr lang="en-US" dirty="0"/>
+          </a:p>
+        </p:txBody>
+      </p:sp>
+      <p:sp>
+        <p:nvSpPr>
+          <p:cNvPr id="21" name="Text Placeholder 3"/>
+          <p:cNvSpPr>
+            <a:spLocks noGrp="1"/>
+          </p:cNvSpPr>
+          <p:nvPr>
+            <p:ph type="body" sz="half" idx="18"/>
+          </p:nvPr>
+        </p:nvSpPr>
+        <p:spPr>
+          <a:xfrm>
+            <a:off x="680318" y="4873765"/>
+            <a:ext cx="3049705" cy="1062422"/>
+          </a:xfrm>
+        </p:spPr>
+        <p:txBody>
+          <a:bodyPr anchor="t">
+            <a:normAutofit/>
+          </a:bodyPr>
+          <a:lstStyle>
+            <a:lvl1pPr marL="0" indent="0">
+              <a:buNone/>
+              <a:defRPr sz="1400"/>
+            </a:lvl1pPr>
+            <a:lvl2pPr marL="457200" indent="0">
+              <a:buNone/>
+              <a:defRPr sz="1200"/>
+            </a:lvl2pPr>
+            <a:lvl3pPr marL="914400" indent="0">
+              <a:buNone/>
+              <a:defRPr sz="1000"/>
+            </a:lvl3pPr>
+            <a:lvl4pPr marL="1371600" indent="0">
+              <a:buNone/>
+              <a:defRPr sz="900"/>
+            </a:lvl4pPr>
+            <a:lvl5pPr marL="1828800" indent="0">
+              <a:buNone/>
+              <a:defRPr sz="900"/>
+            </a:lvl5pPr>
+            <a:lvl6pPr marL="2286000" indent="0">
+              <a:buNone/>
+              <a:defRPr sz="900"/>
+            </a:lvl6pPr>
+            <a:lvl7pPr marL="2743200" indent="0">
+              <a:buNone/>
+              <a:defRPr sz="900"/>
+            </a:lvl7pPr>
+            <a:lvl8pPr marL="3200400" indent="0">
+              <a:buNone/>
+              <a:defRPr sz="900"/>
+            </a:lvl8pPr>
+            <a:lvl9pPr marL="3657600" indent="0">
+              <a:buNone/>
+              <a:defRPr sz="900"/>
+            </a:lvl9pPr>
+          </a:lstStyle>
+          <a:p>
+            <a:pPr lvl="0"/>
+            <a:r>
+              <a:rPr lang="sk-SK"/>
+              <a:t>Kliknite sem a upravte štýly predlohy textu</a:t>
+            </a:r>
+          </a:p>
+        </p:txBody>
+      </p:sp>
+      <p:sp>
+        <p:nvSpPr>
+          <p:cNvPr id="22" name="Text Placeholder 4"/>
+          <p:cNvSpPr>
+            <a:spLocks noGrp="1"/>
+          </p:cNvSpPr>
+          <p:nvPr>
+            <p:ph type="body" sz="quarter" idx="3"/>
+          </p:nvPr>
+        </p:nvSpPr>
+        <p:spPr>
+          <a:xfrm>
+            <a:off x="3945471" y="4297503"/>
+            <a:ext cx="3063240" cy="576262"/>
+          </a:xfrm>
+        </p:spPr>
+        <p:txBody>
+          <a:bodyPr anchor="b">
+            <a:noAutofit/>
+          </a:bodyPr>
+          <a:lstStyle>
+            <a:lvl1pPr marL="0" indent="0">
+              <a:buNone/>
+              <a:defRPr sz="2400" b="0">
+                <a:solidFill>
+                  <a:schemeClr val="tx1"/>
+                </a:solidFill>
+              </a:defRPr>
+            </a:lvl1pPr>
+            <a:lvl2pPr marL="457200" indent="0">
+              <a:buNone/>
+              <a:defRPr sz="2000" b="1"/>
+            </a:lvl2pPr>
+            <a:lvl3pPr marL="914400" indent="0">
+              <a:buNone/>
+              <a:defRPr sz="1800" b="1"/>
+            </a:lvl3pPr>
+            <a:lvl4pPr marL="1371600" indent="0">
+              <a:buNone/>
+              <a:defRPr sz="1600" b="1"/>
+            </a:lvl4pPr>
+            <a:lvl5pPr marL="1828800" indent="0">
+              <a:buNone/>
+              <a:defRPr sz="1600" b="1"/>
+            </a:lvl5pPr>
+            <a:lvl6pPr marL="2286000" indent="0">
+              <a:buNone/>
+              <a:defRPr sz="1600" b="1"/>
+            </a:lvl6pPr>
+            <a:lvl7pPr marL="2743200" indent="0">
+              <a:buNone/>
+              <a:defRPr sz="1600" b="1"/>
+            </a:lvl7pPr>
+            <a:lvl8pPr marL="3200400" indent="0">
+              <a:buNone/>
+              <a:defRPr sz="1600" b="1"/>
+            </a:lvl8pPr>
+            <a:lvl9pPr marL="3657600" indent="0">
+              <a:buNone/>
+              <a:defRPr sz="1600" b="1"/>
+            </a:lvl9pPr>
+          </a:lstStyle>
+          <a:p>
+            <a:pPr lvl="0"/>
+            <a:r>
+              <a:rPr lang="sk-SK"/>
+              <a:t>Kliknite sem a upravte štýly predlohy textu</a:t>
+            </a:r>
+          </a:p>
+        </p:txBody>
+      </p:sp>
+      <p:sp>
+        <p:nvSpPr>
+          <p:cNvPr id="23" name="Picture Placeholder 2"/>
+          <p:cNvSpPr>
+            <a:spLocks noGrp="1" noChangeAspect="1"/>
+          </p:cNvSpPr>
+          <p:nvPr>
+            <p:ph type="pic" idx="21"/>
+          </p:nvPr>
+        </p:nvSpPr>
+        <p:spPr>
+          <a:xfrm>
+            <a:off x="3945470" y="2336873"/>
+            <a:ext cx="3063240" cy="1524000"/>
+          </a:xfrm>
+          <a:prstGeom prst="roundRect">
+            <a:avLst>
+              <a:gd name="adj" fmla="val 0"/>
+            </a:avLst>
+          </a:prstGeom>
+          <a:effectLst>
+            <a:outerShdw blurRad="50800" dist="50800" dir="5400000" algn="tl" rotWithShape="0">
+              <a:srgbClr val="000000">
+                <a:alpha val="43000"/>
+              </a:srgbClr>
+            </a:outerShdw>
+          </a:effectLst>
+        </p:spPr>
+        <p:txBody>
+          <a:bodyPr anchor="t">
+            <a:normAutofit/>
+          </a:bodyPr>
+          <a:lstStyle>
+            <a:lvl1pPr marL="0" indent="0" algn="ctr">
+              <a:buNone/>
+              <a:defRPr sz="1600"/>
+            </a:lvl1pPr>
+            <a:lvl2pPr marL="457200" indent="0">
+              <a:buNone/>
+              <a:defRPr sz="1600"/>
+            </a:lvl2pPr>
+            <a:lvl3pPr marL="914400" indent="0">
+              <a:buNone/>
+              <a:defRPr sz="1600"/>
+            </a:lvl3pPr>
+            <a:lvl4pPr marL="1371600" indent="0">
+              <a:buNone/>
+              <a:defRPr sz="1600"/>
+            </a:lvl4pPr>
+            <a:lvl5pPr marL="1828800" indent="0">
+              <a:buNone/>
+              <a:defRPr sz="1600"/>
+            </a:lvl5pPr>
+            <a:lvl6pPr marL="2286000" indent="0">
+              <a:buNone/>
+              <a:defRPr sz="1600"/>
+            </a:lvl6pPr>
+            <a:lvl7pPr marL="2743200" indent="0">
+              <a:buNone/>
+              <a:defRPr sz="1600"/>
+            </a:lvl7pPr>
+            <a:lvl8pPr marL="3200400" indent="0">
+              <a:buNone/>
+              <a:defRPr sz="1600"/>
+            </a:lvl8pPr>
+            <a:lvl9pPr marL="3657600" indent="0">
+              <a:buNone/>
+              <a:defRPr sz="1600"/>
+            </a:lvl9pPr>
+          </a:lstStyle>
+          <a:p>
+            <a:r>
+              <a:rPr lang="sk-SK"/>
+              <a:t>Kliknutím na ikonu pridáte obrázok</a:t>
+            </a:r>
+            <a:endParaRPr lang="en-US" dirty="0"/>
+          </a:p>
+        </p:txBody>
+      </p:sp>
+      <p:sp>
+        <p:nvSpPr>
+          <p:cNvPr id="24" name="Text Placeholder 3"/>
+          <p:cNvSpPr>
+            <a:spLocks noGrp="1"/>
+          </p:cNvSpPr>
+          <p:nvPr>
+            <p:ph type="body" sz="half" idx="19"/>
+          </p:nvPr>
+        </p:nvSpPr>
+        <p:spPr>
+          <a:xfrm>
+            <a:off x="3944117" y="4873764"/>
+            <a:ext cx="3067297" cy="1062422"/>
+          </a:xfrm>
+        </p:spPr>
+        <p:txBody>
+          <a:bodyPr anchor="t">
+            <a:normAutofit/>
+          </a:bodyPr>
+          <a:lstStyle>
+            <a:lvl1pPr marL="0" indent="0">
+              <a:buNone/>
+              <a:defRPr sz="1400"/>
+            </a:lvl1pPr>
+            <a:lvl2pPr marL="457200" indent="0">
+              <a:buNone/>
+              <a:defRPr sz="1200"/>
+            </a:lvl2pPr>
+            <a:lvl3pPr marL="914400" indent="0">
+              <a:buNone/>
+              <a:defRPr sz="1000"/>
+            </a:lvl3pPr>
+            <a:lvl4pPr marL="1371600" indent="0">
+              <a:buNone/>
+              <a:defRPr sz="900"/>
+            </a:lvl4pPr>
+            <a:lvl5pPr marL="1828800" indent="0">
+              <a:buNone/>
+              <a:defRPr sz="900"/>
+            </a:lvl5pPr>
+            <a:lvl6pPr marL="2286000" indent="0">
+              <a:buNone/>
+              <a:defRPr sz="900"/>
+            </a:lvl6pPr>
+            <a:lvl7pPr marL="2743200" indent="0">
+              <a:buNone/>
+              <a:defRPr sz="900"/>
+            </a:lvl7pPr>
+            <a:lvl8pPr marL="3200400" indent="0">
+              <a:buNone/>
+              <a:defRPr sz="900"/>
+            </a:lvl8pPr>
+            <a:lvl9pPr marL="3657600" indent="0">
+              <a:buNone/>
+              <a:defRPr sz="900"/>
+            </a:lvl9pPr>
+          </a:lstStyle>
+          <a:p>
+            <a:pPr lvl="0"/>
+            <a:r>
+              <a:rPr lang="sk-SK"/>
+              <a:t>Kliknite sem a upravte štýly predlohy textu</a:t>
+            </a:r>
+          </a:p>
+        </p:txBody>
+      </p:sp>
+      <p:sp>
+        <p:nvSpPr>
+          <p:cNvPr id="25" name="Text Placeholder 4"/>
+          <p:cNvSpPr>
+            <a:spLocks noGrp="1"/>
+          </p:cNvSpPr>
+          <p:nvPr>
+            <p:ph type="body" sz="quarter" idx="13"/>
+          </p:nvPr>
+        </p:nvSpPr>
+        <p:spPr>
+          <a:xfrm>
+            <a:off x="7230678" y="4297503"/>
+            <a:ext cx="3063505" cy="576262"/>
+          </a:xfrm>
+        </p:spPr>
+        <p:txBody>
+          <a:bodyPr anchor="b">
+            <a:noAutofit/>
+          </a:bodyPr>
+          <a:lstStyle>
+            <a:lvl1pPr marL="0" indent="0">
+              <a:buNone/>
+              <a:defRPr sz="2400" b="0">
+                <a:solidFill>
+                  <a:schemeClr val="tx1"/>
+                </a:solidFill>
+              </a:defRPr>
+            </a:lvl1pPr>
+            <a:lvl2pPr marL="457200" indent="0">
+              <a:buNone/>
+              <a:defRPr sz="2000" b="1"/>
+            </a:lvl2pPr>
+            <a:lvl3pPr marL="914400" indent="0">
+              <a:buNone/>
+              <a:defRPr sz="1800" b="1"/>
+            </a:lvl3pPr>
+            <a:lvl4pPr marL="1371600" indent="0">
+              <a:buNone/>
+              <a:defRPr sz="1600" b="1"/>
+            </a:lvl4pPr>
+            <a:lvl5pPr marL="1828800" indent="0">
+              <a:buNone/>
+              <a:defRPr sz="1600" b="1"/>
+            </a:lvl5pPr>
+            <a:lvl6pPr marL="2286000" indent="0">
+              <a:buNone/>
+              <a:defRPr sz="1600" b="1"/>
+            </a:lvl6pPr>
+            <a:lvl7pPr marL="2743200" indent="0">
+              <a:buNone/>
+              <a:defRPr sz="1600" b="1"/>
+            </a:lvl7pPr>
+            <a:lvl8pPr marL="3200400" indent="0">
+              <a:buNone/>
+              <a:defRPr sz="1600" b="1"/>
+            </a:lvl8pPr>
+            <a:lvl9pPr marL="3657600" indent="0">
+              <a:buNone/>
+              <a:defRPr sz="1600" b="1"/>
+            </a:lvl9pPr>
+          </a:lstStyle>
+          <a:p>
+            <a:pPr lvl="0"/>
+            <a:r>
+              <a:rPr lang="sk-SK"/>
+              <a:t>Kliknite sem a upravte štýly predlohy textu</a:t>
+            </a:r>
+          </a:p>
+        </p:txBody>
+      </p:sp>
+      <p:sp>
+        <p:nvSpPr>
+          <p:cNvPr id="26" name="Picture Placeholder 2"/>
+          <p:cNvSpPr>
+            <a:spLocks noGrp="1" noChangeAspect="1"/>
+          </p:cNvSpPr>
+          <p:nvPr>
+            <p:ph type="pic" idx="22"/>
+          </p:nvPr>
+        </p:nvSpPr>
+        <p:spPr>
+          <a:xfrm>
+            <a:off x="7230677" y="2336873"/>
+            <a:ext cx="3063505" cy="1524000"/>
+          </a:xfrm>
+          <a:prstGeom prst="roundRect">
+            <a:avLst>
+              <a:gd name="adj" fmla="val 0"/>
+            </a:avLst>
+          </a:prstGeom>
+          <a:effectLst>
+            <a:outerShdw blurRad="50800" dist="50800" dir="5400000" algn="tl" rotWithShape="0">
+              <a:srgbClr val="000000">
+                <a:alpha val="43000"/>
+              </a:srgbClr>
+            </a:outerShdw>
+          </a:effectLst>
+        </p:spPr>
+        <p:txBody>
+          <a:bodyPr anchor="t">
+            <a:normAutofit/>
+          </a:bodyPr>
+          <a:lstStyle>
+            <a:lvl1pPr marL="0" indent="0" algn="ctr">
+              <a:buNone/>
+              <a:defRPr sz="1600"/>
+            </a:lvl1pPr>
+            <a:lvl2pPr marL="457200" indent="0">
+              <a:buNone/>
+              <a:defRPr sz="1600"/>
+            </a:lvl2pPr>
+            <a:lvl3pPr marL="914400" indent="0">
+              <a:buNone/>
+              <a:defRPr sz="1600"/>
+            </a:lvl3pPr>
+            <a:lvl4pPr marL="1371600" indent="0">
+              <a:buNone/>
+              <a:defRPr sz="1600"/>
+            </a:lvl4pPr>
+            <a:lvl5pPr marL="1828800" indent="0">
+              <a:buNone/>
+              <a:defRPr sz="1600"/>
+            </a:lvl5pPr>
+            <a:lvl6pPr marL="2286000" indent="0">
+              <a:buNone/>
+              <a:defRPr sz="1600"/>
+            </a:lvl6pPr>
+            <a:lvl7pPr marL="2743200" indent="0">
+              <a:buNone/>
+              <a:defRPr sz="1600"/>
+            </a:lvl7pPr>
+            <a:lvl8pPr marL="3200400" indent="0">
+              <a:buNone/>
+              <a:defRPr sz="1600"/>
+            </a:lvl8pPr>
+            <a:lvl9pPr marL="3657600" indent="0">
+              <a:buNone/>
+              <a:defRPr sz="1600"/>
+            </a:lvl9pPr>
+          </a:lstStyle>
+          <a:p>
+            <a:r>
+              <a:rPr lang="sk-SK"/>
+              <a:t>Kliknutím na ikonu pridáte obrázok</a:t>
+            </a:r>
+            <a:endParaRPr lang="en-US" dirty="0"/>
+          </a:p>
+        </p:txBody>
+      </p:sp>
+      <p:sp>
+        <p:nvSpPr>
+          <p:cNvPr id="27" name="Text Placeholder 3"/>
+          <p:cNvSpPr>
+            <a:spLocks noGrp="1"/>
+          </p:cNvSpPr>
+          <p:nvPr>
+            <p:ph type="body" sz="half" idx="20"/>
+          </p:nvPr>
+        </p:nvSpPr>
+        <p:spPr>
+          <a:xfrm>
+            <a:off x="7230553" y="4873762"/>
+            <a:ext cx="3067563" cy="1062422"/>
+          </a:xfrm>
+        </p:spPr>
+        <p:txBody>
+          <a:bodyPr anchor="t">
+            <a:normAutofit/>
+          </a:bodyPr>
+          <a:lstStyle>
+            <a:lvl1pPr marL="0" indent="0">
+              <a:buNone/>
+              <a:defRPr sz="1400"/>
+            </a:lvl1pPr>
+            <a:lvl2pPr marL="457200" indent="0">
+              <a:buNone/>
+              <a:defRPr sz="1200"/>
+            </a:lvl2pPr>
+            <a:lvl3pPr marL="914400" indent="0">
+              <a:buNone/>
+              <a:defRPr sz="1000"/>
+            </a:lvl3pPr>
+            <a:lvl4pPr marL="1371600" indent="0">
+              <a:buNone/>
+              <a:defRPr sz="900"/>
+            </a:lvl4pPr>
+            <a:lvl5pPr marL="1828800" indent="0">
+              <a:buNone/>
+              <a:defRPr sz="900"/>
+            </a:lvl5pPr>
+            <a:lvl6pPr marL="2286000" indent="0">
+              <a:buNone/>
+              <a:defRPr sz="900"/>
+            </a:lvl6pPr>
+            <a:lvl7pPr marL="2743200" indent="0">
+              <a:buNone/>
+              <a:defRPr sz="900"/>
+            </a:lvl7pPr>
+            <a:lvl8pPr marL="3200400" indent="0">
+              <a:buNone/>
+              <a:defRPr sz="900"/>
+            </a:lvl8pPr>
+            <a:lvl9pPr marL="3657600" indent="0">
+              <a:buNone/>
+              <a:defRPr sz="900"/>
+            </a:lvl9pPr>
+          </a:lstStyle>
+          <a:p>
+            <a:pPr lvl="0"/>
+            <a:r>
+              <a:rPr lang="sk-SK"/>
+              <a:t>Kliknite sem a upravte štýly predlohy textu</a:t>
+            </a:r>
+          </a:p>
+        </p:txBody>
+      </p:sp>
+      <p:sp>
+        <p:nvSpPr>
+          <p:cNvPr id="3" name="Date Placeholder 2"/>
+          <p:cNvSpPr>
+            <a:spLocks noGrp="1"/>
+          </p:cNvSpPr>
+          <p:nvPr>
+            <p:ph type="dt" sz="half" idx="10"/>
+          </p:nvPr>
+        </p:nvSpPr>
+        <p:spPr/>
+        <p:txBody>
+          <a:bodyPr/>
+          <a:lstStyle/>
+          <a:p>
+            <a:fld id="{CC18E518-9312-428E-99F8-E157FFD147CF}" type="datetimeFigureOut">
+              <a:rPr lang="sk-SK" smtClean="0"/>
+              <a:t>10. 05. 2019</a:t>
+            </a:fld>
+            <a:endParaRPr lang="sk-SK"/>
+          </a:p>
+        </p:txBody>
+      </p:sp>
+      <p:sp>
+        <p:nvSpPr>
+          <p:cNvPr id="4" name="Footer Placeholder 3"/>
+          <p:cNvSpPr>
+            <a:spLocks noGrp="1"/>
+          </p:cNvSpPr>
+          <p:nvPr>
+            <p:ph type="ftr" sz="quarter" idx="11"/>
+          </p:nvPr>
+        </p:nvSpPr>
+        <p:spPr/>
+        <p:txBody>
+          <a:bodyPr/>
+          <a:lstStyle/>
+          <a:p>
+            <a:endParaRPr lang="sk-SK"/>
+          </a:p>
+        </p:txBody>
+      </p:sp>
+      <p:sp>
+        <p:nvSpPr>
+          <p:cNvPr id="5" name="Slide Number Placeholder 4"/>
+          <p:cNvSpPr>
+            <a:spLocks noGrp="1"/>
+          </p:cNvSpPr>
+          <p:nvPr>
+            <p:ph type="sldNum" sz="quarter" idx="12"/>
+          </p:nvPr>
+        </p:nvSpPr>
+        <p:spPr/>
+        <p:txBody>
+          <a:bodyPr/>
+          <a:lstStyle/>
+          <a:p>
+            <a:fld id="{F0A719F2-AE6D-4D5A-AE60-212B10298967}" type="slidenum">
+              <a:rPr lang="sk-SK" smtClean="0"/>
+              <a:t>‹#›</a:t>
+            </a:fld>
+            <a:endParaRPr lang="sk-SK"/>
+          </a:p>
+        </p:txBody>
+      </p:sp>
+    </p:spTree>
+    <p:extLst>
+      <p:ext uri="{BB962C8B-B14F-4D97-AF65-F5344CB8AC3E}">
+        <p14:creationId xmlns:p14="http://schemas.microsoft.com/office/powerpoint/2010/main" val="4085806879"/>
+      </p:ext>
+    </p:extLst>
+  </p:cSld>
+  <p:clrMapOvr>
+    <a:masterClrMapping/>
+  </p:clrMapOvr>
+</p:sldLayout>
+</file>
+
+<file path=ppt/slideLayouts/slideLayout16.xml><?xml version="1.0" encoding="utf-8"?>
 <p:sldLayout xmlns:a="http://schemas.openxmlformats.org/drawingml/2006/main" xmlns:r="http://schemas.openxmlformats.org/officeDocument/2006/relationships" xmlns:p="http://schemas.openxmlformats.org/presentationml/2006/main" type="vertTx" preserve="1">
   <p:cSld name="Nadpis a zvislý text">
     <p:spTree>
@@ -344,20 +3808,232 @@
           <a:chExt cx="0" cy="0"/>
         </a:xfrm>
       </p:grpSpPr>
-      <p:sp>
-        <p:nvSpPr>
-          <p:cNvPr id="2" name="Nadpis 1">
+      <p:pic>
+        <p:nvPicPr>
+          <p:cNvPr id="7" name="Picture 6" descr="HD-ShadowLong.png"/>
+          <p:cNvPicPr>
+            <a:picLocks noChangeAspect="1"/>
+          </p:cNvPicPr>
+          <p:nvPr/>
+        </p:nvPicPr>
+        <p:blipFill>
+          <a:blip r:embed="rId2">
             <a:extLst>
-              <a:ext uri="{FF2B5EF4-FFF2-40B4-BE49-F238E27FC236}">
-                <a16:creationId xmlns:a16="http://schemas.microsoft.com/office/drawing/2014/main" id="{15403265-FC75-4D5E-A232-0B166F82839B}"/>
+              <a:ext uri="{28A0092B-C50C-407E-A947-70E740481C1C}">
+                <a14:useLocalDpi xmlns:a14="http://schemas.microsoft.com/office/drawing/2010/main" val="0"/>
               </a:ext>
             </a:extLst>
-          </p:cNvPr>
+          </a:blip>
+          <a:stretch>
+            <a:fillRect/>
+          </a:stretch>
+        </p:blipFill>
+        <p:spPr>
+          <a:xfrm>
+            <a:off x="1" y="1970240"/>
+            <a:ext cx="10437812" cy="321164"/>
+          </a:xfrm>
+          <a:prstGeom prst="rect">
+            <a:avLst/>
+          </a:prstGeom>
+        </p:spPr>
+      </p:pic>
+      <p:pic>
+        <p:nvPicPr>
+          <p:cNvPr id="8" name="Picture 7" descr="HD-ShadowShort.png"/>
+          <p:cNvPicPr>
+            <a:picLocks noChangeAspect="1"/>
+          </p:cNvPicPr>
+          <p:nvPr/>
+        </p:nvPicPr>
+        <p:blipFill>
+          <a:blip r:embed="rId3">
+            <a:extLst>
+              <a:ext uri="{28A0092B-C50C-407E-A947-70E740481C1C}">
+                <a14:useLocalDpi xmlns:a14="http://schemas.microsoft.com/office/drawing/2010/main" val="0"/>
+              </a:ext>
+            </a:extLst>
+          </a:blip>
+          <a:stretch>
+            <a:fillRect/>
+          </a:stretch>
+        </p:blipFill>
+        <p:spPr>
+          <a:xfrm>
+            <a:off x="10585826" y="1971234"/>
+            <a:ext cx="1602997" cy="144270"/>
+          </a:xfrm>
+          <a:prstGeom prst="rect">
+            <a:avLst/>
+          </a:prstGeom>
+        </p:spPr>
+      </p:pic>
+      <p:sp>
+        <p:nvSpPr>
+          <p:cNvPr id="9" name="Rectangle 8"/>
+          <p:cNvSpPr/>
+          <p:nvPr/>
+        </p:nvSpPr>
+        <p:spPr>
+          <a:xfrm>
+            <a:off x="0" y="609600"/>
+            <a:ext cx="10437812" cy="1368198"/>
+          </a:xfrm>
+          <a:prstGeom prst="rect">
+            <a:avLst/>
+          </a:prstGeom>
+          <a:solidFill>
+            <a:schemeClr val="bg1">
+              <a:lumMod val="85000"/>
+              <a:lumOff val="15000"/>
+            </a:schemeClr>
+          </a:solidFill>
+          <a:ln>
+            <a:noFill/>
+          </a:ln>
+        </p:spPr>
+        <p:style>
+          <a:lnRef idx="2">
+            <a:schemeClr val="accent1">
+              <a:shade val="50000"/>
+            </a:schemeClr>
+          </a:lnRef>
+          <a:fillRef idx="1">
+            <a:schemeClr val="accent1"/>
+          </a:fillRef>
+          <a:effectRef idx="0">
+            <a:schemeClr val="accent1"/>
+          </a:effectRef>
+          <a:fontRef idx="minor">
+            <a:schemeClr val="lt1"/>
+          </a:fontRef>
+        </p:style>
+      </p:sp>
+      <p:sp>
+        <p:nvSpPr>
+          <p:cNvPr id="10" name="Rectangle 9"/>
+          <p:cNvSpPr/>
+          <p:nvPr/>
+        </p:nvSpPr>
+        <p:spPr>
+          <a:xfrm>
+            <a:off x="10585827" y="609600"/>
+            <a:ext cx="1602997" cy="1368198"/>
+          </a:xfrm>
+          <a:prstGeom prst="rect">
+            <a:avLst/>
+          </a:prstGeom>
+          <a:solidFill>
+            <a:schemeClr val="accent1"/>
+          </a:solidFill>
+          <a:ln>
+            <a:noFill/>
+          </a:ln>
+        </p:spPr>
+        <p:style>
+          <a:lnRef idx="2">
+            <a:schemeClr val="accent1">
+              <a:shade val="50000"/>
+            </a:schemeClr>
+          </a:lnRef>
+          <a:fillRef idx="1">
+            <a:schemeClr val="accent1"/>
+          </a:fillRef>
+          <a:effectRef idx="0">
+            <a:schemeClr val="accent1"/>
+          </a:effectRef>
+          <a:fontRef idx="minor">
+            <a:schemeClr val="lt1"/>
+          </a:fontRef>
+        </p:style>
+      </p:sp>
+      <p:sp>
+        <p:nvSpPr>
+          <p:cNvPr id="2" name="Title 1"/>
           <p:cNvSpPr>
             <a:spLocks noGrp="1"/>
           </p:cNvSpPr>
           <p:nvPr>
             <p:ph type="title"/>
+          </p:nvPr>
+        </p:nvSpPr>
+        <p:spPr/>
+        <p:txBody>
+          <a:bodyPr/>
+          <a:lstStyle>
+            <a:lvl1pPr algn="r">
+              <a:defRPr/>
+            </a:lvl1pPr>
+          </a:lstStyle>
+          <a:p>
+            <a:r>
+              <a:rPr lang="sk-SK"/>
+              <a:t>Kliknutím upravte štýl predlohy nadpisu</a:t>
+            </a:r>
+            <a:endParaRPr lang="en-US" dirty="0"/>
+          </a:p>
+        </p:txBody>
+      </p:sp>
+      <p:sp>
+        <p:nvSpPr>
+          <p:cNvPr id="3" name="Vertical Text Placeholder 2"/>
+          <p:cNvSpPr>
+            <a:spLocks noGrp="1"/>
+          </p:cNvSpPr>
+          <p:nvPr>
+            <p:ph type="body" orient="vert" idx="1"/>
+          </p:nvPr>
+        </p:nvSpPr>
+        <p:spPr/>
+        <p:txBody>
+          <a:bodyPr vert="eaVert"/>
+          <a:lstStyle/>
+          <a:p>
+            <a:pPr lvl="0"/>
+            <a:r>
+              <a:rPr lang="sk-SK"/>
+              <a:t>Kliknite sem a upravte štýly predlohy textu</a:t>
+            </a:r>
+          </a:p>
+          <a:p>
+            <a:pPr lvl="1"/>
+            <a:r>
+              <a:rPr lang="sk-SK"/>
+              <a:t>Druhá úroveň</a:t>
+            </a:r>
+          </a:p>
+          <a:p>
+            <a:pPr lvl="2"/>
+            <a:r>
+              <a:rPr lang="sk-SK"/>
+              <a:t>Tretia úroveň</a:t>
+            </a:r>
+          </a:p>
+          <a:p>
+            <a:pPr lvl="3"/>
+            <a:r>
+              <a:rPr lang="sk-SK"/>
+              <a:t>Štvrtá úroveň</a:t>
+            </a:r>
+          </a:p>
+          <a:p>
+            <a:pPr lvl="4"/>
+            <a:r>
+              <a:rPr lang="sk-SK"/>
+              <a:t>Piata úroveň</a:t>
+            </a:r>
+            <a:endParaRPr lang="en-US" dirty="0"/>
+          </a:p>
+        </p:txBody>
+      </p:sp>
+      <p:sp>
+        <p:nvSpPr>
+          <p:cNvPr id="4" name="Date Placeholder 3"/>
+          <p:cNvSpPr>
+            <a:spLocks noGrp="1"/>
+          </p:cNvSpPr>
+          <p:nvPr>
+            <p:ph type="dt" sz="half" idx="10"/>
           </p:nvPr>
         </p:nvSpPr>
         <p:spPr/>
@@ -365,84 +4041,22 @@
           <a:bodyPr/>
           <a:lstStyle/>
           <a:p>
-            <a:r>
-              <a:rPr lang="sk-SK"/>
-              <a:t>Kliknutím upravte štýl predlohy nadpisu</a:t>
-            </a:r>
-          </a:p>
-        </p:txBody>
-      </p:sp>
-      <p:sp>
-        <p:nvSpPr>
-          <p:cNvPr id="3" name="Zástupný objekt pre zvislý text 2">
-            <a:extLst>
-              <a:ext uri="{FF2B5EF4-FFF2-40B4-BE49-F238E27FC236}">
-                <a16:creationId xmlns:a16="http://schemas.microsoft.com/office/drawing/2014/main" id="{64DAE9BA-1C59-4BDF-ACF5-E0C0167C4035}"/>
-              </a:ext>
-            </a:extLst>
-          </p:cNvPr>
-          <p:cNvSpPr>
-            <a:spLocks noGrp="1"/>
-          </p:cNvSpPr>
-          <p:nvPr>
-            <p:ph type="body" orient="vert" idx="1"/>
-          </p:nvPr>
-        </p:nvSpPr>
-        <p:spPr/>
-        <p:txBody>
-          <a:bodyPr vert="eaVert"/>
-          <a:lstStyle/>
-          <a:p>
-            <a:pPr lvl="0"/>
-            <a:r>
-              <a:rPr lang="sk-SK"/>
-              <a:t>Kliknite sem a upravte štýly predlohy textu</a:t>
-            </a:r>
-          </a:p>
-          <a:p>
-            <a:pPr lvl="1"/>
-            <a:r>
-              <a:rPr lang="sk-SK"/>
-              <a:t>Druhá úroveň</a:t>
-            </a:r>
-          </a:p>
-          <a:p>
-            <a:pPr lvl="2"/>
-            <a:r>
-              <a:rPr lang="sk-SK"/>
-              <a:t>Tretia úroveň</a:t>
-            </a:r>
-          </a:p>
-          <a:p>
-            <a:pPr lvl="3"/>
-            <a:r>
-              <a:rPr lang="sk-SK"/>
-              <a:t>Štvrtá úroveň</a:t>
-            </a:r>
-          </a:p>
-          <a:p>
-            <a:pPr lvl="4"/>
-            <a:r>
-              <a:rPr lang="sk-SK"/>
-              <a:t>Piata úroveň</a:t>
-            </a:r>
-          </a:p>
-        </p:txBody>
-      </p:sp>
-      <p:sp>
-        <p:nvSpPr>
-          <p:cNvPr id="4" name="Zástupný objekt pre dátum 3">
-            <a:extLst>
-              <a:ext uri="{FF2B5EF4-FFF2-40B4-BE49-F238E27FC236}">
-                <a16:creationId xmlns:a16="http://schemas.microsoft.com/office/drawing/2014/main" id="{F0D72587-7D44-478F-86C7-6B5961D972E4}"/>
-              </a:ext>
-            </a:extLst>
-          </p:cNvPr>
-          <p:cNvSpPr>
-            <a:spLocks noGrp="1"/>
-          </p:cNvSpPr>
-          <p:nvPr>
-            <p:ph type="dt" sz="half" idx="10"/>
+            <a:fld id="{CC18E518-9312-428E-99F8-E157FFD147CF}" type="datetimeFigureOut">
+              <a:rPr lang="sk-SK" smtClean="0"/>
+              <a:t>10. 05. 2019</a:t>
+            </a:fld>
+            <a:endParaRPr lang="sk-SK"/>
+          </a:p>
+        </p:txBody>
+      </p:sp>
+      <p:sp>
+        <p:nvSpPr>
+          <p:cNvPr id="5" name="Footer Placeholder 4"/>
+          <p:cNvSpPr>
+            <a:spLocks noGrp="1"/>
+          </p:cNvSpPr>
+          <p:nvPr>
+            <p:ph type="ftr" sz="quarter" idx="11"/>
           </p:nvPr>
         </p:nvSpPr>
         <p:spPr/>
@@ -450,48 +4064,13 @@
           <a:bodyPr/>
           <a:lstStyle/>
           <a:p>
-            <a:fld id="{CC18E518-9312-428E-99F8-E157FFD147CF}" type="datetimeFigureOut">
-              <a:rPr lang="sk-SK" smtClean="0"/>
-              <a:t>07. 04. 2019</a:t>
-            </a:fld>
             <a:endParaRPr lang="sk-SK"/>
           </a:p>
         </p:txBody>
       </p:sp>
       <p:sp>
         <p:nvSpPr>
-          <p:cNvPr id="5" name="Zástupný objekt pre pätu 4">
-            <a:extLst>
-              <a:ext uri="{FF2B5EF4-FFF2-40B4-BE49-F238E27FC236}">
-                <a16:creationId xmlns:a16="http://schemas.microsoft.com/office/drawing/2014/main" id="{AECBA071-07DB-44C2-BFD6-3D04B11EC371}"/>
-              </a:ext>
-            </a:extLst>
-          </p:cNvPr>
-          <p:cNvSpPr>
-            <a:spLocks noGrp="1"/>
-          </p:cNvSpPr>
-          <p:nvPr>
-            <p:ph type="ftr" sz="quarter" idx="11"/>
-          </p:nvPr>
-        </p:nvSpPr>
-        <p:spPr/>
-        <p:txBody>
-          <a:bodyPr/>
-          <a:lstStyle/>
-          <a:p>
-            <a:endParaRPr lang="sk-SK"/>
-          </a:p>
-        </p:txBody>
-      </p:sp>
-      <p:sp>
-        <p:nvSpPr>
-          <p:cNvPr id="6" name="Zástupný objekt pre číslo snímky 5">
-            <a:extLst>
-              <a:ext uri="{FF2B5EF4-FFF2-40B4-BE49-F238E27FC236}">
-                <a16:creationId xmlns:a16="http://schemas.microsoft.com/office/drawing/2014/main" id="{EAE8D98C-832B-4BDE-8966-3D7018F6BDA9}"/>
-              </a:ext>
-            </a:extLst>
-          </p:cNvPr>
+          <p:cNvPr id="6" name="Slide Number Placeholder 5"/>
           <p:cNvSpPr>
             <a:spLocks noGrp="1"/>
           </p:cNvSpPr>
@@ -515,7 +4094,7 @@
     </p:spTree>
     <p:extLst>
       <p:ext uri="{BB962C8B-B14F-4D97-AF65-F5344CB8AC3E}">
-        <p14:creationId xmlns:p14="http://schemas.microsoft.com/office/powerpoint/2010/main" val="1661897528"/>
+        <p14:creationId xmlns:p14="http://schemas.microsoft.com/office/powerpoint/2010/main" val="3633677384"/>
       </p:ext>
     </p:extLst>
   </p:cSld>
@@ -525,7 +4104,7 @@
 </p:sldLayout>
 </file>
 
-<file path=ppt/slideLayouts/slideLayout11.xml><?xml version="1.0" encoding="utf-8"?>
+<file path=ppt/slideLayouts/slideLayout17.xml><?xml version="1.0" encoding="utf-8"?>
 <p:sldLayout xmlns:a="http://schemas.openxmlformats.org/drawingml/2006/main" xmlns:r="http://schemas.openxmlformats.org/officeDocument/2006/relationships" xmlns:p="http://schemas.openxmlformats.org/presentationml/2006/main" type="vertTitleAndTx" preserve="1">
   <p:cSld name="Zvislý nadpis a text">
     <p:spTree>
@@ -544,13 +4123,86 @@
       </p:grpSpPr>
       <p:sp>
         <p:nvSpPr>
-          <p:cNvPr id="2" name="Zvislý nadpis 1">
-            <a:extLst>
-              <a:ext uri="{FF2B5EF4-FFF2-40B4-BE49-F238E27FC236}">
-                <a16:creationId xmlns:a16="http://schemas.microsoft.com/office/drawing/2014/main" id="{C587F85B-DBF8-4203-A298-92714C089DBC}"/>
-              </a:ext>
-            </a:extLst>
-          </p:cNvPr>
+          <p:cNvPr id="7" name="Rectangle 6"/>
+          <p:cNvSpPr/>
+          <p:nvPr/>
+        </p:nvSpPr>
+        <p:spPr>
+          <a:xfrm rot="5400000">
+            <a:off x="8116207" y="1869395"/>
+            <a:ext cx="5106988" cy="1368198"/>
+          </a:xfrm>
+          <a:prstGeom prst="rect">
+            <a:avLst/>
+          </a:prstGeom>
+          <a:solidFill>
+            <a:schemeClr val="bg1">
+              <a:lumMod val="85000"/>
+              <a:lumOff val="15000"/>
+            </a:schemeClr>
+          </a:solidFill>
+          <a:ln>
+            <a:noFill/>
+          </a:ln>
+        </p:spPr>
+        <p:style>
+          <a:lnRef idx="2">
+            <a:schemeClr val="accent1">
+              <a:shade val="50000"/>
+            </a:schemeClr>
+          </a:lnRef>
+          <a:fillRef idx="1">
+            <a:schemeClr val="accent1"/>
+          </a:fillRef>
+          <a:effectRef idx="0">
+            <a:schemeClr val="accent1"/>
+          </a:effectRef>
+          <a:fontRef idx="minor">
+            <a:schemeClr val="lt1"/>
+          </a:fontRef>
+        </p:style>
+      </p:sp>
+      <p:sp>
+        <p:nvSpPr>
+          <p:cNvPr id="8" name="Rectangle 7"/>
+          <p:cNvSpPr/>
+          <p:nvPr/>
+        </p:nvSpPr>
+        <p:spPr>
+          <a:xfrm rot="5400000">
+            <a:off x="9868202" y="5372403"/>
+            <a:ext cx="1602997" cy="1368198"/>
+          </a:xfrm>
+          <a:prstGeom prst="rect">
+            <a:avLst/>
+          </a:prstGeom>
+          <a:solidFill>
+            <a:schemeClr val="accent1"/>
+          </a:solidFill>
+          <a:ln>
+            <a:noFill/>
+          </a:ln>
+        </p:spPr>
+        <p:style>
+          <a:lnRef idx="2">
+            <a:schemeClr val="accent1">
+              <a:shade val="50000"/>
+            </a:schemeClr>
+          </a:lnRef>
+          <a:fillRef idx="1">
+            <a:schemeClr val="accent1"/>
+          </a:fillRef>
+          <a:effectRef idx="0">
+            <a:schemeClr val="accent1"/>
+          </a:effectRef>
+          <a:fontRef idx="minor">
+            <a:schemeClr val="lt1"/>
+          </a:fontRef>
+        </p:style>
+      </p:sp>
+      <p:sp>
+        <p:nvSpPr>
+          <p:cNvPr id="2" name="Vertical Title 1"/>
           <p:cNvSpPr>
             <a:spLocks noGrp="1"/>
           </p:cNvSpPr>
@@ -560,8 +4212,8 @@
         </p:nvSpPr>
         <p:spPr>
           <a:xfrm>
-            <a:off x="8724900" y="365125"/>
-            <a:ext cx="2628900" cy="5811838"/>
+            <a:off x="10129231" y="609597"/>
+            <a:ext cx="1073802" cy="4353760"/>
           </a:xfrm>
         </p:spPr>
         <p:txBody>
@@ -572,18 +4224,13 @@
               <a:rPr lang="sk-SK"/>
               <a:t>Kliknutím upravte štýl predlohy nadpisu</a:t>
             </a:r>
-          </a:p>
-        </p:txBody>
-      </p:sp>
-      <p:sp>
-        <p:nvSpPr>
-          <p:cNvPr id="3" name="Zástupný objekt pre zvislý text 2">
-            <a:extLst>
-              <a:ext uri="{FF2B5EF4-FFF2-40B4-BE49-F238E27FC236}">
-                <a16:creationId xmlns:a16="http://schemas.microsoft.com/office/drawing/2014/main" id="{F0B71FF4-7EFE-4F47-B3B5-1FF4292A016A}"/>
-              </a:ext>
-            </a:extLst>
-          </p:cNvPr>
+            <a:endParaRPr lang="en-US" dirty="0"/>
+          </a:p>
+        </p:txBody>
+      </p:sp>
+      <p:sp>
+        <p:nvSpPr>
+          <p:cNvPr id="3" name="Vertical Text Placeholder 2"/>
           <p:cNvSpPr>
             <a:spLocks noGrp="1"/>
           </p:cNvSpPr>
@@ -593,8 +4240,8 @@
         </p:nvSpPr>
         <p:spPr>
           <a:xfrm>
-            <a:off x="838200" y="365125"/>
-            <a:ext cx="7734300" cy="5811838"/>
+            <a:off x="680322" y="609597"/>
+            <a:ext cx="8870004" cy="5326589"/>
           </a:xfrm>
         </p:spPr>
         <p:txBody>
@@ -634,18 +4281,13 @@
               <a:rPr lang="sk-SK"/>
               <a:t>Piata úroveň</a:t>
             </a:r>
-          </a:p>
-        </p:txBody>
-      </p:sp>
-      <p:sp>
-        <p:nvSpPr>
-          <p:cNvPr id="4" name="Zástupný objekt pre dátum 3">
-            <a:extLst>
-              <a:ext uri="{FF2B5EF4-FFF2-40B4-BE49-F238E27FC236}">
-                <a16:creationId xmlns:a16="http://schemas.microsoft.com/office/drawing/2014/main" id="{345CC330-F16D-41DB-A812-1B5DBEA998C4}"/>
-              </a:ext>
-            </a:extLst>
-          </p:cNvPr>
+            <a:endParaRPr lang="en-US" dirty="0"/>
+          </a:p>
+        </p:txBody>
+      </p:sp>
+      <p:sp>
+        <p:nvSpPr>
+          <p:cNvPr id="4" name="Date Placeholder 3"/>
           <p:cNvSpPr>
             <a:spLocks noGrp="1"/>
           </p:cNvSpPr>
@@ -653,14 +4295,19 @@
             <p:ph type="dt" sz="half" idx="10"/>
           </p:nvPr>
         </p:nvSpPr>
-        <p:spPr/>
+        <p:spPr>
+          <a:xfrm>
+            <a:off x="6807126" y="5936187"/>
+            <a:ext cx="2743200" cy="365125"/>
+          </a:xfrm>
+        </p:spPr>
         <p:txBody>
           <a:bodyPr/>
           <a:lstStyle/>
           <a:p>
             <a:fld id="{CC18E518-9312-428E-99F8-E157FFD147CF}" type="datetimeFigureOut">
               <a:rPr lang="sk-SK" smtClean="0"/>
-              <a:t>07. 04. 2019</a:t>
+              <a:t>10. 05. 2019</a:t>
             </a:fld>
             <a:endParaRPr lang="sk-SK"/>
           </a:p>
@@ -668,13 +4315,7 @@
       </p:sp>
       <p:sp>
         <p:nvSpPr>
-          <p:cNvPr id="5" name="Zástupný objekt pre pätu 4">
-            <a:extLst>
-              <a:ext uri="{FF2B5EF4-FFF2-40B4-BE49-F238E27FC236}">
-                <a16:creationId xmlns:a16="http://schemas.microsoft.com/office/drawing/2014/main" id="{919C1BAD-F714-4423-9145-26EB5B58B107}"/>
-              </a:ext>
-            </a:extLst>
-          </p:cNvPr>
+          <p:cNvPr id="5" name="Footer Placeholder 4"/>
           <p:cNvSpPr>
             <a:spLocks noGrp="1"/>
           </p:cNvSpPr>
@@ -682,7 +4323,12 @@
             <p:ph type="ftr" sz="quarter" idx="11"/>
           </p:nvPr>
         </p:nvSpPr>
-        <p:spPr/>
+        <p:spPr>
+          <a:xfrm>
+            <a:off x="680321" y="5936188"/>
+            <a:ext cx="6126805" cy="365125"/>
+          </a:xfrm>
+        </p:spPr>
         <p:txBody>
           <a:bodyPr/>
           <a:lstStyle/>
@@ -693,13 +4339,7 @@
       </p:sp>
       <p:sp>
         <p:nvSpPr>
-          <p:cNvPr id="6" name="Zástupný objekt pre číslo snímky 5">
-            <a:extLst>
-              <a:ext uri="{FF2B5EF4-FFF2-40B4-BE49-F238E27FC236}">
-                <a16:creationId xmlns:a16="http://schemas.microsoft.com/office/drawing/2014/main" id="{EBA5C513-AD41-4FF5-855E-AEA477A91DD4}"/>
-              </a:ext>
-            </a:extLst>
-          </p:cNvPr>
+          <p:cNvPr id="6" name="Slide Number Placeholder 5"/>
           <p:cNvSpPr>
             <a:spLocks noGrp="1"/>
           </p:cNvSpPr>
@@ -707,10 +4347,19 @@
             <p:ph type="sldNum" sz="quarter" idx="12"/>
           </p:nvPr>
         </p:nvSpPr>
-        <p:spPr/>
-        <p:txBody>
-          <a:bodyPr/>
-          <a:lstStyle/>
+        <p:spPr>
+          <a:xfrm>
+            <a:off x="10097550" y="5398633"/>
+            <a:ext cx="1154151" cy="1090789"/>
+          </a:xfrm>
+        </p:spPr>
+        <p:txBody>
+          <a:bodyPr anchor="t"/>
+          <a:lstStyle>
+            <a:lvl1pPr algn="ctr">
+              <a:defRPr/>
+            </a:lvl1pPr>
+          </a:lstStyle>
           <a:p>
             <a:fld id="{F0A719F2-AE6D-4D5A-AE60-212B10298967}" type="slidenum">
               <a:rPr lang="sk-SK" smtClean="0"/>
@@ -723,7 +4372,7 @@
     </p:spTree>
     <p:extLst>
       <p:ext uri="{BB962C8B-B14F-4D97-AF65-F5344CB8AC3E}">
-        <p14:creationId xmlns:p14="http://schemas.microsoft.com/office/powerpoint/2010/main" val="2456374288"/>
+        <p14:creationId xmlns:p14="http://schemas.microsoft.com/office/powerpoint/2010/main" val="693516911"/>
       </p:ext>
     </p:extLst>
   </p:cSld>
@@ -735,7 +4384,7 @@
 
 <file path=ppt/slideLayouts/slideLayout2.xml><?xml version="1.0" encoding="utf-8"?>
 <p:sldLayout xmlns:a="http://schemas.openxmlformats.org/drawingml/2006/main" xmlns:r="http://schemas.openxmlformats.org/officeDocument/2006/relationships" xmlns:p="http://schemas.openxmlformats.org/presentationml/2006/main" type="obj" preserve="1">
-  <p:cSld name="Nadpis a obsah">
+  <p:cSld name="Title and Content">
     <p:spTree>
       <p:nvGrpSpPr>
         <p:cNvPr id="1" name=""/>
@@ -750,15 +4399,148 @@
           <a:chExt cx="0" cy="0"/>
         </a:xfrm>
       </p:grpSpPr>
-      <p:sp>
-        <p:nvSpPr>
-          <p:cNvPr id="2" name="Nadpis 1">
+      <p:pic>
+        <p:nvPicPr>
+          <p:cNvPr id="15" name="Picture 14" descr="HD-ShadowLong.png"/>
+          <p:cNvPicPr>
+            <a:picLocks noChangeAspect="1"/>
+          </p:cNvPicPr>
+          <p:nvPr/>
+        </p:nvPicPr>
+        <p:blipFill>
+          <a:blip r:embed="rId2">
             <a:extLst>
-              <a:ext uri="{FF2B5EF4-FFF2-40B4-BE49-F238E27FC236}">
-                <a16:creationId xmlns:a16="http://schemas.microsoft.com/office/drawing/2014/main" id="{7BA3D718-C893-4255-A8C5-A00805C1EBB8}"/>
+              <a:ext uri="{28A0092B-C50C-407E-A947-70E740481C1C}">
+                <a14:useLocalDpi xmlns:a14="http://schemas.microsoft.com/office/drawing/2010/main" val="0"/>
               </a:ext>
             </a:extLst>
-          </p:cNvPr>
+          </a:blip>
+          <a:stretch>
+            <a:fillRect/>
+          </a:stretch>
+        </p:blipFill>
+        <p:spPr>
+          <a:xfrm>
+            <a:off x="1" y="1970240"/>
+            <a:ext cx="10437812" cy="321164"/>
+          </a:xfrm>
+          <a:prstGeom prst="rect">
+            <a:avLst/>
+          </a:prstGeom>
+        </p:spPr>
+      </p:pic>
+      <p:pic>
+        <p:nvPicPr>
+          <p:cNvPr id="16" name="Picture 15" descr="HD-ShadowShort.png"/>
+          <p:cNvPicPr>
+            <a:picLocks noChangeAspect="1"/>
+          </p:cNvPicPr>
+          <p:nvPr/>
+        </p:nvPicPr>
+        <p:blipFill>
+          <a:blip r:embed="rId3">
+            <a:extLst>
+              <a:ext uri="{28A0092B-C50C-407E-A947-70E740481C1C}">
+                <a14:useLocalDpi xmlns:a14="http://schemas.microsoft.com/office/drawing/2010/main" val="0"/>
+              </a:ext>
+            </a:extLst>
+          </a:blip>
+          <a:stretch>
+            <a:fillRect/>
+          </a:stretch>
+        </p:blipFill>
+        <p:spPr>
+          <a:xfrm>
+            <a:off x="10585826" y="1971234"/>
+            <a:ext cx="1602997" cy="144270"/>
+          </a:xfrm>
+          <a:prstGeom prst="rect">
+            <a:avLst/>
+          </a:prstGeom>
+        </p:spPr>
+      </p:pic>
+      <p:sp>
+        <p:nvSpPr>
+          <p:cNvPr id="17" name="Rectangle 16"/>
+          <p:cNvSpPr/>
+          <p:nvPr/>
+        </p:nvSpPr>
+        <p:spPr>
+          <a:xfrm>
+            <a:off x="0" y="609600"/>
+            <a:ext cx="10437812" cy="1368198"/>
+          </a:xfrm>
+          <a:prstGeom prst="rect">
+            <a:avLst/>
+          </a:prstGeom>
+          <a:solidFill>
+            <a:schemeClr val="bg1">
+              <a:lumMod val="85000"/>
+              <a:lumOff val="15000"/>
+            </a:schemeClr>
+          </a:solidFill>
+          <a:ln>
+            <a:noFill/>
+          </a:ln>
+        </p:spPr>
+        <p:style>
+          <a:lnRef idx="2">
+            <a:schemeClr val="accent1">
+              <a:shade val="50000"/>
+            </a:schemeClr>
+          </a:lnRef>
+          <a:fillRef idx="1">
+            <a:schemeClr val="accent1"/>
+          </a:fillRef>
+          <a:effectRef idx="0">
+            <a:schemeClr val="accent1"/>
+          </a:effectRef>
+          <a:fontRef idx="minor">
+            <a:schemeClr val="lt1"/>
+          </a:fontRef>
+        </p:style>
+      </p:sp>
+      <p:sp>
+        <p:nvSpPr>
+          <p:cNvPr id="18" name="Rectangle 17"/>
+          <p:cNvSpPr/>
+          <p:nvPr/>
+        </p:nvSpPr>
+        <p:spPr>
+          <a:xfrm>
+            <a:off x="10585827" y="609600"/>
+            <a:ext cx="1602997" cy="1368198"/>
+          </a:xfrm>
+          <a:prstGeom prst="rect">
+            <a:avLst/>
+          </a:prstGeom>
+          <a:solidFill>
+            <a:schemeClr val="accent1"/>
+          </a:solidFill>
+          <a:ln>
+            <a:noFill/>
+          </a:ln>
+        </p:spPr>
+        <p:style>
+          <a:lnRef idx="2">
+            <a:schemeClr val="accent1">
+              <a:shade val="50000"/>
+            </a:schemeClr>
+          </a:lnRef>
+          <a:fillRef idx="1">
+            <a:schemeClr val="accent1"/>
+          </a:fillRef>
+          <a:effectRef idx="0">
+            <a:schemeClr val="accent1"/>
+          </a:effectRef>
+          <a:fontRef idx="minor">
+            <a:schemeClr val="lt1"/>
+          </a:fontRef>
+        </p:style>
+      </p:sp>
+      <p:sp>
+        <p:nvSpPr>
+          <p:cNvPr id="2" name="Title 1"/>
           <p:cNvSpPr>
             <a:spLocks noGrp="1"/>
           </p:cNvSpPr>
@@ -775,18 +4557,13 @@
               <a:rPr lang="sk-SK"/>
               <a:t>Kliknutím upravte štýl predlohy nadpisu</a:t>
             </a:r>
-          </a:p>
-        </p:txBody>
-      </p:sp>
-      <p:sp>
-        <p:nvSpPr>
-          <p:cNvPr id="3" name="Zástupný objekt pre obsah 2">
-            <a:extLst>
-              <a:ext uri="{FF2B5EF4-FFF2-40B4-BE49-F238E27FC236}">
-                <a16:creationId xmlns:a16="http://schemas.microsoft.com/office/drawing/2014/main" id="{01D229D1-E2D8-4885-9D06-59BFCFCB1CEC}"/>
-              </a:ext>
-            </a:extLst>
-          </p:cNvPr>
+            <a:endParaRPr lang="en-US" dirty="0"/>
+          </a:p>
+        </p:txBody>
+      </p:sp>
+      <p:sp>
+        <p:nvSpPr>
+          <p:cNvPr id="3" name="Content Placeholder 2"/>
           <p:cNvSpPr>
             <a:spLocks noGrp="1"/>
           </p:cNvSpPr>
@@ -832,18 +4609,13 @@
               <a:rPr lang="sk-SK"/>
               <a:t>Piata úroveň</a:t>
             </a:r>
-          </a:p>
-        </p:txBody>
-      </p:sp>
-      <p:sp>
-        <p:nvSpPr>
-          <p:cNvPr id="4" name="Zástupný objekt pre dátum 3">
-            <a:extLst>
-              <a:ext uri="{FF2B5EF4-FFF2-40B4-BE49-F238E27FC236}">
-                <a16:creationId xmlns:a16="http://schemas.microsoft.com/office/drawing/2014/main" id="{7C98D63C-9994-49DD-A7B1-499E53952FA5}"/>
-              </a:ext>
-            </a:extLst>
-          </p:cNvPr>
+            <a:endParaRPr lang="en-US" dirty="0"/>
+          </a:p>
+        </p:txBody>
+      </p:sp>
+      <p:sp>
+        <p:nvSpPr>
+          <p:cNvPr id="4" name="Date Placeholder 3"/>
           <p:cNvSpPr>
             <a:spLocks noGrp="1"/>
           </p:cNvSpPr>
@@ -858,7 +4630,7 @@
           <a:p>
             <a:fld id="{CC18E518-9312-428E-99F8-E157FFD147CF}" type="datetimeFigureOut">
               <a:rPr lang="sk-SK" smtClean="0"/>
-              <a:t>07. 04. 2019</a:t>
+              <a:t>10. 05. 2019</a:t>
             </a:fld>
             <a:endParaRPr lang="sk-SK"/>
           </a:p>
@@ -866,13 +4638,7 @@
       </p:sp>
       <p:sp>
         <p:nvSpPr>
-          <p:cNvPr id="5" name="Zástupný objekt pre pätu 4">
-            <a:extLst>
-              <a:ext uri="{FF2B5EF4-FFF2-40B4-BE49-F238E27FC236}">
-                <a16:creationId xmlns:a16="http://schemas.microsoft.com/office/drawing/2014/main" id="{3C8A3B2F-4511-4F39-8182-D95CE983EBCC}"/>
-              </a:ext>
-            </a:extLst>
-          </p:cNvPr>
+          <p:cNvPr id="5" name="Footer Placeholder 4"/>
           <p:cNvSpPr>
             <a:spLocks noGrp="1"/>
           </p:cNvSpPr>
@@ -891,13 +4657,7 @@
       </p:sp>
       <p:sp>
         <p:nvSpPr>
-          <p:cNvPr id="6" name="Zástupný objekt pre číslo snímky 5">
-            <a:extLst>
-              <a:ext uri="{FF2B5EF4-FFF2-40B4-BE49-F238E27FC236}">
-                <a16:creationId xmlns:a16="http://schemas.microsoft.com/office/drawing/2014/main" id="{74E50266-2F4A-4A3B-A0B3-88B92B752CAE}"/>
-              </a:ext>
-            </a:extLst>
-          </p:cNvPr>
+          <p:cNvPr id="6" name="Slide Number Placeholder 5"/>
           <p:cNvSpPr>
             <a:spLocks noGrp="1"/>
           </p:cNvSpPr>
@@ -921,7 +4681,7 @@
     </p:spTree>
     <p:extLst>
       <p:ext uri="{BB962C8B-B14F-4D97-AF65-F5344CB8AC3E}">
-        <p14:creationId xmlns:p14="http://schemas.microsoft.com/office/powerpoint/2010/main" val="2056365442"/>
+        <p14:creationId xmlns:p14="http://schemas.microsoft.com/office/powerpoint/2010/main" val="2173673365"/>
       </p:ext>
     </p:extLst>
   </p:cSld>
@@ -948,15 +4708,148 @@
           <a:chExt cx="0" cy="0"/>
         </a:xfrm>
       </p:grpSpPr>
-      <p:sp>
-        <p:nvSpPr>
-          <p:cNvPr id="2" name="Nadpis 1">
+      <p:pic>
+        <p:nvPicPr>
+          <p:cNvPr id="7" name="Picture 6" descr="HD-ShadowLong.png"/>
+          <p:cNvPicPr>
+            <a:picLocks noChangeAspect="1"/>
+          </p:cNvPicPr>
+          <p:nvPr/>
+        </p:nvPicPr>
+        <p:blipFill>
+          <a:blip r:embed="rId2">
             <a:extLst>
-              <a:ext uri="{FF2B5EF4-FFF2-40B4-BE49-F238E27FC236}">
-                <a16:creationId xmlns:a16="http://schemas.microsoft.com/office/drawing/2014/main" id="{0901AB5C-D1AE-480C-9012-40B5CBE22DFD}"/>
+              <a:ext uri="{28A0092B-C50C-407E-A947-70E740481C1C}">
+                <a14:useLocalDpi xmlns:a14="http://schemas.microsoft.com/office/drawing/2010/main" val="0"/>
               </a:ext>
             </a:extLst>
-          </p:cNvPr>
+          </a:blip>
+          <a:stretch>
+            <a:fillRect/>
+          </a:stretch>
+        </p:blipFill>
+        <p:spPr>
+          <a:xfrm>
+            <a:off x="-1" y="4086907"/>
+            <a:ext cx="10437812" cy="321164"/>
+          </a:xfrm>
+          <a:prstGeom prst="rect">
+            <a:avLst/>
+          </a:prstGeom>
+        </p:spPr>
+      </p:pic>
+      <p:pic>
+        <p:nvPicPr>
+          <p:cNvPr id="8" name="Picture 7" descr="HD-ShadowShort.png"/>
+          <p:cNvPicPr>
+            <a:picLocks noChangeAspect="1"/>
+          </p:cNvPicPr>
+          <p:nvPr/>
+        </p:nvPicPr>
+        <p:blipFill>
+          <a:blip r:embed="rId3">
+            <a:extLst>
+              <a:ext uri="{28A0092B-C50C-407E-A947-70E740481C1C}">
+                <a14:useLocalDpi xmlns:a14="http://schemas.microsoft.com/office/drawing/2010/main" val="0"/>
+              </a:ext>
+            </a:extLst>
+          </a:blip>
+          <a:stretch>
+            <a:fillRect/>
+          </a:stretch>
+        </p:blipFill>
+        <p:spPr>
+          <a:xfrm>
+            <a:off x="10585824" y="4087901"/>
+            <a:ext cx="1602997" cy="144270"/>
+          </a:xfrm>
+          <a:prstGeom prst="rect">
+            <a:avLst/>
+          </a:prstGeom>
+        </p:spPr>
+      </p:pic>
+      <p:sp>
+        <p:nvSpPr>
+          <p:cNvPr id="9" name="Rectangle 8"/>
+          <p:cNvSpPr/>
+          <p:nvPr/>
+        </p:nvSpPr>
+        <p:spPr>
+          <a:xfrm>
+            <a:off x="-2" y="2726267"/>
+            <a:ext cx="10437812" cy="1368198"/>
+          </a:xfrm>
+          <a:prstGeom prst="rect">
+            <a:avLst/>
+          </a:prstGeom>
+          <a:solidFill>
+            <a:schemeClr val="bg1">
+              <a:lumMod val="85000"/>
+              <a:lumOff val="15000"/>
+            </a:schemeClr>
+          </a:solidFill>
+          <a:ln>
+            <a:noFill/>
+          </a:ln>
+        </p:spPr>
+        <p:style>
+          <a:lnRef idx="2">
+            <a:schemeClr val="accent1">
+              <a:shade val="50000"/>
+            </a:schemeClr>
+          </a:lnRef>
+          <a:fillRef idx="1">
+            <a:schemeClr val="accent1"/>
+          </a:fillRef>
+          <a:effectRef idx="0">
+            <a:schemeClr val="accent1"/>
+          </a:effectRef>
+          <a:fontRef idx="minor">
+            <a:schemeClr val="lt1"/>
+          </a:fontRef>
+        </p:style>
+      </p:sp>
+      <p:sp>
+        <p:nvSpPr>
+          <p:cNvPr id="10" name="Rectangle 9"/>
+          <p:cNvSpPr/>
+          <p:nvPr/>
+        </p:nvSpPr>
+        <p:spPr>
+          <a:xfrm>
+            <a:off x="10585825" y="2726267"/>
+            <a:ext cx="1602997" cy="1368198"/>
+          </a:xfrm>
+          <a:prstGeom prst="rect">
+            <a:avLst/>
+          </a:prstGeom>
+          <a:solidFill>
+            <a:schemeClr val="accent1"/>
+          </a:solidFill>
+          <a:ln>
+            <a:noFill/>
+          </a:ln>
+        </p:spPr>
+        <p:style>
+          <a:lnRef idx="2">
+            <a:schemeClr val="accent1">
+              <a:shade val="50000"/>
+            </a:schemeClr>
+          </a:lnRef>
+          <a:fillRef idx="1">
+            <a:schemeClr val="accent1"/>
+          </a:fillRef>
+          <a:effectRef idx="0">
+            <a:schemeClr val="accent1"/>
+          </a:effectRef>
+          <a:fontRef idx="minor">
+            <a:schemeClr val="lt1"/>
+          </a:fontRef>
+        </p:style>
+      </p:sp>
+      <p:sp>
+        <p:nvSpPr>
+          <p:cNvPr id="2" name="Title 1"/>
           <p:cNvSpPr>
             <a:spLocks noGrp="1"/>
           </p:cNvSpPr>
@@ -966,15 +4859,17 @@
         </p:nvSpPr>
         <p:spPr>
           <a:xfrm>
-            <a:off x="831850" y="1709738"/>
-            <a:ext cx="10515600" cy="2852737"/>
-          </a:xfrm>
-        </p:spPr>
-        <p:txBody>
-          <a:bodyPr anchor="b"/>
+            <a:off x="680322" y="2869895"/>
+            <a:ext cx="9613860" cy="1090788"/>
+          </a:xfrm>
+        </p:spPr>
+        <p:txBody>
+          <a:bodyPr anchor="ctr">
+            <a:normAutofit/>
+          </a:bodyPr>
           <a:lstStyle>
-            <a:lvl1pPr>
-              <a:defRPr sz="6000"/>
+            <a:lvl1pPr algn="r">
+              <a:defRPr sz="3600"/>
             </a:lvl1pPr>
           </a:lstStyle>
           <a:p>
@@ -982,18 +4877,13 @@
               <a:rPr lang="sk-SK"/>
               <a:t>Kliknutím upravte štýl predlohy nadpisu</a:t>
             </a:r>
-          </a:p>
-        </p:txBody>
-      </p:sp>
-      <p:sp>
-        <p:nvSpPr>
-          <p:cNvPr id="3" name="Zástupný objekt pre text 2">
-            <a:extLst>
-              <a:ext uri="{FF2B5EF4-FFF2-40B4-BE49-F238E27FC236}">
-                <a16:creationId xmlns:a16="http://schemas.microsoft.com/office/drawing/2014/main" id="{FDB258C4-9644-4F88-8770-2AC24C034D77}"/>
-              </a:ext>
-            </a:extLst>
-          </p:cNvPr>
+            <a:endParaRPr lang="en-US" dirty="0"/>
+          </a:p>
+        </p:txBody>
+      </p:sp>
+      <p:sp>
+        <p:nvSpPr>
+          <p:cNvPr id="3" name="Text Placeholder 2"/>
           <p:cNvSpPr>
             <a:spLocks noGrp="1"/>
           </p:cNvSpPr>
@@ -1003,16 +4893,18 @@
         </p:nvSpPr>
         <p:spPr>
           <a:xfrm>
-            <a:off x="831850" y="4589463"/>
-            <a:ext cx="10515600" cy="1500187"/>
-          </a:xfrm>
-        </p:spPr>
-        <p:txBody>
-          <a:bodyPr/>
+            <a:off x="680322" y="4232171"/>
+            <a:ext cx="9613860" cy="1704017"/>
+          </a:xfrm>
+        </p:spPr>
+        <p:txBody>
+          <a:bodyPr>
+            <a:normAutofit/>
+          </a:bodyPr>
           <a:lstStyle>
-            <a:lvl1pPr marL="0" indent="0">
-              <a:buNone/>
-              <a:defRPr sz="2400">
+            <a:lvl1pPr marL="0" indent="0" algn="r">
+              <a:buNone/>
+              <a:defRPr sz="2000">
                 <a:solidFill>
                   <a:schemeClr val="tx1">
                     <a:tint val="75000"/>
@@ -1112,13 +5004,7 @@
       </p:sp>
       <p:sp>
         <p:nvSpPr>
-          <p:cNvPr id="4" name="Zástupný objekt pre dátum 3">
-            <a:extLst>
-              <a:ext uri="{FF2B5EF4-FFF2-40B4-BE49-F238E27FC236}">
-                <a16:creationId xmlns:a16="http://schemas.microsoft.com/office/drawing/2014/main" id="{872C7757-7E1F-4705-BA23-65A1DCC36D9A}"/>
-              </a:ext>
-            </a:extLst>
-          </p:cNvPr>
+          <p:cNvPr id="4" name="Date Placeholder 3"/>
           <p:cNvSpPr>
             <a:spLocks noGrp="1"/>
           </p:cNvSpPr>
@@ -1133,7 +5019,7 @@
           <a:p>
             <a:fld id="{CC18E518-9312-428E-99F8-E157FFD147CF}" type="datetimeFigureOut">
               <a:rPr lang="sk-SK" smtClean="0"/>
-              <a:t>07. 04. 2019</a:t>
+              <a:t>10. 05. 2019</a:t>
             </a:fld>
             <a:endParaRPr lang="sk-SK"/>
           </a:p>
@@ -1141,13 +5027,7 @@
       </p:sp>
       <p:sp>
         <p:nvSpPr>
-          <p:cNvPr id="5" name="Zástupný objekt pre pätu 4">
-            <a:extLst>
-              <a:ext uri="{FF2B5EF4-FFF2-40B4-BE49-F238E27FC236}">
-                <a16:creationId xmlns:a16="http://schemas.microsoft.com/office/drawing/2014/main" id="{303FD974-C747-46E5-B4C4-CD0EBB985349}"/>
-              </a:ext>
-            </a:extLst>
-          </p:cNvPr>
+          <p:cNvPr id="5" name="Footer Placeholder 4"/>
           <p:cNvSpPr>
             <a:spLocks noGrp="1"/>
           </p:cNvSpPr>
@@ -1166,13 +5046,7 @@
       </p:sp>
       <p:sp>
         <p:nvSpPr>
-          <p:cNvPr id="6" name="Zástupný objekt pre číslo snímky 5">
-            <a:extLst>
-              <a:ext uri="{FF2B5EF4-FFF2-40B4-BE49-F238E27FC236}">
-                <a16:creationId xmlns:a16="http://schemas.microsoft.com/office/drawing/2014/main" id="{9C23D558-57AB-492C-A64B-0F51E4B067C2}"/>
-              </a:ext>
-            </a:extLst>
-          </p:cNvPr>
+          <p:cNvPr id="6" name="Slide Number Placeholder 5"/>
           <p:cNvSpPr>
             <a:spLocks noGrp="1"/>
           </p:cNvSpPr>
@@ -1180,7 +5054,12 @@
             <p:ph type="sldNum" sz="quarter" idx="12"/>
           </p:nvPr>
         </p:nvSpPr>
-        <p:spPr/>
+        <p:spPr>
+          <a:xfrm>
+            <a:off x="10729455" y="2869895"/>
+            <a:ext cx="1154151" cy="1090789"/>
+          </a:xfrm>
+        </p:spPr>
         <p:txBody>
           <a:bodyPr/>
           <a:lstStyle/>
@@ -1196,7 +5075,7 @@
     </p:spTree>
     <p:extLst>
       <p:ext uri="{BB962C8B-B14F-4D97-AF65-F5344CB8AC3E}">
-        <p14:creationId xmlns:p14="http://schemas.microsoft.com/office/powerpoint/2010/main" val="2900018675"/>
+        <p14:creationId xmlns:p14="http://schemas.microsoft.com/office/powerpoint/2010/main" val="2151218497"/>
       </p:ext>
     </p:extLst>
   </p:cSld>
@@ -1223,15 +5102,148 @@
           <a:chExt cx="0" cy="0"/>
         </a:xfrm>
       </p:grpSpPr>
-      <p:sp>
-        <p:nvSpPr>
-          <p:cNvPr id="2" name="Nadpis 1">
+      <p:pic>
+        <p:nvPicPr>
+          <p:cNvPr id="8" name="Picture 7" descr="HD-ShadowLong.png"/>
+          <p:cNvPicPr>
+            <a:picLocks noChangeAspect="1"/>
+          </p:cNvPicPr>
+          <p:nvPr/>
+        </p:nvPicPr>
+        <p:blipFill>
+          <a:blip r:embed="rId2">
             <a:extLst>
-              <a:ext uri="{FF2B5EF4-FFF2-40B4-BE49-F238E27FC236}">
-                <a16:creationId xmlns:a16="http://schemas.microsoft.com/office/drawing/2014/main" id="{8CE07069-125D-4106-A77C-E6E3590582AD}"/>
+              <a:ext uri="{28A0092B-C50C-407E-A947-70E740481C1C}">
+                <a14:useLocalDpi xmlns:a14="http://schemas.microsoft.com/office/drawing/2010/main" val="0"/>
               </a:ext>
             </a:extLst>
-          </p:cNvPr>
+          </a:blip>
+          <a:stretch>
+            <a:fillRect/>
+          </a:stretch>
+        </p:blipFill>
+        <p:spPr>
+          <a:xfrm>
+            <a:off x="1" y="1970240"/>
+            <a:ext cx="10437812" cy="321164"/>
+          </a:xfrm>
+          <a:prstGeom prst="rect">
+            <a:avLst/>
+          </a:prstGeom>
+        </p:spPr>
+      </p:pic>
+      <p:pic>
+        <p:nvPicPr>
+          <p:cNvPr id="9" name="Picture 8" descr="HD-ShadowShort.png"/>
+          <p:cNvPicPr>
+            <a:picLocks noChangeAspect="1"/>
+          </p:cNvPicPr>
+          <p:nvPr/>
+        </p:nvPicPr>
+        <p:blipFill>
+          <a:blip r:embed="rId3">
+            <a:extLst>
+              <a:ext uri="{28A0092B-C50C-407E-A947-70E740481C1C}">
+                <a14:useLocalDpi xmlns:a14="http://schemas.microsoft.com/office/drawing/2010/main" val="0"/>
+              </a:ext>
+            </a:extLst>
+          </a:blip>
+          <a:stretch>
+            <a:fillRect/>
+          </a:stretch>
+        </p:blipFill>
+        <p:spPr>
+          <a:xfrm>
+            <a:off x="10585826" y="1971234"/>
+            <a:ext cx="1602997" cy="144270"/>
+          </a:xfrm>
+          <a:prstGeom prst="rect">
+            <a:avLst/>
+          </a:prstGeom>
+        </p:spPr>
+      </p:pic>
+      <p:sp>
+        <p:nvSpPr>
+          <p:cNvPr id="10" name="Rectangle 9"/>
+          <p:cNvSpPr/>
+          <p:nvPr/>
+        </p:nvSpPr>
+        <p:spPr>
+          <a:xfrm>
+            <a:off x="0" y="609600"/>
+            <a:ext cx="10437812" cy="1368198"/>
+          </a:xfrm>
+          <a:prstGeom prst="rect">
+            <a:avLst/>
+          </a:prstGeom>
+          <a:solidFill>
+            <a:schemeClr val="bg1">
+              <a:lumMod val="85000"/>
+              <a:lumOff val="15000"/>
+            </a:schemeClr>
+          </a:solidFill>
+          <a:ln>
+            <a:noFill/>
+          </a:ln>
+        </p:spPr>
+        <p:style>
+          <a:lnRef idx="2">
+            <a:schemeClr val="accent1">
+              <a:shade val="50000"/>
+            </a:schemeClr>
+          </a:lnRef>
+          <a:fillRef idx="1">
+            <a:schemeClr val="accent1"/>
+          </a:fillRef>
+          <a:effectRef idx="0">
+            <a:schemeClr val="accent1"/>
+          </a:effectRef>
+          <a:fontRef idx="minor">
+            <a:schemeClr val="lt1"/>
+          </a:fontRef>
+        </p:style>
+      </p:sp>
+      <p:sp>
+        <p:nvSpPr>
+          <p:cNvPr id="11" name="Rectangle 10"/>
+          <p:cNvSpPr/>
+          <p:nvPr/>
+        </p:nvSpPr>
+        <p:spPr>
+          <a:xfrm>
+            <a:off x="10585827" y="609600"/>
+            <a:ext cx="1602997" cy="1368198"/>
+          </a:xfrm>
+          <a:prstGeom prst="rect">
+            <a:avLst/>
+          </a:prstGeom>
+          <a:solidFill>
+            <a:schemeClr val="accent1"/>
+          </a:solidFill>
+          <a:ln>
+            <a:noFill/>
+          </a:ln>
+        </p:spPr>
+        <p:style>
+          <a:lnRef idx="2">
+            <a:schemeClr val="accent1">
+              <a:shade val="50000"/>
+            </a:schemeClr>
+          </a:lnRef>
+          <a:fillRef idx="1">
+            <a:schemeClr val="accent1"/>
+          </a:fillRef>
+          <a:effectRef idx="0">
+            <a:schemeClr val="accent1"/>
+          </a:effectRef>
+          <a:fontRef idx="minor">
+            <a:schemeClr val="lt1"/>
+          </a:fontRef>
+        </p:style>
+      </p:sp>
+      <p:sp>
+        <p:nvSpPr>
+          <p:cNvPr id="2" name="Title 1"/>
           <p:cNvSpPr>
             <a:spLocks noGrp="1"/>
           </p:cNvSpPr>
@@ -1248,18 +5260,13 @@
               <a:rPr lang="sk-SK"/>
               <a:t>Kliknutím upravte štýl predlohy nadpisu</a:t>
             </a:r>
-          </a:p>
-        </p:txBody>
-      </p:sp>
-      <p:sp>
-        <p:nvSpPr>
-          <p:cNvPr id="3" name="Zástupný objekt pre obsah 2">
-            <a:extLst>
-              <a:ext uri="{FF2B5EF4-FFF2-40B4-BE49-F238E27FC236}">
-                <a16:creationId xmlns:a16="http://schemas.microsoft.com/office/drawing/2014/main" id="{CD3E0892-2805-40FD-BC69-A069EE2F93E0}"/>
-              </a:ext>
-            </a:extLst>
-          </p:cNvPr>
+            <a:endParaRPr lang="en-US" dirty="0"/>
+          </a:p>
+        </p:txBody>
+      </p:sp>
+      <p:sp>
+        <p:nvSpPr>
+          <p:cNvPr id="3" name="Content Placeholder 2"/>
           <p:cNvSpPr>
             <a:spLocks noGrp="1"/>
           </p:cNvSpPr>
@@ -1269,8 +5276,8 @@
         </p:nvSpPr>
         <p:spPr>
           <a:xfrm>
-            <a:off x="838200" y="1825625"/>
-            <a:ext cx="5181600" cy="4351338"/>
+            <a:off x="680320" y="2336873"/>
+            <a:ext cx="4698358" cy="3599316"/>
           </a:xfrm>
         </p:spPr>
         <p:txBody>
@@ -1310,18 +5317,13 @@
               <a:rPr lang="sk-SK"/>
               <a:t>Piata úroveň</a:t>
             </a:r>
-          </a:p>
-        </p:txBody>
-      </p:sp>
-      <p:sp>
-        <p:nvSpPr>
-          <p:cNvPr id="4" name="Zástupný objekt pre obsah 3">
-            <a:extLst>
-              <a:ext uri="{FF2B5EF4-FFF2-40B4-BE49-F238E27FC236}">
-                <a16:creationId xmlns:a16="http://schemas.microsoft.com/office/drawing/2014/main" id="{ED6B829A-12AC-4C27-8CDF-C8F73E6C5A62}"/>
-              </a:ext>
-            </a:extLst>
-          </p:cNvPr>
+            <a:endParaRPr lang="en-US" dirty="0"/>
+          </a:p>
+        </p:txBody>
+      </p:sp>
+      <p:sp>
+        <p:nvSpPr>
+          <p:cNvPr id="4" name="Content Placeholder 3"/>
           <p:cNvSpPr>
             <a:spLocks noGrp="1"/>
           </p:cNvSpPr>
@@ -1331,8 +5333,8 @@
         </p:nvSpPr>
         <p:spPr>
           <a:xfrm>
-            <a:off x="6172200" y="1825625"/>
-            <a:ext cx="5181600" cy="4351338"/>
+            <a:off x="5594123" y="2336873"/>
+            <a:ext cx="4700058" cy="3599316"/>
           </a:xfrm>
         </p:spPr>
         <p:txBody>
@@ -1372,18 +5374,13 @@
               <a:rPr lang="sk-SK"/>
               <a:t>Piata úroveň</a:t>
             </a:r>
-          </a:p>
-        </p:txBody>
-      </p:sp>
-      <p:sp>
-        <p:nvSpPr>
-          <p:cNvPr id="5" name="Zástupný objekt pre dátum 4">
-            <a:extLst>
-              <a:ext uri="{FF2B5EF4-FFF2-40B4-BE49-F238E27FC236}">
-                <a16:creationId xmlns:a16="http://schemas.microsoft.com/office/drawing/2014/main" id="{6B879BA9-2B22-4873-90F5-6F2B53386FC6}"/>
-              </a:ext>
-            </a:extLst>
-          </p:cNvPr>
+            <a:endParaRPr lang="en-US" dirty="0"/>
+          </a:p>
+        </p:txBody>
+      </p:sp>
+      <p:sp>
+        <p:nvSpPr>
+          <p:cNvPr id="5" name="Date Placeholder 4"/>
           <p:cNvSpPr>
             <a:spLocks noGrp="1"/>
           </p:cNvSpPr>
@@ -1398,7 +5395,7 @@
           <a:p>
             <a:fld id="{CC18E518-9312-428E-99F8-E157FFD147CF}" type="datetimeFigureOut">
               <a:rPr lang="sk-SK" smtClean="0"/>
-              <a:t>07. 04. 2019</a:t>
+              <a:t>10. 05. 2019</a:t>
             </a:fld>
             <a:endParaRPr lang="sk-SK"/>
           </a:p>
@@ -1406,13 +5403,7 @@
       </p:sp>
       <p:sp>
         <p:nvSpPr>
-          <p:cNvPr id="6" name="Zástupný objekt pre pätu 5">
-            <a:extLst>
-              <a:ext uri="{FF2B5EF4-FFF2-40B4-BE49-F238E27FC236}">
-                <a16:creationId xmlns:a16="http://schemas.microsoft.com/office/drawing/2014/main" id="{5C1863DB-6A51-4CBD-B867-D7889B237367}"/>
-              </a:ext>
-            </a:extLst>
-          </p:cNvPr>
+          <p:cNvPr id="6" name="Footer Placeholder 5"/>
           <p:cNvSpPr>
             <a:spLocks noGrp="1"/>
           </p:cNvSpPr>
@@ -1431,13 +5422,7 @@
       </p:sp>
       <p:sp>
         <p:nvSpPr>
-          <p:cNvPr id="7" name="Zástupný objekt pre číslo snímky 6">
-            <a:extLst>
-              <a:ext uri="{FF2B5EF4-FFF2-40B4-BE49-F238E27FC236}">
-                <a16:creationId xmlns:a16="http://schemas.microsoft.com/office/drawing/2014/main" id="{CD6ED0E9-1902-4528-B45C-8062A4CB0934}"/>
-              </a:ext>
-            </a:extLst>
-          </p:cNvPr>
+          <p:cNvPr id="7" name="Slide Number Placeholder 6"/>
           <p:cNvSpPr>
             <a:spLocks noGrp="1"/>
           </p:cNvSpPr>
@@ -1461,7 +5446,7 @@
     </p:spTree>
     <p:extLst>
       <p:ext uri="{BB962C8B-B14F-4D97-AF65-F5344CB8AC3E}">
-        <p14:creationId xmlns:p14="http://schemas.microsoft.com/office/powerpoint/2010/main" val="3246034467"/>
+        <p14:creationId xmlns:p14="http://schemas.microsoft.com/office/powerpoint/2010/main" val="3837954938"/>
       </p:ext>
     </p:extLst>
   </p:cSld>
@@ -1488,15 +5473,148 @@
           <a:chExt cx="0" cy="0"/>
         </a:xfrm>
       </p:grpSpPr>
-      <p:sp>
-        <p:nvSpPr>
-          <p:cNvPr id="2" name="Nadpis 1">
+      <p:pic>
+        <p:nvPicPr>
+          <p:cNvPr id="10" name="Picture 9" descr="HD-ShadowLong.png"/>
+          <p:cNvPicPr>
+            <a:picLocks noChangeAspect="1"/>
+          </p:cNvPicPr>
+          <p:nvPr/>
+        </p:nvPicPr>
+        <p:blipFill>
+          <a:blip r:embed="rId2">
             <a:extLst>
-              <a:ext uri="{FF2B5EF4-FFF2-40B4-BE49-F238E27FC236}">
-                <a16:creationId xmlns:a16="http://schemas.microsoft.com/office/drawing/2014/main" id="{67B7E952-A9CF-43EF-A5A9-521BF5527122}"/>
+              <a:ext uri="{28A0092B-C50C-407E-A947-70E740481C1C}">
+                <a14:useLocalDpi xmlns:a14="http://schemas.microsoft.com/office/drawing/2010/main" val="0"/>
               </a:ext>
             </a:extLst>
-          </p:cNvPr>
+          </a:blip>
+          <a:stretch>
+            <a:fillRect/>
+          </a:stretch>
+        </p:blipFill>
+        <p:spPr>
+          <a:xfrm>
+            <a:off x="1" y="1970240"/>
+            <a:ext cx="10437812" cy="321164"/>
+          </a:xfrm>
+          <a:prstGeom prst="rect">
+            <a:avLst/>
+          </a:prstGeom>
+        </p:spPr>
+      </p:pic>
+      <p:pic>
+        <p:nvPicPr>
+          <p:cNvPr id="11" name="Picture 10" descr="HD-ShadowShort.png"/>
+          <p:cNvPicPr>
+            <a:picLocks noChangeAspect="1"/>
+          </p:cNvPicPr>
+          <p:nvPr/>
+        </p:nvPicPr>
+        <p:blipFill>
+          <a:blip r:embed="rId3">
+            <a:extLst>
+              <a:ext uri="{28A0092B-C50C-407E-A947-70E740481C1C}">
+                <a14:useLocalDpi xmlns:a14="http://schemas.microsoft.com/office/drawing/2010/main" val="0"/>
+              </a:ext>
+            </a:extLst>
+          </a:blip>
+          <a:stretch>
+            <a:fillRect/>
+          </a:stretch>
+        </p:blipFill>
+        <p:spPr>
+          <a:xfrm>
+            <a:off x="10585826" y="1971234"/>
+            <a:ext cx="1602997" cy="144270"/>
+          </a:xfrm>
+          <a:prstGeom prst="rect">
+            <a:avLst/>
+          </a:prstGeom>
+        </p:spPr>
+      </p:pic>
+      <p:sp>
+        <p:nvSpPr>
+          <p:cNvPr id="12" name="Rectangle 11"/>
+          <p:cNvSpPr/>
+          <p:nvPr/>
+        </p:nvSpPr>
+        <p:spPr>
+          <a:xfrm>
+            <a:off x="0" y="609600"/>
+            <a:ext cx="10437812" cy="1368198"/>
+          </a:xfrm>
+          <a:prstGeom prst="rect">
+            <a:avLst/>
+          </a:prstGeom>
+          <a:solidFill>
+            <a:schemeClr val="bg1">
+              <a:lumMod val="85000"/>
+              <a:lumOff val="15000"/>
+            </a:schemeClr>
+          </a:solidFill>
+          <a:ln>
+            <a:noFill/>
+          </a:ln>
+        </p:spPr>
+        <p:style>
+          <a:lnRef idx="2">
+            <a:schemeClr val="accent1">
+              <a:shade val="50000"/>
+            </a:schemeClr>
+          </a:lnRef>
+          <a:fillRef idx="1">
+            <a:schemeClr val="accent1"/>
+          </a:fillRef>
+          <a:effectRef idx="0">
+            <a:schemeClr val="accent1"/>
+          </a:effectRef>
+          <a:fontRef idx="minor">
+            <a:schemeClr val="lt1"/>
+          </a:fontRef>
+        </p:style>
+      </p:sp>
+      <p:sp>
+        <p:nvSpPr>
+          <p:cNvPr id="13" name="Rectangle 12"/>
+          <p:cNvSpPr/>
+          <p:nvPr/>
+        </p:nvSpPr>
+        <p:spPr>
+          <a:xfrm>
+            <a:off x="10585827" y="609600"/>
+            <a:ext cx="1602997" cy="1368198"/>
+          </a:xfrm>
+          <a:prstGeom prst="rect">
+            <a:avLst/>
+          </a:prstGeom>
+          <a:solidFill>
+            <a:schemeClr val="accent1"/>
+          </a:solidFill>
+          <a:ln>
+            <a:noFill/>
+          </a:ln>
+        </p:spPr>
+        <p:style>
+          <a:lnRef idx="2">
+            <a:schemeClr val="accent1">
+              <a:shade val="50000"/>
+            </a:schemeClr>
+          </a:lnRef>
+          <a:fillRef idx="1">
+            <a:schemeClr val="accent1"/>
+          </a:fillRef>
+          <a:effectRef idx="0">
+            <a:schemeClr val="accent1"/>
+          </a:effectRef>
+          <a:fontRef idx="minor">
+            <a:schemeClr val="lt1"/>
+          </a:fontRef>
+        </p:style>
+      </p:sp>
+      <p:sp>
+        <p:nvSpPr>
+          <p:cNvPr id="2" name="Title 1"/>
           <p:cNvSpPr>
             <a:spLocks noGrp="1"/>
           </p:cNvSpPr>
@@ -1506,8 +5624,8 @@
         </p:nvSpPr>
         <p:spPr>
           <a:xfrm>
-            <a:off x="839788" y="365125"/>
-            <a:ext cx="10515600" cy="1325563"/>
+            <a:off x="680319" y="753229"/>
+            <a:ext cx="9613863" cy="1080937"/>
           </a:xfrm>
         </p:spPr>
         <p:txBody>
@@ -1518,18 +5636,13 @@
               <a:rPr lang="sk-SK"/>
               <a:t>Kliknutím upravte štýl predlohy nadpisu</a:t>
             </a:r>
-          </a:p>
-        </p:txBody>
-      </p:sp>
-      <p:sp>
-        <p:nvSpPr>
-          <p:cNvPr id="3" name="Zástupný objekt pre text 2">
-            <a:extLst>
-              <a:ext uri="{FF2B5EF4-FFF2-40B4-BE49-F238E27FC236}">
-                <a16:creationId xmlns:a16="http://schemas.microsoft.com/office/drawing/2014/main" id="{B8D489E5-4ECF-4641-9DEA-3BB4CC008780}"/>
-              </a:ext>
-            </a:extLst>
-          </p:cNvPr>
+            <a:endParaRPr lang="en-US" dirty="0"/>
+          </a:p>
+        </p:txBody>
+      </p:sp>
+      <p:sp>
+        <p:nvSpPr>
+          <p:cNvPr id="3" name="Text Placeholder 2"/>
           <p:cNvSpPr>
             <a:spLocks noGrp="1"/>
           </p:cNvSpPr>
@@ -1539,8 +5652,8 @@
         </p:nvSpPr>
         <p:spPr>
           <a:xfrm>
-            <a:off x="839788" y="1681163"/>
-            <a:ext cx="5157787" cy="823912"/>
+            <a:off x="906350" y="2336873"/>
+            <a:ext cx="4472327" cy="693135"/>
           </a:xfrm>
         </p:spPr>
         <p:txBody>
@@ -1594,13 +5707,7 @@
       </p:sp>
       <p:sp>
         <p:nvSpPr>
-          <p:cNvPr id="4" name="Zástupný objekt pre obsah 3">
-            <a:extLst>
-              <a:ext uri="{FF2B5EF4-FFF2-40B4-BE49-F238E27FC236}">
-                <a16:creationId xmlns:a16="http://schemas.microsoft.com/office/drawing/2014/main" id="{8B042235-D082-4137-9C33-E72EF79CB12C}"/>
-              </a:ext>
-            </a:extLst>
-          </p:cNvPr>
+          <p:cNvPr id="4" name="Content Placeholder 3"/>
           <p:cNvSpPr>
             <a:spLocks noGrp="1"/>
           </p:cNvSpPr>
@@ -1610,8 +5717,8 @@
         </p:nvSpPr>
         <p:spPr>
           <a:xfrm>
-            <a:off x="839788" y="2505075"/>
-            <a:ext cx="5157787" cy="3684588"/>
+            <a:off x="680322" y="3030008"/>
+            <a:ext cx="4698355" cy="2906179"/>
           </a:xfrm>
         </p:spPr>
         <p:txBody>
@@ -1651,18 +5758,13 @@
               <a:rPr lang="sk-SK"/>
               <a:t>Piata úroveň</a:t>
             </a:r>
-          </a:p>
-        </p:txBody>
-      </p:sp>
-      <p:sp>
-        <p:nvSpPr>
-          <p:cNvPr id="5" name="Zástupný objekt pre text 4">
-            <a:extLst>
-              <a:ext uri="{FF2B5EF4-FFF2-40B4-BE49-F238E27FC236}">
-                <a16:creationId xmlns:a16="http://schemas.microsoft.com/office/drawing/2014/main" id="{20B8E8EA-7C7B-4F71-A1E2-D86430A39BBF}"/>
-              </a:ext>
-            </a:extLst>
-          </p:cNvPr>
+            <a:endParaRPr lang="en-US" dirty="0"/>
+          </a:p>
+        </p:txBody>
+      </p:sp>
+      <p:sp>
+        <p:nvSpPr>
+          <p:cNvPr id="5" name="Text Placeholder 4"/>
           <p:cNvSpPr>
             <a:spLocks noGrp="1"/>
           </p:cNvSpPr>
@@ -1672,8 +5774,8 @@
         </p:nvSpPr>
         <p:spPr>
           <a:xfrm>
-            <a:off x="6172200" y="1681163"/>
-            <a:ext cx="5183188" cy="823912"/>
+            <a:off x="5820154" y="2336873"/>
+            <a:ext cx="4474028" cy="692076"/>
           </a:xfrm>
         </p:spPr>
         <p:txBody>
@@ -1727,13 +5829,7 @@
       </p:sp>
       <p:sp>
         <p:nvSpPr>
-          <p:cNvPr id="6" name="Zástupný objekt pre obsah 5">
-            <a:extLst>
-              <a:ext uri="{FF2B5EF4-FFF2-40B4-BE49-F238E27FC236}">
-                <a16:creationId xmlns:a16="http://schemas.microsoft.com/office/drawing/2014/main" id="{14DCA3ED-DD6A-4F78-B8B2-717082AFBDA4}"/>
-              </a:ext>
-            </a:extLst>
-          </p:cNvPr>
+          <p:cNvPr id="6" name="Content Placeholder 5"/>
           <p:cNvSpPr>
             <a:spLocks noGrp="1"/>
           </p:cNvSpPr>
@@ -1743,8 +5839,8 @@
         </p:nvSpPr>
         <p:spPr>
           <a:xfrm>
-            <a:off x="6172200" y="2505075"/>
-            <a:ext cx="5183188" cy="3684588"/>
+            <a:off x="5594123" y="3030008"/>
+            <a:ext cx="4700059" cy="2906179"/>
           </a:xfrm>
         </p:spPr>
         <p:txBody>
@@ -1784,18 +5880,13 @@
               <a:rPr lang="sk-SK"/>
               <a:t>Piata úroveň</a:t>
             </a:r>
-          </a:p>
-        </p:txBody>
-      </p:sp>
-      <p:sp>
-        <p:nvSpPr>
-          <p:cNvPr id="7" name="Zástupný objekt pre dátum 6">
-            <a:extLst>
-              <a:ext uri="{FF2B5EF4-FFF2-40B4-BE49-F238E27FC236}">
-                <a16:creationId xmlns:a16="http://schemas.microsoft.com/office/drawing/2014/main" id="{646D750C-2383-4CB6-AA72-83730171ABC6}"/>
-              </a:ext>
-            </a:extLst>
-          </p:cNvPr>
+            <a:endParaRPr lang="en-US" dirty="0"/>
+          </a:p>
+        </p:txBody>
+      </p:sp>
+      <p:sp>
+        <p:nvSpPr>
+          <p:cNvPr id="7" name="Date Placeholder 6"/>
           <p:cNvSpPr>
             <a:spLocks noGrp="1"/>
           </p:cNvSpPr>
@@ -1810,7 +5901,7 @@
           <a:p>
             <a:fld id="{CC18E518-9312-428E-99F8-E157FFD147CF}" type="datetimeFigureOut">
               <a:rPr lang="sk-SK" smtClean="0"/>
-              <a:t>07. 04. 2019</a:t>
+              <a:t>10. 05. 2019</a:t>
             </a:fld>
             <a:endParaRPr lang="sk-SK"/>
           </a:p>
@@ -1818,13 +5909,7 @@
       </p:sp>
       <p:sp>
         <p:nvSpPr>
-          <p:cNvPr id="8" name="Zástupný objekt pre pätu 7">
-            <a:extLst>
-              <a:ext uri="{FF2B5EF4-FFF2-40B4-BE49-F238E27FC236}">
-                <a16:creationId xmlns:a16="http://schemas.microsoft.com/office/drawing/2014/main" id="{01F75081-8073-4446-8F64-0CCBDE583DE4}"/>
-              </a:ext>
-            </a:extLst>
-          </p:cNvPr>
+          <p:cNvPr id="8" name="Footer Placeholder 7"/>
           <p:cNvSpPr>
             <a:spLocks noGrp="1"/>
           </p:cNvSpPr>
@@ -1843,13 +5928,7 @@
       </p:sp>
       <p:sp>
         <p:nvSpPr>
-          <p:cNvPr id="9" name="Zástupný objekt pre číslo snímky 8">
-            <a:extLst>
-              <a:ext uri="{FF2B5EF4-FFF2-40B4-BE49-F238E27FC236}">
-                <a16:creationId xmlns:a16="http://schemas.microsoft.com/office/drawing/2014/main" id="{B7AE6BA8-6EE9-4803-9B34-D66DB3B3E014}"/>
-              </a:ext>
-            </a:extLst>
-          </p:cNvPr>
+          <p:cNvPr id="9" name="Slide Number Placeholder 8"/>
           <p:cNvSpPr>
             <a:spLocks noGrp="1"/>
           </p:cNvSpPr>
@@ -1873,7 +5952,7 @@
     </p:spTree>
     <p:extLst>
       <p:ext uri="{BB962C8B-B14F-4D97-AF65-F5344CB8AC3E}">
-        <p14:creationId xmlns:p14="http://schemas.microsoft.com/office/powerpoint/2010/main" val="2525525043"/>
+        <p14:creationId xmlns:p14="http://schemas.microsoft.com/office/powerpoint/2010/main" val="405749274"/>
       </p:ext>
     </p:extLst>
   </p:cSld>
@@ -1900,15 +5979,148 @@
           <a:chExt cx="0" cy="0"/>
         </a:xfrm>
       </p:grpSpPr>
-      <p:sp>
-        <p:nvSpPr>
-          <p:cNvPr id="2" name="Nadpis 1">
+      <p:pic>
+        <p:nvPicPr>
+          <p:cNvPr id="6" name="Picture 5" descr="HD-ShadowLong.png"/>
+          <p:cNvPicPr>
+            <a:picLocks noChangeAspect="1"/>
+          </p:cNvPicPr>
+          <p:nvPr/>
+        </p:nvPicPr>
+        <p:blipFill>
+          <a:blip r:embed="rId2">
             <a:extLst>
-              <a:ext uri="{FF2B5EF4-FFF2-40B4-BE49-F238E27FC236}">
-                <a16:creationId xmlns:a16="http://schemas.microsoft.com/office/drawing/2014/main" id="{4CC5B2B7-4226-4D44-83D9-9BF042BF1C75}"/>
+              <a:ext uri="{28A0092B-C50C-407E-A947-70E740481C1C}">
+                <a14:useLocalDpi xmlns:a14="http://schemas.microsoft.com/office/drawing/2010/main" val="0"/>
               </a:ext>
             </a:extLst>
-          </p:cNvPr>
+          </a:blip>
+          <a:stretch>
+            <a:fillRect/>
+          </a:stretch>
+        </p:blipFill>
+        <p:spPr>
+          <a:xfrm>
+            <a:off x="1" y="1970240"/>
+            <a:ext cx="10437812" cy="321164"/>
+          </a:xfrm>
+          <a:prstGeom prst="rect">
+            <a:avLst/>
+          </a:prstGeom>
+        </p:spPr>
+      </p:pic>
+      <p:pic>
+        <p:nvPicPr>
+          <p:cNvPr id="7" name="Picture 6" descr="HD-ShadowShort.png"/>
+          <p:cNvPicPr>
+            <a:picLocks noChangeAspect="1"/>
+          </p:cNvPicPr>
+          <p:nvPr/>
+        </p:nvPicPr>
+        <p:blipFill>
+          <a:blip r:embed="rId3">
+            <a:extLst>
+              <a:ext uri="{28A0092B-C50C-407E-A947-70E740481C1C}">
+                <a14:useLocalDpi xmlns:a14="http://schemas.microsoft.com/office/drawing/2010/main" val="0"/>
+              </a:ext>
+            </a:extLst>
+          </a:blip>
+          <a:stretch>
+            <a:fillRect/>
+          </a:stretch>
+        </p:blipFill>
+        <p:spPr>
+          <a:xfrm>
+            <a:off x="10585826" y="1971234"/>
+            <a:ext cx="1602997" cy="144270"/>
+          </a:xfrm>
+          <a:prstGeom prst="rect">
+            <a:avLst/>
+          </a:prstGeom>
+        </p:spPr>
+      </p:pic>
+      <p:sp>
+        <p:nvSpPr>
+          <p:cNvPr id="8" name="Rectangle 7"/>
+          <p:cNvSpPr/>
+          <p:nvPr/>
+        </p:nvSpPr>
+        <p:spPr>
+          <a:xfrm>
+            <a:off x="0" y="609600"/>
+            <a:ext cx="10437812" cy="1368198"/>
+          </a:xfrm>
+          <a:prstGeom prst="rect">
+            <a:avLst/>
+          </a:prstGeom>
+          <a:solidFill>
+            <a:schemeClr val="bg1">
+              <a:lumMod val="85000"/>
+              <a:lumOff val="15000"/>
+            </a:schemeClr>
+          </a:solidFill>
+          <a:ln>
+            <a:noFill/>
+          </a:ln>
+        </p:spPr>
+        <p:style>
+          <a:lnRef idx="2">
+            <a:schemeClr val="accent1">
+              <a:shade val="50000"/>
+            </a:schemeClr>
+          </a:lnRef>
+          <a:fillRef idx="1">
+            <a:schemeClr val="accent1"/>
+          </a:fillRef>
+          <a:effectRef idx="0">
+            <a:schemeClr val="accent1"/>
+          </a:effectRef>
+          <a:fontRef idx="minor">
+            <a:schemeClr val="lt1"/>
+          </a:fontRef>
+        </p:style>
+      </p:sp>
+      <p:sp>
+        <p:nvSpPr>
+          <p:cNvPr id="9" name="Rectangle 8"/>
+          <p:cNvSpPr/>
+          <p:nvPr/>
+        </p:nvSpPr>
+        <p:spPr>
+          <a:xfrm>
+            <a:off x="10585827" y="609600"/>
+            <a:ext cx="1602997" cy="1368198"/>
+          </a:xfrm>
+          <a:prstGeom prst="rect">
+            <a:avLst/>
+          </a:prstGeom>
+          <a:solidFill>
+            <a:schemeClr val="accent1"/>
+          </a:solidFill>
+          <a:ln>
+            <a:noFill/>
+          </a:ln>
+        </p:spPr>
+        <p:style>
+          <a:lnRef idx="2">
+            <a:schemeClr val="accent1">
+              <a:shade val="50000"/>
+            </a:schemeClr>
+          </a:lnRef>
+          <a:fillRef idx="1">
+            <a:schemeClr val="accent1"/>
+          </a:fillRef>
+          <a:effectRef idx="0">
+            <a:schemeClr val="accent1"/>
+          </a:effectRef>
+          <a:fontRef idx="minor">
+            <a:schemeClr val="lt1"/>
+          </a:fontRef>
+        </p:style>
+      </p:sp>
+      <p:sp>
+        <p:nvSpPr>
+          <p:cNvPr id="2" name="Title 1"/>
           <p:cNvSpPr>
             <a:spLocks noGrp="1"/>
           </p:cNvSpPr>
@@ -1925,18 +6137,13 @@
               <a:rPr lang="sk-SK"/>
               <a:t>Kliknutím upravte štýl predlohy nadpisu</a:t>
             </a:r>
-          </a:p>
-        </p:txBody>
-      </p:sp>
-      <p:sp>
-        <p:nvSpPr>
-          <p:cNvPr id="3" name="Zástupný objekt pre dátum 2">
-            <a:extLst>
-              <a:ext uri="{FF2B5EF4-FFF2-40B4-BE49-F238E27FC236}">
-                <a16:creationId xmlns:a16="http://schemas.microsoft.com/office/drawing/2014/main" id="{2198C6F5-8338-4C1B-9AB8-68D0C1380DB7}"/>
-              </a:ext>
-            </a:extLst>
-          </p:cNvPr>
+            <a:endParaRPr lang="en-US" dirty="0"/>
+          </a:p>
+        </p:txBody>
+      </p:sp>
+      <p:sp>
+        <p:nvSpPr>
+          <p:cNvPr id="3" name="Date Placeholder 2"/>
           <p:cNvSpPr>
             <a:spLocks noGrp="1"/>
           </p:cNvSpPr>
@@ -1951,7 +6158,7 @@
           <a:p>
             <a:fld id="{CC18E518-9312-428E-99F8-E157FFD147CF}" type="datetimeFigureOut">
               <a:rPr lang="sk-SK" smtClean="0"/>
-              <a:t>07. 04. 2019</a:t>
+              <a:t>10. 05. 2019</a:t>
             </a:fld>
             <a:endParaRPr lang="sk-SK"/>
           </a:p>
@@ -1959,13 +6166,7 @@
       </p:sp>
       <p:sp>
         <p:nvSpPr>
-          <p:cNvPr id="4" name="Zástupný objekt pre pätu 3">
-            <a:extLst>
-              <a:ext uri="{FF2B5EF4-FFF2-40B4-BE49-F238E27FC236}">
-                <a16:creationId xmlns:a16="http://schemas.microsoft.com/office/drawing/2014/main" id="{10899A51-5C31-48B2-BA9B-6E4176F13956}"/>
-              </a:ext>
-            </a:extLst>
-          </p:cNvPr>
+          <p:cNvPr id="4" name="Footer Placeholder 3"/>
           <p:cNvSpPr>
             <a:spLocks noGrp="1"/>
           </p:cNvSpPr>
@@ -1984,13 +6185,7 @@
       </p:sp>
       <p:sp>
         <p:nvSpPr>
-          <p:cNvPr id="5" name="Zástupný objekt pre číslo snímky 4">
-            <a:extLst>
-              <a:ext uri="{FF2B5EF4-FFF2-40B4-BE49-F238E27FC236}">
-                <a16:creationId xmlns:a16="http://schemas.microsoft.com/office/drawing/2014/main" id="{9E6E99D6-49E5-456A-90E0-E349F37827A5}"/>
-              </a:ext>
-            </a:extLst>
-          </p:cNvPr>
+          <p:cNvPr id="5" name="Slide Number Placeholder 4"/>
           <p:cNvSpPr>
             <a:spLocks noGrp="1"/>
           </p:cNvSpPr>
@@ -2014,7 +6209,7 @@
     </p:spTree>
     <p:extLst>
       <p:ext uri="{BB962C8B-B14F-4D97-AF65-F5344CB8AC3E}">
-        <p14:creationId xmlns:p14="http://schemas.microsoft.com/office/powerpoint/2010/main" val="4194033834"/>
+        <p14:creationId xmlns:p14="http://schemas.microsoft.com/office/powerpoint/2010/main" val="3722994513"/>
       </p:ext>
     </p:extLst>
   </p:cSld>
@@ -2041,15 +6236,77 @@
           <a:chExt cx="0" cy="0"/>
         </a:xfrm>
       </p:grpSpPr>
-      <p:sp>
-        <p:nvSpPr>
-          <p:cNvPr id="2" name="Zástupný objekt pre dátum 1">
+      <p:pic>
+        <p:nvPicPr>
+          <p:cNvPr id="5" name="Picture 4" descr="HD-ShadowShort.png"/>
+          <p:cNvPicPr>
+            <a:picLocks noChangeAspect="1"/>
+          </p:cNvPicPr>
+          <p:nvPr/>
+        </p:nvPicPr>
+        <p:blipFill>
+          <a:blip r:embed="rId2">
             <a:extLst>
-              <a:ext uri="{FF2B5EF4-FFF2-40B4-BE49-F238E27FC236}">
-                <a16:creationId xmlns:a16="http://schemas.microsoft.com/office/drawing/2014/main" id="{0EA58ED7-6B9D-4755-8FE3-FC6DB304F9E0}"/>
+              <a:ext uri="{28A0092B-C50C-407E-A947-70E740481C1C}">
+                <a14:useLocalDpi xmlns:a14="http://schemas.microsoft.com/office/drawing/2010/main" val="0"/>
               </a:ext>
             </a:extLst>
-          </p:cNvPr>
+          </a:blip>
+          <a:stretch>
+            <a:fillRect/>
+          </a:stretch>
+        </p:blipFill>
+        <p:spPr>
+          <a:xfrm>
+            <a:off x="10585826" y="1971234"/>
+            <a:ext cx="1602997" cy="144270"/>
+          </a:xfrm>
+          <a:prstGeom prst="rect">
+            <a:avLst/>
+          </a:prstGeom>
+        </p:spPr>
+      </p:pic>
+      <p:sp>
+        <p:nvSpPr>
+          <p:cNvPr id="6" name="Rectangle 5"/>
+          <p:cNvSpPr/>
+          <p:nvPr/>
+        </p:nvSpPr>
+        <p:spPr>
+          <a:xfrm>
+            <a:off x="10585827" y="609600"/>
+            <a:ext cx="1602997" cy="1368198"/>
+          </a:xfrm>
+          <a:prstGeom prst="rect">
+            <a:avLst/>
+          </a:prstGeom>
+          <a:solidFill>
+            <a:schemeClr val="accent1"/>
+          </a:solidFill>
+          <a:ln>
+            <a:noFill/>
+          </a:ln>
+        </p:spPr>
+        <p:style>
+          <a:lnRef idx="2">
+            <a:schemeClr val="accent1">
+              <a:shade val="50000"/>
+            </a:schemeClr>
+          </a:lnRef>
+          <a:fillRef idx="1">
+            <a:schemeClr val="accent1"/>
+          </a:fillRef>
+          <a:effectRef idx="0">
+            <a:schemeClr val="accent1"/>
+          </a:effectRef>
+          <a:fontRef idx="minor">
+            <a:schemeClr val="lt1"/>
+          </a:fontRef>
+        </p:style>
+      </p:sp>
+      <p:sp>
+        <p:nvSpPr>
+          <p:cNvPr id="2" name="Date Placeholder 1"/>
           <p:cNvSpPr>
             <a:spLocks noGrp="1"/>
           </p:cNvSpPr>
@@ -2064,7 +6321,7 @@
           <a:p>
             <a:fld id="{CC18E518-9312-428E-99F8-E157FFD147CF}" type="datetimeFigureOut">
               <a:rPr lang="sk-SK" smtClean="0"/>
-              <a:t>07. 04. 2019</a:t>
+              <a:t>10. 05. 2019</a:t>
             </a:fld>
             <a:endParaRPr lang="sk-SK"/>
           </a:p>
@@ -2072,13 +6329,7 @@
       </p:sp>
       <p:sp>
         <p:nvSpPr>
-          <p:cNvPr id="3" name="Zástupný objekt pre pätu 2">
-            <a:extLst>
-              <a:ext uri="{FF2B5EF4-FFF2-40B4-BE49-F238E27FC236}">
-                <a16:creationId xmlns:a16="http://schemas.microsoft.com/office/drawing/2014/main" id="{457E1818-F6E6-48A4-A595-F58FA06D713D}"/>
-              </a:ext>
-            </a:extLst>
-          </p:cNvPr>
+          <p:cNvPr id="3" name="Footer Placeholder 2"/>
           <p:cNvSpPr>
             <a:spLocks noGrp="1"/>
           </p:cNvSpPr>
@@ -2097,13 +6348,7 @@
       </p:sp>
       <p:sp>
         <p:nvSpPr>
-          <p:cNvPr id="4" name="Zástupný objekt pre číslo snímky 3">
-            <a:extLst>
-              <a:ext uri="{FF2B5EF4-FFF2-40B4-BE49-F238E27FC236}">
-                <a16:creationId xmlns:a16="http://schemas.microsoft.com/office/drawing/2014/main" id="{F99A52EE-6922-4B20-86A7-78299459A76D}"/>
-              </a:ext>
-            </a:extLst>
-          </p:cNvPr>
+          <p:cNvPr id="4" name="Slide Number Placeholder 3"/>
           <p:cNvSpPr>
             <a:spLocks noGrp="1"/>
           </p:cNvSpPr>
@@ -2127,7 +6372,7 @@
     </p:spTree>
     <p:extLst>
       <p:ext uri="{BB962C8B-B14F-4D97-AF65-F5344CB8AC3E}">
-        <p14:creationId xmlns:p14="http://schemas.microsoft.com/office/powerpoint/2010/main" val="4236311807"/>
+        <p14:creationId xmlns:p14="http://schemas.microsoft.com/office/powerpoint/2010/main" val="563946770"/>
       </p:ext>
     </p:extLst>
   </p:cSld>
@@ -2154,15 +6399,148 @@
           <a:chExt cx="0" cy="0"/>
         </a:xfrm>
       </p:grpSpPr>
-      <p:sp>
-        <p:nvSpPr>
-          <p:cNvPr id="2" name="Nadpis 1">
+      <p:pic>
+        <p:nvPicPr>
+          <p:cNvPr id="8" name="Picture 7" descr="HD-ShadowLong.png"/>
+          <p:cNvPicPr>
+            <a:picLocks noChangeAspect="1"/>
+          </p:cNvPicPr>
+          <p:nvPr/>
+        </p:nvPicPr>
+        <p:blipFill>
+          <a:blip r:embed="rId2">
             <a:extLst>
-              <a:ext uri="{FF2B5EF4-FFF2-40B4-BE49-F238E27FC236}">
-                <a16:creationId xmlns:a16="http://schemas.microsoft.com/office/drawing/2014/main" id="{B365CE1B-9C02-4190-8AF0-CA652A462434}"/>
+              <a:ext uri="{28A0092B-C50C-407E-A947-70E740481C1C}">
+                <a14:useLocalDpi xmlns:a14="http://schemas.microsoft.com/office/drawing/2010/main" val="0"/>
               </a:ext>
             </a:extLst>
-          </p:cNvPr>
+          </a:blip>
+          <a:stretch>
+            <a:fillRect/>
+          </a:stretch>
+        </p:blipFill>
+        <p:spPr>
+          <a:xfrm>
+            <a:off x="1" y="1970240"/>
+            <a:ext cx="10437812" cy="321164"/>
+          </a:xfrm>
+          <a:prstGeom prst="rect">
+            <a:avLst/>
+          </a:prstGeom>
+        </p:spPr>
+      </p:pic>
+      <p:pic>
+        <p:nvPicPr>
+          <p:cNvPr id="9" name="Picture 8" descr="HD-ShadowShort.png"/>
+          <p:cNvPicPr>
+            <a:picLocks noChangeAspect="1"/>
+          </p:cNvPicPr>
+          <p:nvPr/>
+        </p:nvPicPr>
+        <p:blipFill>
+          <a:blip r:embed="rId3">
+            <a:extLst>
+              <a:ext uri="{28A0092B-C50C-407E-A947-70E740481C1C}">
+                <a14:useLocalDpi xmlns:a14="http://schemas.microsoft.com/office/drawing/2010/main" val="0"/>
+              </a:ext>
+            </a:extLst>
+          </a:blip>
+          <a:stretch>
+            <a:fillRect/>
+          </a:stretch>
+        </p:blipFill>
+        <p:spPr>
+          <a:xfrm>
+            <a:off x="10585826" y="1971234"/>
+            <a:ext cx="1602997" cy="144270"/>
+          </a:xfrm>
+          <a:prstGeom prst="rect">
+            <a:avLst/>
+          </a:prstGeom>
+        </p:spPr>
+      </p:pic>
+      <p:sp>
+        <p:nvSpPr>
+          <p:cNvPr id="10" name="Rectangle 9"/>
+          <p:cNvSpPr/>
+          <p:nvPr/>
+        </p:nvSpPr>
+        <p:spPr>
+          <a:xfrm>
+            <a:off x="0" y="609600"/>
+            <a:ext cx="10437812" cy="1368198"/>
+          </a:xfrm>
+          <a:prstGeom prst="rect">
+            <a:avLst/>
+          </a:prstGeom>
+          <a:solidFill>
+            <a:schemeClr val="bg1">
+              <a:lumMod val="85000"/>
+              <a:lumOff val="15000"/>
+            </a:schemeClr>
+          </a:solidFill>
+          <a:ln>
+            <a:noFill/>
+          </a:ln>
+        </p:spPr>
+        <p:style>
+          <a:lnRef idx="2">
+            <a:schemeClr val="accent1">
+              <a:shade val="50000"/>
+            </a:schemeClr>
+          </a:lnRef>
+          <a:fillRef idx="1">
+            <a:schemeClr val="accent1"/>
+          </a:fillRef>
+          <a:effectRef idx="0">
+            <a:schemeClr val="accent1"/>
+          </a:effectRef>
+          <a:fontRef idx="minor">
+            <a:schemeClr val="lt1"/>
+          </a:fontRef>
+        </p:style>
+      </p:sp>
+      <p:sp>
+        <p:nvSpPr>
+          <p:cNvPr id="11" name="Rectangle 10"/>
+          <p:cNvSpPr/>
+          <p:nvPr/>
+        </p:nvSpPr>
+        <p:spPr>
+          <a:xfrm>
+            <a:off x="10585827" y="609600"/>
+            <a:ext cx="1602997" cy="1368198"/>
+          </a:xfrm>
+          <a:prstGeom prst="rect">
+            <a:avLst/>
+          </a:prstGeom>
+          <a:solidFill>
+            <a:schemeClr val="accent1"/>
+          </a:solidFill>
+          <a:ln>
+            <a:noFill/>
+          </a:ln>
+        </p:spPr>
+        <p:style>
+          <a:lnRef idx="2">
+            <a:schemeClr val="accent1">
+              <a:shade val="50000"/>
+            </a:schemeClr>
+          </a:lnRef>
+          <a:fillRef idx="1">
+            <a:schemeClr val="accent1"/>
+          </a:fillRef>
+          <a:effectRef idx="0">
+            <a:schemeClr val="accent1"/>
+          </a:effectRef>
+          <a:fontRef idx="minor">
+            <a:schemeClr val="lt1"/>
+          </a:fontRef>
+        </p:style>
+      </p:sp>
+      <p:sp>
+        <p:nvSpPr>
+          <p:cNvPr id="2" name="Title 1"/>
           <p:cNvSpPr>
             <a:spLocks noGrp="1"/>
           </p:cNvSpPr>
@@ -2172,15 +6550,17 @@
         </p:nvSpPr>
         <p:spPr>
           <a:xfrm>
-            <a:off x="839788" y="457200"/>
-            <a:ext cx="3932237" cy="1600200"/>
-          </a:xfrm>
-        </p:spPr>
-        <p:txBody>
-          <a:bodyPr anchor="b"/>
+            <a:off x="680321" y="753227"/>
+            <a:ext cx="9613859" cy="1080940"/>
+          </a:xfrm>
+        </p:spPr>
+        <p:txBody>
+          <a:bodyPr anchor="ctr">
+            <a:normAutofit/>
+          </a:bodyPr>
           <a:lstStyle>
             <a:lvl1pPr>
-              <a:defRPr sz="3200"/>
+              <a:defRPr sz="3600"/>
             </a:lvl1pPr>
           </a:lstStyle>
           <a:p>
@@ -2188,18 +6568,13 @@
               <a:rPr lang="sk-SK"/>
               <a:t>Kliknutím upravte štýl predlohy nadpisu</a:t>
             </a:r>
-          </a:p>
-        </p:txBody>
-      </p:sp>
-      <p:sp>
-        <p:nvSpPr>
-          <p:cNvPr id="3" name="Zástupný objekt pre obsah 2">
-            <a:extLst>
-              <a:ext uri="{FF2B5EF4-FFF2-40B4-BE49-F238E27FC236}">
-                <a16:creationId xmlns:a16="http://schemas.microsoft.com/office/drawing/2014/main" id="{8BF40FF7-42B6-442F-B2F8-358EF7B55456}"/>
-              </a:ext>
-            </a:extLst>
-          </p:cNvPr>
+            <a:endParaRPr lang="en-US" dirty="0"/>
+          </a:p>
+        </p:txBody>
+      </p:sp>
+      <p:sp>
+        <p:nvSpPr>
+          <p:cNvPr id="3" name="Content Placeholder 2"/>
           <p:cNvSpPr>
             <a:spLocks noGrp="1"/>
           </p:cNvSpPr>
@@ -2209,41 +6584,13 @@
         </p:nvSpPr>
         <p:spPr>
           <a:xfrm>
-            <a:off x="5183188" y="987425"/>
-            <a:ext cx="6172200" cy="4873625"/>
+            <a:off x="4685846" y="2336873"/>
+            <a:ext cx="5608336" cy="3599313"/>
           </a:xfrm>
         </p:spPr>
         <p:txBody>
           <a:bodyPr/>
-          <a:lstStyle>
-            <a:lvl1pPr>
-              <a:defRPr sz="3200"/>
-            </a:lvl1pPr>
-            <a:lvl2pPr>
-              <a:defRPr sz="2800"/>
-            </a:lvl2pPr>
-            <a:lvl3pPr>
-              <a:defRPr sz="2400"/>
-            </a:lvl3pPr>
-            <a:lvl4pPr>
-              <a:defRPr sz="2000"/>
-            </a:lvl4pPr>
-            <a:lvl5pPr>
-              <a:defRPr sz="2000"/>
-            </a:lvl5pPr>
-            <a:lvl6pPr>
-              <a:defRPr sz="2000"/>
-            </a:lvl6pPr>
-            <a:lvl7pPr>
-              <a:defRPr sz="2000"/>
-            </a:lvl7pPr>
-            <a:lvl8pPr>
-              <a:defRPr sz="2000"/>
-            </a:lvl8pPr>
-            <a:lvl9pPr>
-              <a:defRPr sz="2000"/>
-            </a:lvl9pPr>
-          </a:lstStyle>
+          <a:lstStyle/>
           <a:p>
             <a:pPr lvl="0"/>
             <a:r>
@@ -2278,18 +6625,13 @@
               <a:rPr lang="sk-SK"/>
               <a:t>Piata úroveň</a:t>
             </a:r>
-          </a:p>
-        </p:txBody>
-      </p:sp>
-      <p:sp>
-        <p:nvSpPr>
-          <p:cNvPr id="4" name="Zástupný objekt pre text 3">
-            <a:extLst>
-              <a:ext uri="{FF2B5EF4-FFF2-40B4-BE49-F238E27FC236}">
-                <a16:creationId xmlns:a16="http://schemas.microsoft.com/office/drawing/2014/main" id="{176C19A3-1D3A-4917-9875-945F71539208}"/>
-              </a:ext>
-            </a:extLst>
-          </p:cNvPr>
+            <a:endParaRPr lang="en-US" dirty="0"/>
+          </a:p>
+        </p:txBody>
+      </p:sp>
+      <p:sp>
+        <p:nvSpPr>
+          <p:cNvPr id="4" name="Text Placeholder 3"/>
           <p:cNvSpPr>
             <a:spLocks noGrp="1"/>
           </p:cNvSpPr>
@@ -2299,12 +6641,12 @@
         </p:nvSpPr>
         <p:spPr>
           <a:xfrm>
-            <a:off x="839788" y="2057400"/>
-            <a:ext cx="3932237" cy="3811588"/>
-          </a:xfrm>
-        </p:spPr>
-        <p:txBody>
-          <a:bodyPr/>
+            <a:off x="680322" y="2336872"/>
+            <a:ext cx="3790078" cy="3599317"/>
+          </a:xfrm>
+        </p:spPr>
+        <p:txBody>
+          <a:bodyPr anchor="ctr"/>
           <a:lstStyle>
             <a:lvl1pPr marL="0" indent="0">
               <a:buNone/>
@@ -2354,13 +6696,7 @@
       </p:sp>
       <p:sp>
         <p:nvSpPr>
-          <p:cNvPr id="5" name="Zástupný objekt pre dátum 4">
-            <a:extLst>
-              <a:ext uri="{FF2B5EF4-FFF2-40B4-BE49-F238E27FC236}">
-                <a16:creationId xmlns:a16="http://schemas.microsoft.com/office/drawing/2014/main" id="{AB3E42B3-A75C-48C2-BF76-429F2CB2E458}"/>
-              </a:ext>
-            </a:extLst>
-          </p:cNvPr>
+          <p:cNvPr id="5" name="Date Placeholder 4"/>
           <p:cNvSpPr>
             <a:spLocks noGrp="1"/>
           </p:cNvSpPr>
@@ -2375,7 +6711,7 @@
           <a:p>
             <a:fld id="{CC18E518-9312-428E-99F8-E157FFD147CF}" type="datetimeFigureOut">
               <a:rPr lang="sk-SK" smtClean="0"/>
-              <a:t>07. 04. 2019</a:t>
+              <a:t>10. 05. 2019</a:t>
             </a:fld>
             <a:endParaRPr lang="sk-SK"/>
           </a:p>
@@ -2383,13 +6719,7 @@
       </p:sp>
       <p:sp>
         <p:nvSpPr>
-          <p:cNvPr id="6" name="Zástupný objekt pre pätu 5">
-            <a:extLst>
-              <a:ext uri="{FF2B5EF4-FFF2-40B4-BE49-F238E27FC236}">
-                <a16:creationId xmlns:a16="http://schemas.microsoft.com/office/drawing/2014/main" id="{237BAF97-44A4-47AD-A6A4-D7C6F4C914E7}"/>
-              </a:ext>
-            </a:extLst>
-          </p:cNvPr>
+          <p:cNvPr id="6" name="Footer Placeholder 5"/>
           <p:cNvSpPr>
             <a:spLocks noGrp="1"/>
           </p:cNvSpPr>
@@ -2408,13 +6738,7 @@
       </p:sp>
       <p:sp>
         <p:nvSpPr>
-          <p:cNvPr id="7" name="Zástupný objekt pre číslo snímky 6">
-            <a:extLst>
-              <a:ext uri="{FF2B5EF4-FFF2-40B4-BE49-F238E27FC236}">
-                <a16:creationId xmlns:a16="http://schemas.microsoft.com/office/drawing/2014/main" id="{19D25DFD-4B62-4D12-88E2-6442F252086A}"/>
-              </a:ext>
-            </a:extLst>
-          </p:cNvPr>
+          <p:cNvPr id="7" name="Slide Number Placeholder 6"/>
           <p:cNvSpPr>
             <a:spLocks noGrp="1"/>
           </p:cNvSpPr>
@@ -2438,7 +6762,7 @@
     </p:spTree>
     <p:extLst>
       <p:ext uri="{BB962C8B-B14F-4D97-AF65-F5344CB8AC3E}">
-        <p14:creationId xmlns:p14="http://schemas.microsoft.com/office/powerpoint/2010/main" val="2736459666"/>
+        <p14:creationId xmlns:p14="http://schemas.microsoft.com/office/powerpoint/2010/main" val="2339876965"/>
       </p:ext>
     </p:extLst>
   </p:cSld>
@@ -2465,15 +6789,148 @@
           <a:chExt cx="0" cy="0"/>
         </a:xfrm>
       </p:grpSpPr>
-      <p:sp>
-        <p:nvSpPr>
-          <p:cNvPr id="2" name="Nadpis 1">
+      <p:pic>
+        <p:nvPicPr>
+          <p:cNvPr id="8" name="Picture 7" descr="HD-ShadowLong.png"/>
+          <p:cNvPicPr>
+            <a:picLocks noChangeAspect="1"/>
+          </p:cNvPicPr>
+          <p:nvPr/>
+        </p:nvPicPr>
+        <p:blipFill>
+          <a:blip r:embed="rId2">
             <a:extLst>
-              <a:ext uri="{FF2B5EF4-FFF2-40B4-BE49-F238E27FC236}">
-                <a16:creationId xmlns:a16="http://schemas.microsoft.com/office/drawing/2014/main" id="{F168BE89-40F5-4A18-9364-C8C6D09EC0E9}"/>
+              <a:ext uri="{28A0092B-C50C-407E-A947-70E740481C1C}">
+                <a14:useLocalDpi xmlns:a14="http://schemas.microsoft.com/office/drawing/2010/main" val="0"/>
               </a:ext>
             </a:extLst>
-          </p:cNvPr>
+          </a:blip>
+          <a:stretch>
+            <a:fillRect/>
+          </a:stretch>
+        </p:blipFill>
+        <p:spPr>
+          <a:xfrm>
+            <a:off x="1" y="1970240"/>
+            <a:ext cx="10437812" cy="321164"/>
+          </a:xfrm>
+          <a:prstGeom prst="rect">
+            <a:avLst/>
+          </a:prstGeom>
+        </p:spPr>
+      </p:pic>
+      <p:pic>
+        <p:nvPicPr>
+          <p:cNvPr id="9" name="Picture 8" descr="HD-ShadowShort.png"/>
+          <p:cNvPicPr>
+            <a:picLocks noChangeAspect="1"/>
+          </p:cNvPicPr>
+          <p:nvPr/>
+        </p:nvPicPr>
+        <p:blipFill>
+          <a:blip r:embed="rId3">
+            <a:extLst>
+              <a:ext uri="{28A0092B-C50C-407E-A947-70E740481C1C}">
+                <a14:useLocalDpi xmlns:a14="http://schemas.microsoft.com/office/drawing/2010/main" val="0"/>
+              </a:ext>
+            </a:extLst>
+          </a:blip>
+          <a:stretch>
+            <a:fillRect/>
+          </a:stretch>
+        </p:blipFill>
+        <p:spPr>
+          <a:xfrm>
+            <a:off x="10585826" y="1971234"/>
+            <a:ext cx="1602997" cy="144270"/>
+          </a:xfrm>
+          <a:prstGeom prst="rect">
+            <a:avLst/>
+          </a:prstGeom>
+        </p:spPr>
+      </p:pic>
+      <p:sp>
+        <p:nvSpPr>
+          <p:cNvPr id="10" name="Rectangle 9"/>
+          <p:cNvSpPr/>
+          <p:nvPr/>
+        </p:nvSpPr>
+        <p:spPr>
+          <a:xfrm>
+            <a:off x="0" y="609600"/>
+            <a:ext cx="10437812" cy="1368198"/>
+          </a:xfrm>
+          <a:prstGeom prst="rect">
+            <a:avLst/>
+          </a:prstGeom>
+          <a:solidFill>
+            <a:schemeClr val="bg1">
+              <a:lumMod val="85000"/>
+              <a:lumOff val="15000"/>
+            </a:schemeClr>
+          </a:solidFill>
+          <a:ln>
+            <a:noFill/>
+          </a:ln>
+        </p:spPr>
+        <p:style>
+          <a:lnRef idx="2">
+            <a:schemeClr val="accent1">
+              <a:shade val="50000"/>
+            </a:schemeClr>
+          </a:lnRef>
+          <a:fillRef idx="1">
+            <a:schemeClr val="accent1"/>
+          </a:fillRef>
+          <a:effectRef idx="0">
+            <a:schemeClr val="accent1"/>
+          </a:effectRef>
+          <a:fontRef idx="minor">
+            <a:schemeClr val="lt1"/>
+          </a:fontRef>
+        </p:style>
+      </p:sp>
+      <p:sp>
+        <p:nvSpPr>
+          <p:cNvPr id="11" name="Rectangle 10"/>
+          <p:cNvSpPr/>
+          <p:nvPr/>
+        </p:nvSpPr>
+        <p:spPr>
+          <a:xfrm>
+            <a:off x="10585827" y="609600"/>
+            <a:ext cx="1602997" cy="1368198"/>
+          </a:xfrm>
+          <a:prstGeom prst="rect">
+            <a:avLst/>
+          </a:prstGeom>
+          <a:solidFill>
+            <a:schemeClr val="accent1"/>
+          </a:solidFill>
+          <a:ln>
+            <a:noFill/>
+          </a:ln>
+        </p:spPr>
+        <p:style>
+          <a:lnRef idx="2">
+            <a:schemeClr val="accent1">
+              <a:shade val="50000"/>
+            </a:schemeClr>
+          </a:lnRef>
+          <a:fillRef idx="1">
+            <a:schemeClr val="accent1"/>
+          </a:fillRef>
+          <a:effectRef idx="0">
+            <a:schemeClr val="accent1"/>
+          </a:effectRef>
+          <a:fontRef idx="minor">
+            <a:schemeClr val="lt1"/>
+          </a:fontRef>
+        </p:style>
+      </p:sp>
+      <p:sp>
+        <p:nvSpPr>
+          <p:cNvPr id="2" name="Title 1"/>
           <p:cNvSpPr>
             <a:spLocks noGrp="1"/>
           </p:cNvSpPr>
@@ -2483,15 +6940,17 @@
         </p:nvSpPr>
         <p:spPr>
           <a:xfrm>
-            <a:off x="839788" y="457200"/>
-            <a:ext cx="3932237" cy="1600200"/>
-          </a:xfrm>
-        </p:spPr>
-        <p:txBody>
-          <a:bodyPr anchor="b"/>
+            <a:off x="680323" y="753228"/>
+            <a:ext cx="9613857" cy="1080938"/>
+          </a:xfrm>
+        </p:spPr>
+        <p:txBody>
+          <a:bodyPr anchor="ctr">
+            <a:normAutofit/>
+          </a:bodyPr>
           <a:lstStyle>
             <a:lvl1pPr>
-              <a:defRPr sz="3200"/>
+              <a:defRPr sz="3600"/>
             </a:lvl1pPr>
           </a:lstStyle>
           <a:p>
@@ -2499,20 +6958,15 @@
               <a:rPr lang="sk-SK"/>
               <a:t>Kliknutím upravte štýl predlohy nadpisu</a:t>
             </a:r>
-          </a:p>
-        </p:txBody>
-      </p:sp>
-      <p:sp>
-        <p:nvSpPr>
-          <p:cNvPr id="3" name="Zástupný objekt pre obrázok 2">
-            <a:extLst>
-              <a:ext uri="{FF2B5EF4-FFF2-40B4-BE49-F238E27FC236}">
-                <a16:creationId xmlns:a16="http://schemas.microsoft.com/office/drawing/2014/main" id="{0AC9B591-FA5D-416A-A68E-EF1083A0D477}"/>
-              </a:ext>
-            </a:extLst>
-          </p:cNvPr>
-          <p:cNvSpPr>
-            <a:spLocks noGrp="1"/>
+            <a:endParaRPr lang="en-US" dirty="0"/>
+          </a:p>
+        </p:txBody>
+      </p:sp>
+      <p:sp>
+        <p:nvSpPr>
+          <p:cNvPr id="3" name="Picture Placeholder 2"/>
+          <p:cNvSpPr>
+            <a:spLocks noGrp="1" noChangeAspect="1"/>
           </p:cNvSpPr>
           <p:nvPr>
             <p:ph type="pic" idx="1"/>
@@ -2520,12 +6974,23 @@
         </p:nvSpPr>
         <p:spPr>
           <a:xfrm>
-            <a:off x="5183188" y="987425"/>
-            <a:ext cx="6172200" cy="4873625"/>
-          </a:xfrm>
-        </p:spPr>
-        <p:txBody>
-          <a:bodyPr/>
+            <a:off x="4868333" y="2336874"/>
+            <a:ext cx="5425849" cy="3599312"/>
+          </a:xfrm>
+          <a:noFill/>
+          <a:ln>
+            <a:noFill/>
+          </a:ln>
+          <a:effectLst>
+            <a:outerShdw blurRad="76200" dist="63500" dir="5040000" algn="tl" rotWithShape="0">
+              <a:srgbClr val="000000">
+                <a:alpha val="41000"/>
+              </a:srgbClr>
+            </a:outerShdw>
+          </a:effectLst>
+        </p:spPr>
+        <p:txBody>
+          <a:bodyPr anchor="t"/>
           <a:lstStyle>
             <a:lvl1pPr marL="0" indent="0">
               <a:buNone/>
@@ -2565,19 +7030,17 @@
             </a:lvl9pPr>
           </a:lstStyle>
           <a:p>
-            <a:endParaRPr lang="sk-SK"/>
-          </a:p>
-        </p:txBody>
-      </p:sp>
-      <p:sp>
-        <p:nvSpPr>
-          <p:cNvPr id="4" name="Zástupný objekt pre text 3">
-            <a:extLst>
-              <a:ext uri="{FF2B5EF4-FFF2-40B4-BE49-F238E27FC236}">
-                <a16:creationId xmlns:a16="http://schemas.microsoft.com/office/drawing/2014/main" id="{535646F6-2A88-4BA0-B8B7-6441C2DBF86A}"/>
-              </a:ext>
-            </a:extLst>
-          </p:cNvPr>
+            <a:r>
+              <a:rPr lang="sk-SK"/>
+              <a:t>Kliknutím na ikonu pridáte obrázok</a:t>
+            </a:r>
+            <a:endParaRPr lang="en-US" dirty="0"/>
+          </a:p>
+        </p:txBody>
+      </p:sp>
+      <p:sp>
+        <p:nvSpPr>
+          <p:cNvPr id="4" name="Text Placeholder 3"/>
           <p:cNvSpPr>
             <a:spLocks noGrp="1"/>
           </p:cNvSpPr>
@@ -2587,12 +7050,12 @@
         </p:nvSpPr>
         <p:spPr>
           <a:xfrm>
-            <a:off x="839788" y="2057400"/>
-            <a:ext cx="3932237" cy="3811588"/>
-          </a:xfrm>
-        </p:spPr>
-        <p:txBody>
-          <a:bodyPr/>
+            <a:off x="680323" y="2336873"/>
+            <a:ext cx="3876256" cy="3599315"/>
+          </a:xfrm>
+        </p:spPr>
+        <p:txBody>
+          <a:bodyPr anchor="ctr"/>
           <a:lstStyle>
             <a:lvl1pPr marL="0" indent="0">
               <a:buNone/>
@@ -2642,13 +7105,7 @@
       </p:sp>
       <p:sp>
         <p:nvSpPr>
-          <p:cNvPr id="5" name="Zástupný objekt pre dátum 4">
-            <a:extLst>
-              <a:ext uri="{FF2B5EF4-FFF2-40B4-BE49-F238E27FC236}">
-                <a16:creationId xmlns:a16="http://schemas.microsoft.com/office/drawing/2014/main" id="{19490620-56E3-4C27-8D0E-D6EB04D73E2A}"/>
-              </a:ext>
-            </a:extLst>
-          </p:cNvPr>
+          <p:cNvPr id="5" name="Date Placeholder 4"/>
           <p:cNvSpPr>
             <a:spLocks noGrp="1"/>
           </p:cNvSpPr>
@@ -2663,7 +7120,7 @@
           <a:p>
             <a:fld id="{CC18E518-9312-428E-99F8-E157FFD147CF}" type="datetimeFigureOut">
               <a:rPr lang="sk-SK" smtClean="0"/>
-              <a:t>07. 04. 2019</a:t>
+              <a:t>10. 05. 2019</a:t>
             </a:fld>
             <a:endParaRPr lang="sk-SK"/>
           </a:p>
@@ -2671,13 +7128,7 @@
       </p:sp>
       <p:sp>
         <p:nvSpPr>
-          <p:cNvPr id="6" name="Zástupný objekt pre pätu 5">
-            <a:extLst>
-              <a:ext uri="{FF2B5EF4-FFF2-40B4-BE49-F238E27FC236}">
-                <a16:creationId xmlns:a16="http://schemas.microsoft.com/office/drawing/2014/main" id="{5DF7855E-6457-4DC6-9C2E-026CD7F372EE}"/>
-              </a:ext>
-            </a:extLst>
-          </p:cNvPr>
+          <p:cNvPr id="6" name="Footer Placeholder 5"/>
           <p:cNvSpPr>
             <a:spLocks noGrp="1"/>
           </p:cNvSpPr>
@@ -2696,13 +7147,7 @@
       </p:sp>
       <p:sp>
         <p:nvSpPr>
-          <p:cNvPr id="7" name="Zástupný objekt pre číslo snímky 6">
-            <a:extLst>
-              <a:ext uri="{FF2B5EF4-FFF2-40B4-BE49-F238E27FC236}">
-                <a16:creationId xmlns:a16="http://schemas.microsoft.com/office/drawing/2014/main" id="{6A9F9C16-C705-44D2-81DF-1DC46F631380}"/>
-              </a:ext>
-            </a:extLst>
-          </p:cNvPr>
+          <p:cNvPr id="7" name="Slide Number Placeholder 6"/>
           <p:cNvSpPr>
             <a:spLocks noGrp="1"/>
           </p:cNvSpPr>
@@ -2726,7 +7171,7 @@
     </p:spTree>
     <p:extLst>
       <p:ext uri="{BB962C8B-B14F-4D97-AF65-F5344CB8AC3E}">
-        <p14:creationId xmlns:p14="http://schemas.microsoft.com/office/powerpoint/2010/main" val="1385689573"/>
+        <p14:creationId xmlns:p14="http://schemas.microsoft.com/office/powerpoint/2010/main" val="2695713029"/>
       </p:ext>
     </p:extLst>
   </p:cSld>
@@ -2740,8 +7185,8 @@
 <p:sldMaster xmlns:a="http://schemas.openxmlformats.org/drawingml/2006/main" xmlns:r="http://schemas.openxmlformats.org/officeDocument/2006/relationships" xmlns:p="http://schemas.openxmlformats.org/presentationml/2006/main">
   <p:cSld>
     <p:bg>
-      <p:bgRef idx="1001">
-        <a:schemeClr val="bg1"/>
+      <p:bgRef idx="1003">
+        <a:schemeClr val="bg2"/>
       </p:bgRef>
     </p:bg>
     <p:spTree>
@@ -2758,15 +7203,40 @@
           <a:chExt cx="0" cy="0"/>
         </a:xfrm>
       </p:grpSpPr>
-      <p:sp>
-        <p:nvSpPr>
-          <p:cNvPr id="2" name="Zástupný objekt pre nadpis 1">
+      <p:pic>
+        <p:nvPicPr>
+          <p:cNvPr id="7" name="Picture 6" descr="hashOverlay-FullResolve.png"/>
+          <p:cNvPicPr>
+            <a:picLocks noChangeAspect="1"/>
+          </p:cNvPicPr>
+          <p:nvPr/>
+        </p:nvPicPr>
+        <p:blipFill>
+          <a:blip r:embed="rId19">
+            <a:alphaModFix amt="10000"/>
             <a:extLst>
-              <a:ext uri="{FF2B5EF4-FFF2-40B4-BE49-F238E27FC236}">
-                <a16:creationId xmlns:a16="http://schemas.microsoft.com/office/drawing/2014/main" id="{F3CC0514-39C6-4E68-9F55-C8D0A6B44873}"/>
+              <a:ext uri="{28A0092B-C50C-407E-A947-70E740481C1C}">
+                <a14:useLocalDpi xmlns:a14="http://schemas.microsoft.com/office/drawing/2010/main" val="0"/>
               </a:ext>
             </a:extLst>
-          </p:cNvPr>
+          </a:blip>
+          <a:stretch>
+            <a:fillRect/>
+          </a:stretch>
+        </p:blipFill>
+        <p:spPr>
+          <a:xfrm>
+            <a:off x="0" y="0"/>
+            <a:ext cx="12192000" cy="6858000"/>
+          </a:xfrm>
+          <a:prstGeom prst="rect">
+            <a:avLst/>
+          </a:prstGeom>
+        </p:spPr>
+      </p:pic>
+      <p:sp>
+        <p:nvSpPr>
+          <p:cNvPr id="2" name="Title Placeholder 1"/>
           <p:cNvSpPr>
             <a:spLocks noGrp="1"/>
           </p:cNvSpPr>
@@ -2776,8 +7246,8 @@
         </p:nvSpPr>
         <p:spPr>
           <a:xfrm>
-            <a:off x="838200" y="365125"/>
-            <a:ext cx="10515600" cy="1325563"/>
+            <a:off x="680321" y="753228"/>
+            <a:ext cx="9613861" cy="1080938"/>
           </a:xfrm>
           <a:prstGeom prst="rect">
             <a:avLst/>
@@ -2793,18 +7263,13 @@
               <a:rPr lang="sk-SK"/>
               <a:t>Kliknutím upravte štýl predlohy nadpisu</a:t>
             </a:r>
-          </a:p>
-        </p:txBody>
-      </p:sp>
-      <p:sp>
-        <p:nvSpPr>
-          <p:cNvPr id="3" name="Zástupný objekt pre text 2">
-            <a:extLst>
-              <a:ext uri="{FF2B5EF4-FFF2-40B4-BE49-F238E27FC236}">
-                <a16:creationId xmlns:a16="http://schemas.microsoft.com/office/drawing/2014/main" id="{3F6BBC42-A949-4D77-BE10-7D916B4CCAAB}"/>
-              </a:ext>
-            </a:extLst>
-          </p:cNvPr>
+            <a:endParaRPr lang="en-US" dirty="0"/>
+          </a:p>
+        </p:txBody>
+      </p:sp>
+      <p:sp>
+        <p:nvSpPr>
+          <p:cNvPr id="3" name="Text Placeholder 2"/>
           <p:cNvSpPr>
             <a:spLocks noGrp="1"/>
           </p:cNvSpPr>
@@ -2814,8 +7279,8 @@
         </p:nvSpPr>
         <p:spPr>
           <a:xfrm>
-            <a:off x="838200" y="1825625"/>
-            <a:ext cx="10515600" cy="4351338"/>
+            <a:off x="680321" y="2336873"/>
+            <a:ext cx="9613861" cy="3599316"/>
           </a:xfrm>
           <a:prstGeom prst="rect">
             <a:avLst/>
@@ -2860,18 +7325,13 @@
               <a:rPr lang="sk-SK"/>
               <a:t>Piata úroveň</a:t>
             </a:r>
-          </a:p>
-        </p:txBody>
-      </p:sp>
-      <p:sp>
-        <p:nvSpPr>
-          <p:cNvPr id="4" name="Zástupný objekt pre dátum 3">
-            <a:extLst>
-              <a:ext uri="{FF2B5EF4-FFF2-40B4-BE49-F238E27FC236}">
-                <a16:creationId xmlns:a16="http://schemas.microsoft.com/office/drawing/2014/main" id="{E1B548AF-7935-4345-A069-9FB297F649F3}"/>
-              </a:ext>
-            </a:extLst>
-          </p:cNvPr>
+            <a:endParaRPr lang="en-US" dirty="0"/>
+          </a:p>
+        </p:txBody>
+      </p:sp>
+      <p:sp>
+        <p:nvSpPr>
+          <p:cNvPr id="4" name="Date Placeholder 3"/>
           <p:cNvSpPr>
             <a:spLocks noGrp="1"/>
           </p:cNvSpPr>
@@ -2881,7 +7341,7 @@
         </p:nvSpPr>
         <p:spPr>
           <a:xfrm>
-            <a:off x="838200" y="6356350"/>
+            <a:off x="7550981" y="5936187"/>
             <a:ext cx="2743200" cy="365125"/>
           </a:xfrm>
           <a:prstGeom prst="rect">
@@ -2891,8 +7351,8 @@
         <p:txBody>
           <a:bodyPr vert="horz" lIns="91440" tIns="45720" rIns="91440" bIns="45720" rtlCol="0" anchor="ctr"/>
           <a:lstStyle>
-            <a:lvl1pPr algn="l">
-              <a:defRPr sz="1200">
+            <a:lvl1pPr algn="r">
+              <a:defRPr sz="1050">
                 <a:solidFill>
                   <a:schemeClr val="tx1">
                     <a:tint val="75000"/>
@@ -2904,7 +7364,7 @@
           <a:p>
             <a:fld id="{CC18E518-9312-428E-99F8-E157FFD147CF}" type="datetimeFigureOut">
               <a:rPr lang="sk-SK" smtClean="0"/>
-              <a:t>07. 04. 2019</a:t>
+              <a:t>10. 05. 2019</a:t>
             </a:fld>
             <a:endParaRPr lang="sk-SK"/>
           </a:p>
@@ -2912,13 +7372,7 @@
       </p:sp>
       <p:sp>
         <p:nvSpPr>
-          <p:cNvPr id="5" name="Zástupný objekt pre pätu 4">
-            <a:extLst>
-              <a:ext uri="{FF2B5EF4-FFF2-40B4-BE49-F238E27FC236}">
-                <a16:creationId xmlns:a16="http://schemas.microsoft.com/office/drawing/2014/main" id="{CE5B5AE6-7CFF-45C7-AE73-6E6E78D17FB8}"/>
-              </a:ext>
-            </a:extLst>
-          </p:cNvPr>
+          <p:cNvPr id="5" name="Footer Placeholder 4"/>
           <p:cNvSpPr>
             <a:spLocks noGrp="1"/>
           </p:cNvSpPr>
@@ -2928,8 +7382,8 @@
         </p:nvSpPr>
         <p:spPr>
           <a:xfrm>
-            <a:off x="4038600" y="6356350"/>
-            <a:ext cx="4114800" cy="365125"/>
+            <a:off x="680321" y="5936188"/>
+            <a:ext cx="6870660" cy="365125"/>
           </a:xfrm>
           <a:prstGeom prst="rect">
             <a:avLst/>
@@ -2938,8 +7392,8 @@
         <p:txBody>
           <a:bodyPr vert="horz" lIns="91440" tIns="45720" rIns="91440" bIns="45720" rtlCol="0" anchor="ctr"/>
           <a:lstStyle>
-            <a:lvl1pPr algn="ctr">
-              <a:defRPr sz="1200">
+            <a:lvl1pPr algn="l">
+              <a:defRPr sz="1050">
                 <a:solidFill>
                   <a:schemeClr val="tx1">
                     <a:tint val="75000"/>
@@ -2955,13 +7409,7 @@
       </p:sp>
       <p:sp>
         <p:nvSpPr>
-          <p:cNvPr id="6" name="Zástupný objekt pre číslo snímky 5">
-            <a:extLst>
-              <a:ext uri="{FF2B5EF4-FFF2-40B4-BE49-F238E27FC236}">
-                <a16:creationId xmlns:a16="http://schemas.microsoft.com/office/drawing/2014/main" id="{B72151FA-B346-455C-B2AA-EEF4E75F09F5}"/>
-              </a:ext>
-            </a:extLst>
-          </p:cNvPr>
+          <p:cNvPr id="6" name="Slide Number Placeholder 5"/>
           <p:cNvSpPr>
             <a:spLocks noGrp="1"/>
           </p:cNvSpPr>
@@ -2971,8 +7419,8 @@
         </p:nvSpPr>
         <p:spPr>
           <a:xfrm>
-            <a:off x="8610600" y="6356350"/>
-            <a:ext cx="2743200" cy="365125"/>
+            <a:off x="10729455" y="753227"/>
+            <a:ext cx="1154151" cy="1090789"/>
           </a:xfrm>
           <a:prstGeom prst="rect">
             <a:avLst/>
@@ -2981,8 +7429,8 @@
         <p:txBody>
           <a:bodyPr vert="horz" lIns="91440" tIns="45720" rIns="91440" bIns="45720" rtlCol="0" anchor="ctr"/>
           <a:lstStyle>
-            <a:lvl1pPr algn="r">
-              <a:defRPr sz="1200">
+            <a:lvl1pPr algn="l">
+              <a:defRPr sz="3600">
                 <a:solidFill>
                   <a:schemeClr val="tx1">
                     <a:tint val="75000"/>
@@ -3003,23 +7451,29 @@
     </p:spTree>
     <p:extLst>
       <p:ext uri="{BB962C8B-B14F-4D97-AF65-F5344CB8AC3E}">
-        <p14:creationId xmlns:p14="http://schemas.microsoft.com/office/powerpoint/2010/main" val="601370971"/>
+        <p14:creationId xmlns:p14="http://schemas.microsoft.com/office/powerpoint/2010/main" val="4091911618"/>
       </p:ext>
     </p:extLst>
   </p:cSld>
-  <p:clrMap bg1="lt1" tx1="dk1" bg2="lt2" tx2="dk2" accent1="accent1" accent2="accent2" accent3="accent3" accent4="accent4" accent5="accent5" accent6="accent6" hlink="hlink" folHlink="folHlink"/>
+  <p:clrMap bg1="dk1" tx1="lt1" bg2="dk2" tx2="lt2" accent1="accent1" accent2="accent2" accent3="accent3" accent4="accent4" accent5="accent5" accent6="accent6" hlink="hlink" folHlink="folHlink"/>
   <p:sldLayoutIdLst>
-    <p:sldLayoutId id="2147483649" r:id="rId1"/>
-    <p:sldLayoutId id="2147483650" r:id="rId2"/>
-    <p:sldLayoutId id="2147483651" r:id="rId3"/>
-    <p:sldLayoutId id="2147483652" r:id="rId4"/>
-    <p:sldLayoutId id="2147483653" r:id="rId5"/>
-    <p:sldLayoutId id="2147483654" r:id="rId6"/>
-    <p:sldLayoutId id="2147483655" r:id="rId7"/>
-    <p:sldLayoutId id="2147483656" r:id="rId8"/>
-    <p:sldLayoutId id="2147483657" r:id="rId9"/>
-    <p:sldLayoutId id="2147483658" r:id="rId10"/>
-    <p:sldLayoutId id="2147483659" r:id="rId11"/>
+    <p:sldLayoutId id="2147483814" r:id="rId1"/>
+    <p:sldLayoutId id="2147483815" r:id="rId2"/>
+    <p:sldLayoutId id="2147483816" r:id="rId3"/>
+    <p:sldLayoutId id="2147483817" r:id="rId4"/>
+    <p:sldLayoutId id="2147483818" r:id="rId5"/>
+    <p:sldLayoutId id="2147483819" r:id="rId6"/>
+    <p:sldLayoutId id="2147483820" r:id="rId7"/>
+    <p:sldLayoutId id="2147483821" r:id="rId8"/>
+    <p:sldLayoutId id="2147483822" r:id="rId9"/>
+    <p:sldLayoutId id="2147483823" r:id="rId10"/>
+    <p:sldLayoutId id="2147483824" r:id="rId11"/>
+    <p:sldLayoutId id="2147483825" r:id="rId12"/>
+    <p:sldLayoutId id="2147483826" r:id="rId13"/>
+    <p:sldLayoutId id="2147483827" r:id="rId14"/>
+    <p:sldLayoutId id="2147483828" r:id="rId15"/>
+    <p:sldLayoutId id="2147483829" r:id="rId16"/>
+    <p:sldLayoutId id="2147483830" r:id="rId17"/>
   </p:sldLayoutIdLst>
   <p:txStyles>
     <p:titleStyle>
@@ -3031,7 +7485,7 @@
           <a:spcPct val="0"/>
         </a:spcBef>
         <a:buNone/>
-        <a:defRPr sz="4400" kern="1200">
+        <a:defRPr sz="3600" kern="1200">
           <a:solidFill>
             <a:schemeClr val="tx1"/>
           </a:solidFill>
@@ -3051,7 +7505,7 @@
         </a:spcBef>
         <a:buFont typeface="Arial" panose="020B0604020202020204" pitchFamily="34" charset="0"/>
         <a:buChar char="•"/>
-        <a:defRPr sz="2800" kern="1200">
+        <a:defRPr sz="2400" kern="1200">
           <a:solidFill>
             <a:schemeClr val="tx1"/>
           </a:solidFill>
@@ -3069,7 +7523,7 @@
         </a:spcBef>
         <a:buFont typeface="Arial" panose="020B0604020202020204" pitchFamily="34" charset="0"/>
         <a:buChar char="•"/>
-        <a:defRPr sz="2400" kern="1200">
+        <a:defRPr sz="2000" kern="1200">
           <a:solidFill>
             <a:schemeClr val="tx1"/>
           </a:solidFill>
@@ -3087,7 +7541,7 @@
         </a:spcBef>
         <a:buFont typeface="Arial" panose="020B0604020202020204" pitchFamily="34" charset="0"/>
         <a:buChar char="•"/>
-        <a:defRPr sz="2000" kern="1200">
+        <a:defRPr sz="1800" kern="1200">
           <a:solidFill>
             <a:schemeClr val="tx1"/>
           </a:solidFill>
@@ -3105,7 +7559,7 @@
         </a:spcBef>
         <a:buFont typeface="Arial" panose="020B0604020202020204" pitchFamily="34" charset="0"/>
         <a:buChar char="•"/>
-        <a:defRPr sz="1800" kern="1200">
+        <a:defRPr sz="1600" kern="1200">
           <a:solidFill>
             <a:schemeClr val="tx1"/>
           </a:solidFill>
@@ -3123,7 +7577,7 @@
         </a:spcBef>
         <a:buFont typeface="Arial" panose="020B0604020202020204" pitchFamily="34" charset="0"/>
         <a:buChar char="•"/>
-        <a:defRPr sz="1800" kern="1200">
+        <a:defRPr sz="1600" kern="1200">
           <a:solidFill>
             <a:schemeClr val="tx1"/>
           </a:solidFill>
@@ -3141,7 +7595,7 @@
         </a:spcBef>
         <a:buFont typeface="Arial" panose="020B0604020202020204" pitchFamily="34" charset="0"/>
         <a:buChar char="•"/>
-        <a:defRPr sz="1800" kern="1200">
+        <a:defRPr sz="1400" kern="1200">
           <a:solidFill>
             <a:schemeClr val="tx1"/>
           </a:solidFill>
@@ -3159,7 +7613,7 @@
         </a:spcBef>
         <a:buFont typeface="Arial" panose="020B0604020202020204" pitchFamily="34" charset="0"/>
         <a:buChar char="•"/>
-        <a:defRPr sz="1800" kern="1200">
+        <a:defRPr sz="1400" kern="1200">
           <a:solidFill>
             <a:schemeClr val="tx1"/>
           </a:solidFill>
@@ -3177,7 +7631,7 @@
         </a:spcBef>
         <a:buFont typeface="Arial" panose="020B0604020202020204" pitchFamily="34" charset="0"/>
         <a:buChar char="•"/>
-        <a:defRPr sz="1800" kern="1200">
+        <a:defRPr sz="1400" kern="1200">
           <a:solidFill>
             <a:schemeClr val="tx1"/>
           </a:solidFill>
@@ -3195,7 +7649,7 @@
         </a:spcBef>
         <a:buFont typeface="Arial" panose="020B0604020202020204" pitchFamily="34" charset="0"/>
         <a:buChar char="•"/>
-        <a:defRPr sz="1800" kern="1200">
+        <a:defRPr sz="1400" kern="1200">
           <a:solidFill>
             <a:schemeClr val="tx1"/>
           </a:solidFill>
@@ -3207,7 +7661,7 @@
     </p:bodyStyle>
     <p:otherStyle>
       <a:defPPr>
-        <a:defRPr lang="sk-SK"/>
+        <a:defRPr lang="en-US"/>
       </a:defPPr>
       <a:lvl1pPr marL="0" algn="l" defTabSz="914400" rtl="0" eaLnBrk="1" latinLnBrk="0" hangingPunct="1">
         <a:defRPr sz="1800" kern="1200">
@@ -3343,8 +7797,8 @@
           <a:lstStyle/>
           <a:p>
             <a:r>
-              <a:rPr lang="sk-SK"/>
-              <a:t>Projekt</a:t>
+              <a:rPr lang="sk-SK" dirty="0"/>
+              <a:t>Neurónové siete</a:t>
             </a:r>
           </a:p>
         </p:txBody>
@@ -3367,10 +7821,24 @@
         </p:nvSpPr>
         <p:spPr/>
         <p:txBody>
-          <a:bodyPr/>
+          <a:bodyPr>
+            <a:normAutofit fontScale="92500" lnSpcReduction="20000"/>
+          </a:bodyPr>
           <a:lstStyle/>
           <a:p>
-            <a:endParaRPr lang="sk-SK"/>
+            <a:r>
+              <a:rPr lang="sk-SK" sz="2800" dirty="0"/>
+              <a:t>Predikcia dažďových zrážok</a:t>
+            </a:r>
+          </a:p>
+          <a:p>
+            <a:endParaRPr lang="sk-SK" dirty="0"/>
+          </a:p>
+          <a:p>
+            <a:r>
+              <a:rPr lang="sk-SK" dirty="0"/>
+              <a:t>Bc. Matej Kasan</a:t>
+            </a:r>
           </a:p>
         </p:txBody>
       </p:sp>
@@ -3387,10 +7855,1735 @@
 </p:sld>
 </file>
 
+<file path=ppt/slides/slide10.xml><?xml version="1.0" encoding="utf-8"?>
+<p:sld xmlns:a="http://schemas.openxmlformats.org/drawingml/2006/main" xmlns:r="http://schemas.openxmlformats.org/officeDocument/2006/relationships" xmlns:p="http://schemas.openxmlformats.org/presentationml/2006/main">
+  <p:cSld>
+    <p:spTree>
+      <p:nvGrpSpPr>
+        <p:cNvPr id="1" name=""/>
+        <p:cNvGrpSpPr/>
+        <p:nvPr/>
+      </p:nvGrpSpPr>
+      <p:grpSpPr>
+        <a:xfrm>
+          <a:off x="0" y="0"/>
+          <a:ext cx="0" cy="0"/>
+          <a:chOff x="0" y="0"/>
+          <a:chExt cx="0" cy="0"/>
+        </a:xfrm>
+      </p:grpSpPr>
+      <p:sp>
+        <p:nvSpPr>
+          <p:cNvPr id="4" name="Nadpis 3">
+            <a:extLst>
+              <a:ext uri="{FF2B5EF4-FFF2-40B4-BE49-F238E27FC236}">
+                <a16:creationId xmlns:a16="http://schemas.microsoft.com/office/drawing/2014/main" id="{4915F10B-B5ED-4959-A0E6-A6963683F9A1}"/>
+              </a:ext>
+            </a:extLst>
+          </p:cNvPr>
+          <p:cNvSpPr>
+            <a:spLocks noGrp="1"/>
+          </p:cNvSpPr>
+          <p:nvPr>
+            <p:ph type="title"/>
+          </p:nvPr>
+        </p:nvSpPr>
+        <p:spPr>
+          <a:xfrm>
+            <a:off x="666251" y="4965895"/>
+            <a:ext cx="9613862" cy="587473"/>
+          </a:xfrm>
+        </p:spPr>
+        <p:txBody>
+          <a:bodyPr/>
+          <a:lstStyle/>
+          <a:p>
+            <a:pPr algn="ctr"/>
+            <a:r>
+              <a:rPr lang="sk-SK" dirty="0"/>
+              <a:t>Ďakujem za pozornosť. </a:t>
+            </a:r>
+            <a:r>
+              <a:rPr lang="sk-SK" dirty="0">
+                <a:sym typeface="Wingdings" panose="05000000000000000000" pitchFamily="2" charset="2"/>
+              </a:rPr>
+              <a:t> </a:t>
+            </a:r>
+            <a:endParaRPr lang="sk-SK" dirty="0"/>
+          </a:p>
+        </p:txBody>
+      </p:sp>
+    </p:spTree>
+    <p:extLst>
+      <p:ext uri="{BB962C8B-B14F-4D97-AF65-F5344CB8AC3E}">
+        <p14:creationId xmlns:p14="http://schemas.microsoft.com/office/powerpoint/2010/main" val="4082551360"/>
+      </p:ext>
+    </p:extLst>
+  </p:cSld>
+  <p:clrMapOvr>
+    <a:masterClrMapping/>
+  </p:clrMapOvr>
+</p:sld>
+</file>
+
+<file path=ppt/slides/slide2.xml><?xml version="1.0" encoding="utf-8"?>
+<p:sld xmlns:a="http://schemas.openxmlformats.org/drawingml/2006/main" xmlns:r="http://schemas.openxmlformats.org/officeDocument/2006/relationships" xmlns:p="http://schemas.openxmlformats.org/presentationml/2006/main">
+  <p:cSld>
+    <p:spTree>
+      <p:nvGrpSpPr>
+        <p:cNvPr id="1" name=""/>
+        <p:cNvGrpSpPr/>
+        <p:nvPr/>
+      </p:nvGrpSpPr>
+      <p:grpSpPr>
+        <a:xfrm>
+          <a:off x="0" y="0"/>
+          <a:ext cx="0" cy="0"/>
+          <a:chOff x="0" y="0"/>
+          <a:chExt cx="0" cy="0"/>
+        </a:xfrm>
+      </p:grpSpPr>
+      <p:sp>
+        <p:nvSpPr>
+          <p:cNvPr id="2" name="Nadpis 1">
+            <a:extLst>
+              <a:ext uri="{FF2B5EF4-FFF2-40B4-BE49-F238E27FC236}">
+                <a16:creationId xmlns:a16="http://schemas.microsoft.com/office/drawing/2014/main" id="{346A2C0D-C079-4FFD-803A-FEE8324DE6F1}"/>
+              </a:ext>
+            </a:extLst>
+          </p:cNvPr>
+          <p:cNvSpPr>
+            <a:spLocks noGrp="1"/>
+          </p:cNvSpPr>
+          <p:nvPr>
+            <p:ph type="title"/>
+          </p:nvPr>
+        </p:nvSpPr>
+        <p:spPr/>
+        <p:txBody>
+          <a:bodyPr/>
+          <a:lstStyle/>
+          <a:p>
+            <a:r>
+              <a:rPr lang="sk-SK" dirty="0"/>
+              <a:t>Obsah</a:t>
+            </a:r>
+          </a:p>
+        </p:txBody>
+      </p:sp>
+      <p:sp>
+        <p:nvSpPr>
+          <p:cNvPr id="3" name="Zástupný objekt pre obsah 2">
+            <a:extLst>
+              <a:ext uri="{FF2B5EF4-FFF2-40B4-BE49-F238E27FC236}">
+                <a16:creationId xmlns:a16="http://schemas.microsoft.com/office/drawing/2014/main" id="{BB333825-7C51-4768-A168-C36F7D6406D7}"/>
+              </a:ext>
+            </a:extLst>
+          </p:cNvPr>
+          <p:cNvSpPr>
+            <a:spLocks noGrp="1"/>
+          </p:cNvSpPr>
+          <p:nvPr>
+            <p:ph idx="1"/>
+          </p:nvPr>
+        </p:nvSpPr>
+        <p:spPr/>
+        <p:txBody>
+          <a:bodyPr/>
+          <a:lstStyle/>
+          <a:p>
+            <a:r>
+              <a:rPr lang="sk-SK" dirty="0"/>
+              <a:t>Úvod</a:t>
+            </a:r>
+          </a:p>
+          <a:p>
+            <a:r>
+              <a:rPr lang="sk-SK" dirty="0"/>
+              <a:t>Dáta - </a:t>
+            </a:r>
+            <a:r>
+              <a:rPr lang="sk-SK" dirty="0" err="1"/>
+              <a:t>dataset</a:t>
+            </a:r>
+            <a:endParaRPr lang="sk-SK" dirty="0"/>
+          </a:p>
+          <a:p>
+            <a:r>
+              <a:rPr lang="sk-SK" dirty="0" err="1"/>
+              <a:t>Trénovacie</a:t>
+            </a:r>
+            <a:r>
+              <a:rPr lang="sk-SK" dirty="0"/>
+              <a:t> </a:t>
+            </a:r>
+            <a:r>
+              <a:rPr lang="sk-SK" dirty="0" err="1"/>
+              <a:t>vs</a:t>
+            </a:r>
+            <a:r>
+              <a:rPr lang="sk-SK" dirty="0"/>
+              <a:t>. Testovacie dáta</a:t>
+            </a:r>
+          </a:p>
+          <a:p>
+            <a:r>
+              <a:rPr lang="sk-SK" dirty="0"/>
+              <a:t>Model neurónovej siete</a:t>
+            </a:r>
+          </a:p>
+          <a:p>
+            <a:r>
+              <a:rPr lang="sk-SK" dirty="0"/>
+              <a:t>Reprezentácia výsledkov</a:t>
+            </a:r>
+          </a:p>
+          <a:p>
+            <a:endParaRPr lang="sk-SK" dirty="0"/>
+          </a:p>
+        </p:txBody>
+      </p:sp>
+    </p:spTree>
+    <p:extLst>
+      <p:ext uri="{BB962C8B-B14F-4D97-AF65-F5344CB8AC3E}">
+        <p14:creationId xmlns:p14="http://schemas.microsoft.com/office/powerpoint/2010/main" val="2275806933"/>
+      </p:ext>
+    </p:extLst>
+  </p:cSld>
+  <p:clrMapOvr>
+    <a:masterClrMapping/>
+  </p:clrMapOvr>
+</p:sld>
+</file>
+
+<file path=ppt/slides/slide3.xml><?xml version="1.0" encoding="utf-8"?>
+<p:sld xmlns:a="http://schemas.openxmlformats.org/drawingml/2006/main" xmlns:r="http://schemas.openxmlformats.org/officeDocument/2006/relationships" xmlns:p="http://schemas.openxmlformats.org/presentationml/2006/main">
+  <p:cSld>
+    <p:spTree>
+      <p:nvGrpSpPr>
+        <p:cNvPr id="1" name=""/>
+        <p:cNvGrpSpPr/>
+        <p:nvPr/>
+      </p:nvGrpSpPr>
+      <p:grpSpPr>
+        <a:xfrm>
+          <a:off x="0" y="0"/>
+          <a:ext cx="0" cy="0"/>
+          <a:chOff x="0" y="0"/>
+          <a:chExt cx="0" cy="0"/>
+        </a:xfrm>
+      </p:grpSpPr>
+      <p:sp>
+        <p:nvSpPr>
+          <p:cNvPr id="4" name="Nadpis 3">
+            <a:extLst>
+              <a:ext uri="{FF2B5EF4-FFF2-40B4-BE49-F238E27FC236}">
+                <a16:creationId xmlns:a16="http://schemas.microsoft.com/office/drawing/2014/main" id="{9C805E67-7731-4EB6-822F-D56520D3F9C3}"/>
+              </a:ext>
+            </a:extLst>
+          </p:cNvPr>
+          <p:cNvSpPr>
+            <a:spLocks noGrp="1"/>
+          </p:cNvSpPr>
+          <p:nvPr>
+            <p:ph type="title"/>
+          </p:nvPr>
+        </p:nvSpPr>
+        <p:spPr/>
+        <p:txBody>
+          <a:bodyPr/>
+          <a:lstStyle/>
+          <a:p>
+            <a:r>
+              <a:rPr lang="sk-SK" dirty="0"/>
+              <a:t>Úvod</a:t>
+            </a:r>
+          </a:p>
+        </p:txBody>
+      </p:sp>
+      <p:sp>
+        <p:nvSpPr>
+          <p:cNvPr id="5" name="Zástupný objekt pre obsah 4">
+            <a:extLst>
+              <a:ext uri="{FF2B5EF4-FFF2-40B4-BE49-F238E27FC236}">
+                <a16:creationId xmlns:a16="http://schemas.microsoft.com/office/drawing/2014/main" id="{5E3165C7-C186-4ADE-B1C9-5DA36BD3B749}"/>
+              </a:ext>
+            </a:extLst>
+          </p:cNvPr>
+          <p:cNvSpPr>
+            <a:spLocks noGrp="1"/>
+          </p:cNvSpPr>
+          <p:nvPr>
+            <p:ph idx="1"/>
+          </p:nvPr>
+        </p:nvSpPr>
+        <p:spPr/>
+        <p:txBody>
+          <a:bodyPr/>
+          <a:lstStyle/>
+          <a:p>
+            <a:r>
+              <a:rPr lang="sk-SK" dirty="0"/>
+              <a:t>Neurónová sieť je určená na predikciu dažďa v nasledujúci deň, podľa vstupných dát.</a:t>
+            </a:r>
+          </a:p>
+          <a:p>
+            <a:r>
+              <a:rPr lang="sk-SK" dirty="0"/>
+              <a:t>Neurónová sieť je vytvorená pomocou knižnice </a:t>
+            </a:r>
+            <a:r>
+              <a:rPr lang="sk-SK" dirty="0" err="1"/>
+              <a:t>Keras</a:t>
+            </a:r>
+            <a:r>
+              <a:rPr lang="sk-SK" dirty="0"/>
+              <a:t>.</a:t>
+            </a:r>
+          </a:p>
+          <a:p>
+            <a:r>
+              <a:rPr lang="sk-SK" dirty="0"/>
+              <a:t>Na úpravu </a:t>
+            </a:r>
+            <a:r>
+              <a:rPr lang="sk-SK" dirty="0" err="1"/>
+              <a:t>datasetu</a:t>
+            </a:r>
+            <a:r>
+              <a:rPr lang="sk-SK" dirty="0"/>
+              <a:t> je použitá knižnica </a:t>
+            </a:r>
+            <a:r>
+              <a:rPr lang="sk-SK" dirty="0" err="1"/>
+              <a:t>Padnas</a:t>
+            </a:r>
+            <a:r>
+              <a:rPr lang="sk-SK" dirty="0"/>
+              <a:t>.</a:t>
+            </a:r>
+          </a:p>
+          <a:p>
+            <a:r>
+              <a:rPr lang="sk-SK" dirty="0"/>
+              <a:t>Na rozdelenie </a:t>
+            </a:r>
+            <a:r>
+              <a:rPr lang="sk-SK" dirty="0" err="1"/>
+              <a:t>datasetu</a:t>
+            </a:r>
+            <a:r>
+              <a:rPr lang="sk-SK" dirty="0"/>
+              <a:t> a kontrolu výsledku je použitá knižnica </a:t>
+            </a:r>
+            <a:r>
+              <a:rPr lang="sk-SK" dirty="0" err="1"/>
+              <a:t>Sklearn</a:t>
+            </a:r>
+            <a:r>
+              <a:rPr lang="sk-SK" dirty="0"/>
+              <a:t>.</a:t>
+            </a:r>
+          </a:p>
+          <a:p>
+            <a:r>
+              <a:rPr lang="sk-SK" dirty="0"/>
+              <a:t>Na vizualizáciu výsledkov je použitá knižnica </a:t>
+            </a:r>
+            <a:r>
+              <a:rPr lang="sk-SK" dirty="0" err="1"/>
+              <a:t>Matplotlib</a:t>
+            </a:r>
+            <a:r>
+              <a:rPr lang="sk-SK" dirty="0"/>
+              <a:t>.</a:t>
+            </a:r>
+          </a:p>
+          <a:p>
+            <a:endParaRPr lang="sk-SK" dirty="0"/>
+          </a:p>
+        </p:txBody>
+      </p:sp>
+    </p:spTree>
+    <p:extLst>
+      <p:ext uri="{BB962C8B-B14F-4D97-AF65-F5344CB8AC3E}">
+        <p14:creationId xmlns:p14="http://schemas.microsoft.com/office/powerpoint/2010/main" val="2665279171"/>
+      </p:ext>
+    </p:extLst>
+  </p:cSld>
+  <p:clrMapOvr>
+    <a:masterClrMapping/>
+  </p:clrMapOvr>
+</p:sld>
+</file>
+
+<file path=ppt/slides/slide4.xml><?xml version="1.0" encoding="utf-8"?>
+<p:sld xmlns:a="http://schemas.openxmlformats.org/drawingml/2006/main" xmlns:r="http://schemas.openxmlformats.org/officeDocument/2006/relationships" xmlns:p="http://schemas.openxmlformats.org/presentationml/2006/main">
+  <p:cSld>
+    <p:spTree>
+      <p:nvGrpSpPr>
+        <p:cNvPr id="1" name=""/>
+        <p:cNvGrpSpPr/>
+        <p:nvPr/>
+      </p:nvGrpSpPr>
+      <p:grpSpPr>
+        <a:xfrm>
+          <a:off x="0" y="0"/>
+          <a:ext cx="0" cy="0"/>
+          <a:chOff x="0" y="0"/>
+          <a:chExt cx="0" cy="0"/>
+        </a:xfrm>
+      </p:grpSpPr>
+      <p:sp>
+        <p:nvSpPr>
+          <p:cNvPr id="2" name="Nadpis 1">
+            <a:extLst>
+              <a:ext uri="{FF2B5EF4-FFF2-40B4-BE49-F238E27FC236}">
+                <a16:creationId xmlns:a16="http://schemas.microsoft.com/office/drawing/2014/main" id="{4D273D9C-A66B-4FFB-925D-DF58AA51A201}"/>
+              </a:ext>
+            </a:extLst>
+          </p:cNvPr>
+          <p:cNvSpPr>
+            <a:spLocks noGrp="1"/>
+          </p:cNvSpPr>
+          <p:nvPr>
+            <p:ph type="title"/>
+          </p:nvPr>
+        </p:nvSpPr>
+        <p:spPr/>
+        <p:txBody>
+          <a:bodyPr/>
+          <a:lstStyle/>
+          <a:p>
+            <a:r>
+              <a:rPr lang="sk-SK" dirty="0"/>
+              <a:t>Dáta - </a:t>
+            </a:r>
+            <a:r>
+              <a:rPr lang="sk-SK" dirty="0" err="1"/>
+              <a:t>dataset</a:t>
+            </a:r>
+            <a:endParaRPr lang="sk-SK" dirty="0"/>
+          </a:p>
+        </p:txBody>
+      </p:sp>
+      <p:sp>
+        <p:nvSpPr>
+          <p:cNvPr id="3" name="Zástupný objekt pre obsah 2">
+            <a:extLst>
+              <a:ext uri="{FF2B5EF4-FFF2-40B4-BE49-F238E27FC236}">
+                <a16:creationId xmlns:a16="http://schemas.microsoft.com/office/drawing/2014/main" id="{57EFB3B5-48F9-48C5-8B42-C038E2636642}"/>
+              </a:ext>
+            </a:extLst>
+          </p:cNvPr>
+          <p:cNvSpPr>
+            <a:spLocks noGrp="1"/>
+          </p:cNvSpPr>
+          <p:nvPr>
+            <p:ph idx="1"/>
+          </p:nvPr>
+        </p:nvSpPr>
+        <p:spPr/>
+        <p:txBody>
+          <a:bodyPr/>
+          <a:lstStyle/>
+          <a:p>
+            <a:r>
+              <a:rPr lang="sk-SK" dirty="0" err="1"/>
+              <a:t>Dataset</a:t>
+            </a:r>
+            <a:r>
+              <a:rPr lang="sk-SK" dirty="0"/>
+              <a:t> obsahuje rôzne údaje o počasí v rozmedzí roku 2008 do polovice roku 2017</a:t>
+            </a:r>
+          </a:p>
+          <a:p>
+            <a:r>
+              <a:rPr lang="sk-SK" dirty="0"/>
+              <a:t>Obsahuje aj údaje ktoré nie sú potrebné pre predikciu ako napríklad smer vetra v rôznych časoch dňa, tlak, zrážky z daného dátumu a pod.</a:t>
+            </a:r>
+          </a:p>
+          <a:p>
+            <a:r>
+              <a:rPr lang="sk-SK" dirty="0"/>
+              <a:t>V tomto projekte sú použité najmä údaje minimálna a maximálna teplota, zrážky, rýchlosť vetra, a najdôležitejším parametrom </a:t>
+            </a:r>
+            <a:r>
+              <a:rPr lang="sk-SK" dirty="0" err="1"/>
+              <a:t>datasetu</a:t>
+            </a:r>
+            <a:r>
+              <a:rPr lang="sk-SK" dirty="0"/>
+              <a:t> predpokladané zrážky na ďalší deň.</a:t>
+            </a:r>
+          </a:p>
+          <a:p>
+            <a:r>
+              <a:rPr lang="sk-SK" dirty="0"/>
+              <a:t>Tiež je použitý údaj či bude v nasledujúci deň pršať.</a:t>
+            </a:r>
+          </a:p>
+        </p:txBody>
+      </p:sp>
+    </p:spTree>
+    <p:extLst>
+      <p:ext uri="{BB962C8B-B14F-4D97-AF65-F5344CB8AC3E}">
+        <p14:creationId xmlns:p14="http://schemas.microsoft.com/office/powerpoint/2010/main" val="1801232391"/>
+      </p:ext>
+    </p:extLst>
+  </p:cSld>
+  <p:clrMapOvr>
+    <a:masterClrMapping/>
+  </p:clrMapOvr>
+</p:sld>
+</file>
+
+<file path=ppt/slides/slide5.xml><?xml version="1.0" encoding="utf-8"?>
+<p:sld xmlns:a="http://schemas.openxmlformats.org/drawingml/2006/main" xmlns:r="http://schemas.openxmlformats.org/officeDocument/2006/relationships" xmlns:p="http://schemas.openxmlformats.org/presentationml/2006/main">
+  <p:cSld>
+    <p:spTree>
+      <p:nvGrpSpPr>
+        <p:cNvPr id="1" name=""/>
+        <p:cNvGrpSpPr/>
+        <p:nvPr/>
+      </p:nvGrpSpPr>
+      <p:grpSpPr>
+        <a:xfrm>
+          <a:off x="0" y="0"/>
+          <a:ext cx="0" cy="0"/>
+          <a:chOff x="0" y="0"/>
+          <a:chExt cx="0" cy="0"/>
+        </a:xfrm>
+      </p:grpSpPr>
+      <p:sp>
+        <p:nvSpPr>
+          <p:cNvPr id="2" name="Nadpis 1">
+            <a:extLst>
+              <a:ext uri="{FF2B5EF4-FFF2-40B4-BE49-F238E27FC236}">
+                <a16:creationId xmlns:a16="http://schemas.microsoft.com/office/drawing/2014/main" id="{F4CFF957-37AA-4021-BF8F-AB2E576B1F10}"/>
+              </a:ext>
+            </a:extLst>
+          </p:cNvPr>
+          <p:cNvSpPr>
+            <a:spLocks noGrp="1"/>
+          </p:cNvSpPr>
+          <p:nvPr>
+            <p:ph type="title"/>
+          </p:nvPr>
+        </p:nvSpPr>
+        <p:spPr/>
+        <p:txBody>
+          <a:bodyPr/>
+          <a:lstStyle/>
+          <a:p>
+            <a:r>
+              <a:rPr lang="sk-SK" dirty="0"/>
+              <a:t>Dáta – úprava dát</a:t>
+            </a:r>
+          </a:p>
+        </p:txBody>
+      </p:sp>
+      <p:sp>
+        <p:nvSpPr>
+          <p:cNvPr id="3" name="Zástupný objekt pre obsah 2">
+            <a:extLst>
+              <a:ext uri="{FF2B5EF4-FFF2-40B4-BE49-F238E27FC236}">
+                <a16:creationId xmlns:a16="http://schemas.microsoft.com/office/drawing/2014/main" id="{2913C134-83BC-4689-8B26-306D46A2111C}"/>
+              </a:ext>
+            </a:extLst>
+          </p:cNvPr>
+          <p:cNvSpPr>
+            <a:spLocks noGrp="1"/>
+          </p:cNvSpPr>
+          <p:nvPr>
+            <p:ph idx="1"/>
+          </p:nvPr>
+        </p:nvSpPr>
+        <p:spPr/>
+        <p:txBody>
+          <a:bodyPr>
+            <a:normAutofit/>
+          </a:bodyPr>
+          <a:lstStyle/>
+          <a:p>
+            <a:r>
+              <a:rPr lang="sk-SK" dirty="0"/>
+              <a:t>Ako prvé bol </a:t>
+            </a:r>
+            <a:r>
+              <a:rPr lang="sk-SK" dirty="0" err="1"/>
+              <a:t>dataset</a:t>
+            </a:r>
+            <a:r>
+              <a:rPr lang="sk-SK" dirty="0"/>
+              <a:t> načítaný z </a:t>
+            </a:r>
+            <a:r>
+              <a:rPr lang="sk-SK" dirty="0" err="1"/>
+              <a:t>excel</a:t>
+            </a:r>
+            <a:r>
+              <a:rPr lang="sk-SK" dirty="0"/>
+              <a:t> súboru.</a:t>
+            </a:r>
+          </a:p>
+          <a:p>
+            <a:r>
+              <a:rPr lang="sk-SK" dirty="0"/>
+              <a:t>Tiež bolo potrebné upraviť </a:t>
+            </a:r>
+            <a:r>
+              <a:rPr lang="sk-SK" dirty="0" err="1"/>
+              <a:t>null</a:t>
+            </a:r>
+            <a:r>
+              <a:rPr lang="sk-SK" dirty="0"/>
+              <a:t> hodnoty tak, aby neboli v tvare </a:t>
+            </a:r>
+            <a:r>
+              <a:rPr lang="sk-SK" dirty="0" err="1"/>
+              <a:t>NaN</a:t>
+            </a:r>
+            <a:r>
+              <a:rPr lang="sk-SK" dirty="0"/>
+              <a:t> ale napríklad „0“.</a:t>
+            </a:r>
+          </a:p>
+          <a:p>
+            <a:endParaRPr lang="sk-SK" dirty="0"/>
+          </a:p>
+          <a:p>
+            <a:endParaRPr lang="sk-SK" dirty="0"/>
+          </a:p>
+          <a:p>
+            <a:r>
+              <a:rPr lang="sk-SK" dirty="0"/>
+              <a:t>Ďalším krokom bolo upraviť hodnoty </a:t>
+            </a:r>
+            <a:r>
+              <a:rPr lang="sk-SK" dirty="0" err="1"/>
+              <a:t>RainTomorrow</a:t>
+            </a:r>
+            <a:r>
+              <a:rPr lang="sk-SK" dirty="0"/>
+              <a:t> pretože ich </a:t>
+            </a:r>
+            <a:r>
+              <a:rPr lang="sk-SK" dirty="0" err="1"/>
+              <a:t>keras</a:t>
+            </a:r>
+            <a:r>
+              <a:rPr lang="sk-SK" dirty="0"/>
+              <a:t> nedokáže použiť v textovej forme.</a:t>
+            </a:r>
+          </a:p>
+          <a:p>
+            <a:endParaRPr lang="sk-SK" dirty="0"/>
+          </a:p>
+          <a:p>
+            <a:endParaRPr lang="sk-SK" dirty="0"/>
+          </a:p>
+        </p:txBody>
+      </p:sp>
+      <p:pic>
+        <p:nvPicPr>
+          <p:cNvPr id="4" name="Obrázok 3">
+            <a:extLst>
+              <a:ext uri="{FF2B5EF4-FFF2-40B4-BE49-F238E27FC236}">
+                <a16:creationId xmlns:a16="http://schemas.microsoft.com/office/drawing/2014/main" id="{D423F4FB-F8EA-4EF9-A7EF-F4B2B217591F}"/>
+              </a:ext>
+            </a:extLst>
+          </p:cNvPr>
+          <p:cNvPicPr>
+            <a:picLocks noChangeAspect="1"/>
+          </p:cNvPicPr>
+          <p:nvPr/>
+        </p:nvPicPr>
+        <p:blipFill>
+          <a:blip r:embed="rId2"/>
+          <a:stretch>
+            <a:fillRect/>
+          </a:stretch>
+        </p:blipFill>
+        <p:spPr>
+          <a:xfrm>
+            <a:off x="939721" y="3738490"/>
+            <a:ext cx="6156451" cy="599006"/>
+          </a:xfrm>
+          <a:prstGeom prst="rect">
+            <a:avLst/>
+          </a:prstGeom>
+        </p:spPr>
+      </p:pic>
+      <p:pic>
+        <p:nvPicPr>
+          <p:cNvPr id="5" name="Obrázok 4">
+            <a:extLst>
+              <a:ext uri="{FF2B5EF4-FFF2-40B4-BE49-F238E27FC236}">
+                <a16:creationId xmlns:a16="http://schemas.microsoft.com/office/drawing/2014/main" id="{BBB7DB47-6F5E-433D-8E7F-D3F5D0AE731B}"/>
+              </a:ext>
+            </a:extLst>
+          </p:cNvPr>
+          <p:cNvPicPr>
+            <a:picLocks noChangeAspect="1"/>
+          </p:cNvPicPr>
+          <p:nvPr/>
+        </p:nvPicPr>
+        <p:blipFill>
+          <a:blip r:embed="rId3"/>
+          <a:stretch>
+            <a:fillRect/>
+          </a:stretch>
+        </p:blipFill>
+        <p:spPr>
+          <a:xfrm>
+            <a:off x="939721" y="5362941"/>
+            <a:ext cx="7979196" cy="482402"/>
+          </a:xfrm>
+          <a:prstGeom prst="rect">
+            <a:avLst/>
+          </a:prstGeom>
+        </p:spPr>
+      </p:pic>
+    </p:spTree>
+    <p:extLst>
+      <p:ext uri="{BB962C8B-B14F-4D97-AF65-F5344CB8AC3E}">
+        <p14:creationId xmlns:p14="http://schemas.microsoft.com/office/powerpoint/2010/main" val="2236117717"/>
+      </p:ext>
+    </p:extLst>
+  </p:cSld>
+  <p:clrMapOvr>
+    <a:masterClrMapping/>
+  </p:clrMapOvr>
+</p:sld>
+</file>
+
+<file path=ppt/slides/slide6.xml><?xml version="1.0" encoding="utf-8"?>
+<p:sld xmlns:a="http://schemas.openxmlformats.org/drawingml/2006/main" xmlns:r="http://schemas.openxmlformats.org/officeDocument/2006/relationships" xmlns:p="http://schemas.openxmlformats.org/presentationml/2006/main">
+  <p:cSld>
+    <p:spTree>
+      <p:nvGrpSpPr>
+        <p:cNvPr id="1" name=""/>
+        <p:cNvGrpSpPr/>
+        <p:nvPr/>
+      </p:nvGrpSpPr>
+      <p:grpSpPr>
+        <a:xfrm>
+          <a:off x="0" y="0"/>
+          <a:ext cx="0" cy="0"/>
+          <a:chOff x="0" y="0"/>
+          <a:chExt cx="0" cy="0"/>
+        </a:xfrm>
+      </p:grpSpPr>
+      <p:sp>
+        <p:nvSpPr>
+          <p:cNvPr id="4" name="Nadpis 3">
+            <a:extLst>
+              <a:ext uri="{FF2B5EF4-FFF2-40B4-BE49-F238E27FC236}">
+                <a16:creationId xmlns:a16="http://schemas.microsoft.com/office/drawing/2014/main" id="{9BDAE7B4-065D-4A97-B98C-D3D3EB54794E}"/>
+              </a:ext>
+            </a:extLst>
+          </p:cNvPr>
+          <p:cNvSpPr>
+            <a:spLocks noGrp="1"/>
+          </p:cNvSpPr>
+          <p:nvPr>
+            <p:ph type="title"/>
+          </p:nvPr>
+        </p:nvSpPr>
+        <p:spPr/>
+        <p:txBody>
+          <a:bodyPr/>
+          <a:lstStyle/>
+          <a:p>
+            <a:r>
+              <a:rPr lang="sk-SK" dirty="0" err="1"/>
+              <a:t>Trénovacie</a:t>
+            </a:r>
+            <a:r>
+              <a:rPr lang="sk-SK" dirty="0"/>
+              <a:t> </a:t>
+            </a:r>
+            <a:r>
+              <a:rPr lang="sk-SK" dirty="0" err="1"/>
+              <a:t>vs</a:t>
+            </a:r>
+            <a:r>
+              <a:rPr lang="sk-SK" dirty="0"/>
+              <a:t>. Testovacie dáta</a:t>
+            </a:r>
+          </a:p>
+        </p:txBody>
+      </p:sp>
+      <p:sp>
+        <p:nvSpPr>
+          <p:cNvPr id="5" name="Zástupný objekt pre obsah 4">
+            <a:extLst>
+              <a:ext uri="{FF2B5EF4-FFF2-40B4-BE49-F238E27FC236}">
+                <a16:creationId xmlns:a16="http://schemas.microsoft.com/office/drawing/2014/main" id="{DF706631-2CB2-4E41-922D-9FADFD464D61}"/>
+              </a:ext>
+            </a:extLst>
+          </p:cNvPr>
+          <p:cNvSpPr>
+            <a:spLocks noGrp="1"/>
+          </p:cNvSpPr>
+          <p:nvPr>
+            <p:ph idx="1"/>
+          </p:nvPr>
+        </p:nvSpPr>
+        <p:spPr/>
+        <p:txBody>
+          <a:bodyPr/>
+          <a:lstStyle/>
+          <a:p>
+            <a:r>
+              <a:rPr lang="sk-SK" dirty="0"/>
+              <a:t>TRÉNOVACIE DÁTA</a:t>
+            </a:r>
+          </a:p>
+          <a:p>
+            <a:r>
+              <a:rPr lang="sk-SK" dirty="0"/>
+              <a:t>80% zo všetkých dát</a:t>
+            </a:r>
+          </a:p>
+          <a:p>
+            <a:r>
+              <a:rPr lang="sk-SK" dirty="0"/>
+              <a:t>TESTOVACIE DÁTA</a:t>
+            </a:r>
+          </a:p>
+          <a:p>
+            <a:r>
+              <a:rPr lang="sk-SK" dirty="0"/>
+              <a:t>20% zo všetkých dát</a:t>
+            </a:r>
+          </a:p>
+          <a:p>
+            <a:r>
+              <a:rPr lang="sk-SK" dirty="0"/>
+              <a:t>X – nezávislé premenné</a:t>
+            </a:r>
+          </a:p>
+          <a:p>
+            <a:r>
+              <a:rPr lang="sk-SK" dirty="0"/>
+              <a:t>y – pole so závislou premennou</a:t>
+            </a:r>
+          </a:p>
+          <a:p>
+            <a:r>
+              <a:rPr lang="sk-SK" dirty="0"/>
+              <a:t>Rozdelenie na 4 časti – 2 testovacie a 2 </a:t>
+            </a:r>
+            <a:r>
+              <a:rPr lang="sk-SK" dirty="0" err="1"/>
+              <a:t>trénovacie</a:t>
+            </a:r>
+            <a:endParaRPr lang="sk-SK" dirty="0"/>
+          </a:p>
+        </p:txBody>
+      </p:sp>
+      <p:pic>
+        <p:nvPicPr>
+          <p:cNvPr id="7" name="Obrázok 6">
+            <a:extLst>
+              <a:ext uri="{FF2B5EF4-FFF2-40B4-BE49-F238E27FC236}">
+                <a16:creationId xmlns:a16="http://schemas.microsoft.com/office/drawing/2014/main" id="{B2CD9C50-5652-450E-A535-7D4CFAFC6CAF}"/>
+              </a:ext>
+            </a:extLst>
+          </p:cNvPr>
+          <p:cNvPicPr>
+            <a:picLocks noChangeAspect="1"/>
+          </p:cNvPicPr>
+          <p:nvPr/>
+        </p:nvPicPr>
+        <p:blipFill>
+          <a:blip r:embed="rId2"/>
+          <a:stretch>
+            <a:fillRect/>
+          </a:stretch>
+        </p:blipFill>
+        <p:spPr>
+          <a:xfrm>
+            <a:off x="4389119" y="3044404"/>
+            <a:ext cx="7408985" cy="1092127"/>
+          </a:xfrm>
+          <a:prstGeom prst="rect">
+            <a:avLst/>
+          </a:prstGeom>
+        </p:spPr>
+      </p:pic>
+    </p:spTree>
+    <p:extLst>
+      <p:ext uri="{BB962C8B-B14F-4D97-AF65-F5344CB8AC3E}">
+        <p14:creationId xmlns:p14="http://schemas.microsoft.com/office/powerpoint/2010/main" val="3098472052"/>
+      </p:ext>
+    </p:extLst>
+  </p:cSld>
+  <p:clrMapOvr>
+    <a:masterClrMapping/>
+  </p:clrMapOvr>
+</p:sld>
+</file>
+
+<file path=ppt/slides/slide7.xml><?xml version="1.0" encoding="utf-8"?>
+<p:sld xmlns:a="http://schemas.openxmlformats.org/drawingml/2006/main" xmlns:r="http://schemas.openxmlformats.org/officeDocument/2006/relationships" xmlns:p="http://schemas.openxmlformats.org/presentationml/2006/main">
+  <p:cSld>
+    <p:spTree>
+      <p:nvGrpSpPr>
+        <p:cNvPr id="1" name=""/>
+        <p:cNvGrpSpPr/>
+        <p:nvPr/>
+      </p:nvGrpSpPr>
+      <p:grpSpPr>
+        <a:xfrm>
+          <a:off x="0" y="0"/>
+          <a:ext cx="0" cy="0"/>
+          <a:chOff x="0" y="0"/>
+          <a:chExt cx="0" cy="0"/>
+        </a:xfrm>
+      </p:grpSpPr>
+      <p:sp>
+        <p:nvSpPr>
+          <p:cNvPr id="5" name="Nadpis 4">
+            <a:extLst>
+              <a:ext uri="{FF2B5EF4-FFF2-40B4-BE49-F238E27FC236}">
+                <a16:creationId xmlns:a16="http://schemas.microsoft.com/office/drawing/2014/main" id="{FB1AA2C5-6C2B-49EB-A8A9-23189C9E29A3}"/>
+              </a:ext>
+            </a:extLst>
+          </p:cNvPr>
+          <p:cNvSpPr>
+            <a:spLocks noGrp="1"/>
+          </p:cNvSpPr>
+          <p:nvPr>
+            <p:ph type="title"/>
+          </p:nvPr>
+        </p:nvSpPr>
+        <p:spPr/>
+        <p:txBody>
+          <a:bodyPr/>
+          <a:lstStyle/>
+          <a:p>
+            <a:r>
+              <a:rPr lang="sk-SK" dirty="0"/>
+              <a:t>Model neurónovej siete</a:t>
+            </a:r>
+          </a:p>
+        </p:txBody>
+      </p:sp>
+      <p:sp>
+        <p:nvSpPr>
+          <p:cNvPr id="6" name="Zástupný objekt pre obsah 5">
+            <a:extLst>
+              <a:ext uri="{FF2B5EF4-FFF2-40B4-BE49-F238E27FC236}">
+                <a16:creationId xmlns:a16="http://schemas.microsoft.com/office/drawing/2014/main" id="{CC0958E3-CC6D-4081-88E6-D58279AA1C61}"/>
+              </a:ext>
+            </a:extLst>
+          </p:cNvPr>
+          <p:cNvSpPr>
+            <a:spLocks noGrp="1"/>
+          </p:cNvSpPr>
+          <p:nvPr>
+            <p:ph idx="1"/>
+          </p:nvPr>
+        </p:nvSpPr>
+        <p:spPr/>
+        <p:txBody>
+          <a:bodyPr/>
+          <a:lstStyle/>
+          <a:p>
+            <a:r>
+              <a:rPr lang="sk-SK" dirty="0"/>
+              <a:t>Použitý bol sekvenčný model</a:t>
+            </a:r>
+          </a:p>
+          <a:p>
+            <a:r>
+              <a:rPr lang="sk-SK" dirty="0"/>
+              <a:t>Obsahuje 5 vrstiev – z toho 2 skryté</a:t>
+            </a:r>
+          </a:p>
+          <a:p>
+            <a:r>
+              <a:rPr lang="sk-SK" dirty="0"/>
+              <a:t>Jednotlivé vrstvy sú medzi sebou prepojené</a:t>
+            </a:r>
+          </a:p>
+          <a:p>
+            <a:r>
+              <a:rPr lang="sk-SK" dirty="0"/>
+              <a:t>Použité sú aktivačné funkcie </a:t>
+            </a:r>
+            <a:r>
+              <a:rPr lang="sk-SK" dirty="0" err="1"/>
+              <a:t>relu</a:t>
+            </a:r>
+            <a:r>
+              <a:rPr lang="sk-SK" dirty="0"/>
+              <a:t> a </a:t>
+            </a:r>
+            <a:r>
+              <a:rPr lang="sk-SK" dirty="0" err="1"/>
+              <a:t>sigmoid</a:t>
+            </a:r>
+            <a:endParaRPr lang="sk-SK" dirty="0"/>
+          </a:p>
+          <a:p>
+            <a:r>
+              <a:rPr lang="sk-SK" dirty="0"/>
+              <a:t>Na optimalizáciu je použitá funkcia </a:t>
+            </a:r>
+            <a:r>
+              <a:rPr lang="sk-SK" dirty="0" err="1"/>
+              <a:t>sgd</a:t>
+            </a:r>
+            <a:endParaRPr lang="sk-SK" dirty="0"/>
+          </a:p>
+          <a:p>
+            <a:endParaRPr lang="sk-SK" dirty="0"/>
+          </a:p>
+        </p:txBody>
+      </p:sp>
+      <p:pic>
+        <p:nvPicPr>
+          <p:cNvPr id="7" name="Obrázok 6">
+            <a:extLst>
+              <a:ext uri="{FF2B5EF4-FFF2-40B4-BE49-F238E27FC236}">
+                <a16:creationId xmlns:a16="http://schemas.microsoft.com/office/drawing/2014/main" id="{BE6C4021-8012-4CFE-8887-E2206E22F04F}"/>
+              </a:ext>
+            </a:extLst>
+          </p:cNvPr>
+          <p:cNvPicPr>
+            <a:picLocks noChangeAspect="1"/>
+          </p:cNvPicPr>
+          <p:nvPr/>
+        </p:nvPicPr>
+        <p:blipFill>
+          <a:blip r:embed="rId2"/>
+          <a:stretch>
+            <a:fillRect/>
+          </a:stretch>
+        </p:blipFill>
+        <p:spPr>
+          <a:xfrm>
+            <a:off x="680321" y="5164695"/>
+            <a:ext cx="6325390" cy="1232400"/>
+          </a:xfrm>
+          <a:prstGeom prst="rect">
+            <a:avLst/>
+          </a:prstGeom>
+        </p:spPr>
+      </p:pic>
+      <p:pic>
+        <p:nvPicPr>
+          <p:cNvPr id="8" name="Obrázok 7">
+            <a:extLst>
+              <a:ext uri="{FF2B5EF4-FFF2-40B4-BE49-F238E27FC236}">
+                <a16:creationId xmlns:a16="http://schemas.microsoft.com/office/drawing/2014/main" id="{147ACB9A-827C-4C20-A3D5-83AAFC82E739}"/>
+              </a:ext>
+            </a:extLst>
+          </p:cNvPr>
+          <p:cNvPicPr>
+            <a:picLocks noChangeAspect="1"/>
+          </p:cNvPicPr>
+          <p:nvPr/>
+        </p:nvPicPr>
+        <p:blipFill>
+          <a:blip r:embed="rId3"/>
+          <a:stretch>
+            <a:fillRect/>
+          </a:stretch>
+        </p:blipFill>
+        <p:spPr>
+          <a:xfrm>
+            <a:off x="7178593" y="0"/>
+            <a:ext cx="5013407" cy="6858000"/>
+          </a:xfrm>
+          <a:prstGeom prst="rect">
+            <a:avLst/>
+          </a:prstGeom>
+        </p:spPr>
+      </p:pic>
+    </p:spTree>
+    <p:extLst>
+      <p:ext uri="{BB962C8B-B14F-4D97-AF65-F5344CB8AC3E}">
+        <p14:creationId xmlns:p14="http://schemas.microsoft.com/office/powerpoint/2010/main" val="2352827700"/>
+      </p:ext>
+    </p:extLst>
+  </p:cSld>
+  <p:clrMapOvr>
+    <a:masterClrMapping/>
+  </p:clrMapOvr>
+</p:sld>
+</file>
+
+<file path=ppt/slides/slide8.xml><?xml version="1.0" encoding="utf-8"?>
+<p:sld xmlns:a="http://schemas.openxmlformats.org/drawingml/2006/main" xmlns:r="http://schemas.openxmlformats.org/officeDocument/2006/relationships" xmlns:p="http://schemas.openxmlformats.org/presentationml/2006/main">
+  <p:cSld>
+    <p:bg>
+      <p:bgPr>
+        <a:gradFill rotWithShape="1">
+          <a:gsLst>
+            <a:gs pos="0">
+              <a:schemeClr val="bg2">
+                <a:tint val="96000"/>
+                <a:shade val="100000"/>
+                <a:hueMod val="270000"/>
+                <a:satMod val="200000"/>
+                <a:lumMod val="128000"/>
+              </a:schemeClr>
+            </a:gs>
+            <a:gs pos="50000">
+              <a:schemeClr val="bg2">
+                <a:shade val="100000"/>
+                <a:hueMod val="100000"/>
+                <a:satMod val="110000"/>
+                <a:lumMod val="130000"/>
+              </a:schemeClr>
+            </a:gs>
+            <a:gs pos="100000">
+              <a:schemeClr val="bg2">
+                <a:shade val="78000"/>
+                <a:hueMod val="44000"/>
+                <a:satMod val="200000"/>
+                <a:lumMod val="69000"/>
+              </a:schemeClr>
+            </a:gs>
+          </a:gsLst>
+          <a:lin ang="2520000" scaled="0"/>
+        </a:gradFill>
+        <a:effectLst/>
+      </p:bgPr>
+    </p:bg>
+    <p:spTree>
+      <p:nvGrpSpPr>
+        <p:cNvPr id="1" name=""/>
+        <p:cNvGrpSpPr/>
+        <p:nvPr/>
+      </p:nvGrpSpPr>
+      <p:grpSpPr>
+        <a:xfrm>
+          <a:off x="0" y="0"/>
+          <a:ext cx="0" cy="0"/>
+          <a:chOff x="0" y="0"/>
+          <a:chExt cx="0" cy="0"/>
+        </a:xfrm>
+      </p:grpSpPr>
+      <p:grpSp>
+        <p:nvGrpSpPr>
+          <p:cNvPr id="19" name="Group 18">
+            <a:extLst>
+              <a:ext uri="{FF2B5EF4-FFF2-40B4-BE49-F238E27FC236}">
+                <a16:creationId xmlns:a16="http://schemas.microsoft.com/office/drawing/2014/main" id="{6F3F5796-B2A7-49D5-8014-3C7411E605C5}"/>
+              </a:ext>
+              <a:ext uri="{C183D7F6-B498-43B3-948B-1728B52AA6E4}">
+                <adec:decorative xmlns:adec="http://schemas.microsoft.com/office/drawing/2017/decorative" val="1"/>
+              </a:ext>
+            </a:extLst>
+          </p:cNvPr>
+          <p:cNvGrpSpPr>
+            <a:grpSpLocks noGrp="1" noUngrp="1" noRot="1" noChangeAspect="1" noMove="1" noResize="1"/>
+          </p:cNvGrpSpPr>
+          <p:nvPr>
+            <p:extLst>
+              <p:ext uri="{386F3935-93C4-4BCD-93E2-E3B085C9AB24}">
+                <p16:designElem xmlns:p16="http://schemas.microsoft.com/office/powerpoint/2015/main" val="1"/>
+              </p:ext>
+            </p:extLst>
+          </p:nvPr>
+        </p:nvGrpSpPr>
+        <p:grpSpPr>
+          <a:xfrm>
+            <a:off x="-3176" y="0"/>
+            <a:ext cx="12192000" cy="6858001"/>
+            <a:chOff x="-3176" y="0"/>
+            <a:chExt cx="12192000" cy="6858001"/>
+          </a:xfrm>
+        </p:grpSpPr>
+        <p:sp useBgFill="1">
+          <p:nvSpPr>
+            <p:cNvPr id="20" name="Rectangle 19">
+              <a:extLst>
+                <a:ext uri="{FF2B5EF4-FFF2-40B4-BE49-F238E27FC236}">
+                  <a16:creationId xmlns:a16="http://schemas.microsoft.com/office/drawing/2014/main" id="{495C7AB3-DDDA-4FA0-BF21-964CA7FB0D6D}"/>
+                </a:ext>
+                <a:ext uri="{C183D7F6-B498-43B3-948B-1728B52AA6E4}">
+                  <adec:decorative xmlns:adec="http://schemas.microsoft.com/office/drawing/2017/decorative" val="1"/>
+                </a:ext>
+              </a:extLst>
+            </p:cNvPr>
+            <p:cNvSpPr/>
+            <p:nvPr>
+              <p:extLst>
+                <p:ext uri="{386F3935-93C4-4BCD-93E2-E3B085C9AB24}">
+                  <p16:designElem xmlns:p16="http://schemas.microsoft.com/office/powerpoint/2015/main" val="1"/>
+                </p:ext>
+              </p:extLst>
+            </p:nvPr>
+          </p:nvSpPr>
+          <p:spPr>
+            <a:xfrm>
+              <a:off x="0" y="0"/>
+              <a:ext cx="12188824" cy="6858001"/>
+            </a:xfrm>
+            <a:prstGeom prst="rect">
+              <a:avLst/>
+            </a:prstGeom>
+            <a:ln>
+              <a:noFill/>
+            </a:ln>
+          </p:spPr>
+          <p:style>
+            <a:lnRef idx="2">
+              <a:schemeClr val="accent1">
+                <a:shade val="50000"/>
+              </a:schemeClr>
+            </a:lnRef>
+            <a:fillRef idx="1">
+              <a:schemeClr val="accent1"/>
+            </a:fillRef>
+            <a:effectRef idx="0">
+              <a:schemeClr val="accent1"/>
+            </a:effectRef>
+            <a:fontRef idx="minor">
+              <a:schemeClr val="lt1"/>
+            </a:fontRef>
+          </p:style>
+          <p:txBody>
+            <a:bodyPr rtlCol="0" anchor="ctr"/>
+            <a:lstStyle/>
+            <a:p>
+              <a:pPr algn="ctr"/>
+              <a:endParaRPr lang="en-US"/>
+            </a:p>
+          </p:txBody>
+        </p:sp>
+        <p:pic>
+          <p:nvPicPr>
+            <p:cNvPr id="21" name="Picture 20">
+              <a:extLst>
+                <a:ext uri="{FF2B5EF4-FFF2-40B4-BE49-F238E27FC236}">
+                  <a16:creationId xmlns:a16="http://schemas.microsoft.com/office/drawing/2014/main" id="{82A587BB-1778-4DFA-8299-55EC69E75E98}"/>
+                </a:ext>
+                <a:ext uri="{C183D7F6-B498-43B3-948B-1728B52AA6E4}">
+                  <adec:decorative xmlns:adec="http://schemas.microsoft.com/office/drawing/2017/decorative" val="1"/>
+                </a:ext>
+              </a:extLst>
+            </p:cNvPr>
+            <p:cNvPicPr>
+              <a:picLocks noChangeAspect="1"/>
+            </p:cNvPicPr>
+            <p:nvPr>
+              <p:extLst>
+                <p:ext uri="{386F3935-93C4-4BCD-93E2-E3B085C9AB24}">
+                  <p16:designElem xmlns:p16="http://schemas.microsoft.com/office/powerpoint/2015/main" val="1"/>
+                </p:ext>
+              </p:extLst>
+            </p:nvPr>
+          </p:nvPicPr>
+          <p:blipFill>
+            <a:blip r:embed="rId2">
+              <a:alphaModFix amt="10000"/>
+              <a:extLst>
+                <a:ext uri="{28A0092B-C50C-407E-A947-70E740481C1C}">
+                  <a14:useLocalDpi xmlns:a14="http://schemas.microsoft.com/office/drawing/2010/main" val="0"/>
+                </a:ext>
+              </a:extLst>
+            </a:blip>
+            <a:stretch>
+              <a:fillRect/>
+            </a:stretch>
+          </p:blipFill>
+          <p:spPr>
+            <a:xfrm>
+              <a:off x="-3176" y="0"/>
+              <a:ext cx="12192000" cy="6858000"/>
+            </a:xfrm>
+            <a:prstGeom prst="rect">
+              <a:avLst/>
+            </a:prstGeom>
+          </p:spPr>
+        </p:pic>
+      </p:grpSp>
+      <p:sp>
+        <p:nvSpPr>
+          <p:cNvPr id="23" name="Rectangle 22">
+            <a:extLst>
+              <a:ext uri="{FF2B5EF4-FFF2-40B4-BE49-F238E27FC236}">
+                <a16:creationId xmlns:a16="http://schemas.microsoft.com/office/drawing/2014/main" id="{8DC8C9D7-A4DB-432E-ABE5-4B00662FBB9E}"/>
+              </a:ext>
+              <a:ext uri="{C183D7F6-B498-43B3-948B-1728B52AA6E4}">
+                <adec:decorative xmlns:adec="http://schemas.microsoft.com/office/drawing/2017/decorative" val="1"/>
+              </a:ext>
+            </a:extLst>
+          </p:cNvPr>
+          <p:cNvSpPr>
+            <a:spLocks noGrp="1" noRot="1" noChangeAspect="1" noMove="1" noResize="1" noEditPoints="1" noAdjustHandles="1" noChangeArrowheads="1" noChangeShapeType="1" noTextEdit="1"/>
+          </p:cNvSpPr>
+          <p:nvPr>
+            <p:extLst>
+              <p:ext uri="{386F3935-93C4-4BCD-93E2-E3B085C9AB24}">
+                <p16:designElem xmlns:p16="http://schemas.microsoft.com/office/powerpoint/2015/main" val="1"/>
+              </p:ext>
+            </p:extLst>
+          </p:nvPr>
+        </p:nvSpPr>
+        <p:spPr>
+          <a:xfrm>
+            <a:off x="7550979" y="1"/>
+            <a:ext cx="4641022" cy="6857999"/>
+          </a:xfrm>
+          <a:prstGeom prst="rect">
+            <a:avLst/>
+          </a:prstGeom>
+          <a:solidFill>
+            <a:srgbClr val="FFFFFF"/>
+          </a:solidFill>
+          <a:ln>
+            <a:noFill/>
+          </a:ln>
+        </p:spPr>
+        <p:style>
+          <a:lnRef idx="2">
+            <a:schemeClr val="accent1">
+              <a:shade val="50000"/>
+            </a:schemeClr>
+          </a:lnRef>
+          <a:fillRef idx="1">
+            <a:schemeClr val="accent1"/>
+          </a:fillRef>
+          <a:effectRef idx="0">
+            <a:schemeClr val="accent1"/>
+          </a:effectRef>
+          <a:fontRef idx="minor">
+            <a:schemeClr val="lt1"/>
+          </a:fontRef>
+        </p:style>
+        <p:txBody>
+          <a:bodyPr rtlCol="0" anchor="ctr"/>
+          <a:lstStyle/>
+          <a:p>
+            <a:pPr algn="ctr"/>
+            <a:endParaRPr lang="en-US"/>
+          </a:p>
+        </p:txBody>
+      </p:sp>
+      <p:sp>
+        <p:nvSpPr>
+          <p:cNvPr id="25" name="Rectangle 24">
+            <a:extLst>
+              <a:ext uri="{FF2B5EF4-FFF2-40B4-BE49-F238E27FC236}">
+                <a16:creationId xmlns:a16="http://schemas.microsoft.com/office/drawing/2014/main" id="{5F362065-0C36-4BF8-B280-5CF7013D093A}"/>
+              </a:ext>
+              <a:ext uri="{C183D7F6-B498-43B3-948B-1728B52AA6E4}">
+                <adec:decorative xmlns:adec="http://schemas.microsoft.com/office/drawing/2017/decorative" val="1"/>
+              </a:ext>
+            </a:extLst>
+          </p:cNvPr>
+          <p:cNvSpPr>
+            <a:spLocks noGrp="1" noRot="1" noChangeAspect="1" noMove="1" noResize="1" noEditPoints="1" noAdjustHandles="1" noChangeArrowheads="1" noChangeShapeType="1" noTextEdit="1"/>
+          </p:cNvSpPr>
+          <p:nvPr>
+            <p:extLst>
+              <p:ext uri="{386F3935-93C4-4BCD-93E2-E3B085C9AB24}">
+                <p16:designElem xmlns:p16="http://schemas.microsoft.com/office/powerpoint/2015/main" val="1"/>
+              </p:ext>
+            </p:extLst>
+          </p:nvPr>
+        </p:nvSpPr>
+        <p:spPr bwMode="grayWhite">
+          <a:xfrm>
+            <a:off x="2" y="609600"/>
+            <a:ext cx="7967048" cy="1368198"/>
+          </a:xfrm>
+          <a:prstGeom prst="rect">
+            <a:avLst/>
+          </a:prstGeom>
+          <a:solidFill>
+            <a:schemeClr val="bg1">
+              <a:lumMod val="85000"/>
+              <a:lumOff val="15000"/>
+            </a:schemeClr>
+          </a:solidFill>
+          <a:ln>
+            <a:noFill/>
+          </a:ln>
+        </p:spPr>
+        <p:style>
+          <a:lnRef idx="2">
+            <a:schemeClr val="accent1">
+              <a:shade val="50000"/>
+            </a:schemeClr>
+          </a:lnRef>
+          <a:fillRef idx="1">
+            <a:schemeClr val="accent1"/>
+          </a:fillRef>
+          <a:effectRef idx="0">
+            <a:schemeClr val="accent1"/>
+          </a:effectRef>
+          <a:fontRef idx="minor">
+            <a:schemeClr val="lt1"/>
+          </a:fontRef>
+        </p:style>
+      </p:sp>
+      <p:sp>
+        <p:nvSpPr>
+          <p:cNvPr id="2" name="Nadpis 1">
+            <a:extLst>
+              <a:ext uri="{FF2B5EF4-FFF2-40B4-BE49-F238E27FC236}">
+                <a16:creationId xmlns:a16="http://schemas.microsoft.com/office/drawing/2014/main" id="{84FA7FFA-51E5-4148-A6A7-A29DAD4D25EB}"/>
+              </a:ext>
+            </a:extLst>
+          </p:cNvPr>
+          <p:cNvSpPr>
+            <a:spLocks noGrp="1"/>
+          </p:cNvSpPr>
+          <p:nvPr>
+            <p:ph type="title"/>
+          </p:nvPr>
+        </p:nvSpPr>
+        <p:spPr>
+          <a:xfrm>
+            <a:off x="680321" y="753228"/>
+            <a:ext cx="7087552" cy="1080938"/>
+          </a:xfrm>
+        </p:spPr>
+        <p:txBody>
+          <a:bodyPr>
+            <a:normAutofit/>
+          </a:bodyPr>
+          <a:lstStyle/>
+          <a:p>
+            <a:r>
+              <a:rPr lang="sk-SK" dirty="0"/>
+              <a:t>Reprezentácia výsledkov</a:t>
+            </a:r>
+          </a:p>
+        </p:txBody>
+      </p:sp>
+      <p:pic>
+        <p:nvPicPr>
+          <p:cNvPr id="27" name="Picture 26">
+            <a:extLst>
+              <a:ext uri="{FF2B5EF4-FFF2-40B4-BE49-F238E27FC236}">
+                <a16:creationId xmlns:a16="http://schemas.microsoft.com/office/drawing/2014/main" id="{BC8F1801-B0E5-4E94-8FA9-8E8B71EEE721}"/>
+              </a:ext>
+              <a:ext uri="{C183D7F6-B498-43B3-948B-1728B52AA6E4}">
+                <adec:decorative xmlns:adec="http://schemas.microsoft.com/office/drawing/2017/decorative" val="1"/>
+              </a:ext>
+            </a:extLst>
+          </p:cNvPr>
+          <p:cNvPicPr>
+            <a:picLocks noGrp="1" noRot="1" noChangeAspect="1" noMove="1" noResize="1" noEditPoints="1" noAdjustHandles="1" noChangeArrowheads="1" noChangeShapeType="1" noCrop="1"/>
+          </p:cNvPicPr>
+          <p:nvPr>
+            <p:extLst>
+              <p:ext uri="{386F3935-93C4-4BCD-93E2-E3B085C9AB24}">
+                <p16:designElem xmlns:p16="http://schemas.microsoft.com/office/powerpoint/2015/main" val="1"/>
+              </p:ext>
+            </p:extLst>
+          </p:nvPr>
+        </p:nvPicPr>
+        <p:blipFill>
+          <a:blip r:embed="rId3">
+            <a:extLst>
+              <a:ext uri="{28A0092B-C50C-407E-A947-70E740481C1C}">
+                <a14:useLocalDpi xmlns:a14="http://schemas.microsoft.com/office/drawing/2010/main" val="0"/>
+              </a:ext>
+            </a:extLst>
+          </a:blip>
+          <a:stretch>
+            <a:fillRect/>
+          </a:stretch>
+        </p:blipFill>
+        <p:spPr>
+          <a:xfrm>
+            <a:off x="2" y="1970240"/>
+            <a:ext cx="7967048" cy="321164"/>
+          </a:xfrm>
+          <a:prstGeom prst="rect">
+            <a:avLst/>
+          </a:prstGeom>
+        </p:spPr>
+      </p:pic>
+      <p:sp>
+        <p:nvSpPr>
+          <p:cNvPr id="11" name="Zástupný objekt pre obsah 10">
+            <a:extLst>
+              <a:ext uri="{FF2B5EF4-FFF2-40B4-BE49-F238E27FC236}">
+                <a16:creationId xmlns:a16="http://schemas.microsoft.com/office/drawing/2014/main" id="{386818F0-8E0F-4F9F-B42D-926A9C98327A}"/>
+              </a:ext>
+            </a:extLst>
+          </p:cNvPr>
+          <p:cNvSpPr>
+            <a:spLocks noGrp="1"/>
+          </p:cNvSpPr>
+          <p:nvPr>
+            <p:ph idx="1"/>
+          </p:nvPr>
+        </p:nvSpPr>
+        <p:spPr>
+          <a:xfrm>
+            <a:off x="680321" y="2336873"/>
+            <a:ext cx="6423211" cy="3599316"/>
+          </a:xfrm>
+        </p:spPr>
+        <p:txBody>
+          <a:bodyPr>
+            <a:normAutofit/>
+          </a:bodyPr>
+          <a:lstStyle/>
+          <a:p>
+            <a:r>
+              <a:rPr lang="sk-SK" sz="2000" dirty="0" err="1"/>
+              <a:t>Evaluácia</a:t>
+            </a:r>
+            <a:r>
+              <a:rPr lang="sk-SK" sz="2000" dirty="0"/>
+              <a:t> modelu</a:t>
+            </a:r>
+          </a:p>
+          <a:p>
+            <a:endParaRPr lang="sk-SK" sz="2000" dirty="0"/>
+          </a:p>
+          <a:p>
+            <a:endParaRPr lang="sk-SK" sz="2000" dirty="0"/>
+          </a:p>
+          <a:p>
+            <a:r>
+              <a:rPr lang="sk-SK" sz="2000" dirty="0" err="1"/>
+              <a:t>Confusion</a:t>
+            </a:r>
+            <a:r>
+              <a:rPr lang="sk-SK" sz="2000" dirty="0"/>
+              <a:t> </a:t>
+            </a:r>
+            <a:r>
+              <a:rPr lang="sk-SK" sz="2000" dirty="0" err="1"/>
+              <a:t>matrix</a:t>
+            </a:r>
+            <a:r>
+              <a:rPr lang="sk-SK" sz="2000" dirty="0"/>
+              <a:t> – porovnanie dát</a:t>
+            </a:r>
+          </a:p>
+          <a:p>
+            <a:endParaRPr lang="sk-SK" sz="2000" dirty="0"/>
+          </a:p>
+          <a:p>
+            <a:pPr marL="0" indent="0">
+              <a:buNone/>
+            </a:pPr>
+            <a:endParaRPr lang="sk-SK" sz="2000" dirty="0"/>
+          </a:p>
+          <a:p>
+            <a:r>
+              <a:rPr lang="sk-SK" sz="2000" dirty="0"/>
+              <a:t>Graf – zobrazenie poklesu chyby</a:t>
+            </a:r>
+          </a:p>
+        </p:txBody>
+      </p:sp>
+      <p:pic>
+        <p:nvPicPr>
+          <p:cNvPr id="12" name="Obrázok 11">
+            <a:extLst>
+              <a:ext uri="{FF2B5EF4-FFF2-40B4-BE49-F238E27FC236}">
+                <a16:creationId xmlns:a16="http://schemas.microsoft.com/office/drawing/2014/main" id="{48F35F8A-2937-4F41-9619-605F442BA1CA}"/>
+              </a:ext>
+            </a:extLst>
+          </p:cNvPr>
+          <p:cNvPicPr>
+            <a:picLocks noChangeAspect="1"/>
+          </p:cNvPicPr>
+          <p:nvPr/>
+        </p:nvPicPr>
+        <p:blipFill>
+          <a:blip r:embed="rId4"/>
+          <a:stretch>
+            <a:fillRect/>
+          </a:stretch>
+        </p:blipFill>
+        <p:spPr>
+          <a:xfrm>
+            <a:off x="7659079" y="2234447"/>
+            <a:ext cx="4418795" cy="550057"/>
+          </a:xfrm>
+          <a:prstGeom prst="rect">
+            <a:avLst/>
+          </a:prstGeom>
+        </p:spPr>
+      </p:pic>
+      <p:pic>
+        <p:nvPicPr>
+          <p:cNvPr id="13" name="Obrázok 12">
+            <a:extLst>
+              <a:ext uri="{FF2B5EF4-FFF2-40B4-BE49-F238E27FC236}">
+                <a16:creationId xmlns:a16="http://schemas.microsoft.com/office/drawing/2014/main" id="{175F5AED-1980-4C2A-9F9E-849DB62FE1BF}"/>
+              </a:ext>
+            </a:extLst>
+          </p:cNvPr>
+          <p:cNvPicPr>
+            <a:picLocks noChangeAspect="1"/>
+          </p:cNvPicPr>
+          <p:nvPr/>
+        </p:nvPicPr>
+        <p:blipFill>
+          <a:blip r:embed="rId5"/>
+          <a:stretch>
+            <a:fillRect/>
+          </a:stretch>
+        </p:blipFill>
+        <p:spPr>
+          <a:xfrm>
+            <a:off x="7659078" y="3299729"/>
+            <a:ext cx="4418796" cy="836802"/>
+          </a:xfrm>
+          <a:prstGeom prst="rect">
+            <a:avLst/>
+          </a:prstGeom>
+        </p:spPr>
+      </p:pic>
+      <p:pic>
+        <p:nvPicPr>
+          <p:cNvPr id="14" name="Obrázok 13">
+            <a:extLst>
+              <a:ext uri="{FF2B5EF4-FFF2-40B4-BE49-F238E27FC236}">
+                <a16:creationId xmlns:a16="http://schemas.microsoft.com/office/drawing/2014/main" id="{65B97865-FDA3-4428-BC0D-2CE0E3172930}"/>
+              </a:ext>
+            </a:extLst>
+          </p:cNvPr>
+          <p:cNvPicPr>
+            <a:picLocks noChangeAspect="1"/>
+          </p:cNvPicPr>
+          <p:nvPr/>
+        </p:nvPicPr>
+        <p:blipFill>
+          <a:blip r:embed="rId6"/>
+          <a:stretch>
+            <a:fillRect/>
+          </a:stretch>
+        </p:blipFill>
+        <p:spPr>
+          <a:xfrm>
+            <a:off x="7967050" y="4275094"/>
+            <a:ext cx="3642528" cy="2304276"/>
+          </a:xfrm>
+          <a:prstGeom prst="rect">
+            <a:avLst/>
+          </a:prstGeom>
+        </p:spPr>
+      </p:pic>
+    </p:spTree>
+    <p:extLst>
+      <p:ext uri="{BB962C8B-B14F-4D97-AF65-F5344CB8AC3E}">
+        <p14:creationId xmlns:p14="http://schemas.microsoft.com/office/powerpoint/2010/main" val="1070885332"/>
+      </p:ext>
+    </p:extLst>
+  </p:cSld>
+  <p:clrMapOvr>
+    <a:masterClrMapping/>
+  </p:clrMapOvr>
+</p:sld>
+</file>
+
+<file path=ppt/slides/slide9.xml><?xml version="1.0" encoding="utf-8"?>
+<p:sld xmlns:a="http://schemas.openxmlformats.org/drawingml/2006/main" xmlns:r="http://schemas.openxmlformats.org/officeDocument/2006/relationships" xmlns:p="http://schemas.openxmlformats.org/presentationml/2006/main">
+  <p:cSld>
+    <p:spTree>
+      <p:nvGrpSpPr>
+        <p:cNvPr id="1" name=""/>
+        <p:cNvGrpSpPr/>
+        <p:nvPr/>
+      </p:nvGrpSpPr>
+      <p:grpSpPr>
+        <a:xfrm>
+          <a:off x="0" y="0"/>
+          <a:ext cx="0" cy="0"/>
+          <a:chOff x="0" y="0"/>
+          <a:chExt cx="0" cy="0"/>
+        </a:xfrm>
+      </p:grpSpPr>
+      <p:sp>
+        <p:nvSpPr>
+          <p:cNvPr id="2" name="Nadpis 1">
+            <a:extLst>
+              <a:ext uri="{FF2B5EF4-FFF2-40B4-BE49-F238E27FC236}">
+                <a16:creationId xmlns:a16="http://schemas.microsoft.com/office/drawing/2014/main" id="{C66C70A3-42F0-4433-AE6E-5171174F511C}"/>
+              </a:ext>
+            </a:extLst>
+          </p:cNvPr>
+          <p:cNvSpPr>
+            <a:spLocks noGrp="1"/>
+          </p:cNvSpPr>
+          <p:nvPr>
+            <p:ph type="title"/>
+          </p:nvPr>
+        </p:nvSpPr>
+        <p:spPr/>
+        <p:txBody>
+          <a:bodyPr/>
+          <a:lstStyle/>
+          <a:p>
+            <a:r>
+              <a:rPr lang="sk-SK" dirty="0"/>
+              <a:t>Zdroje</a:t>
+            </a:r>
+          </a:p>
+        </p:txBody>
+      </p:sp>
+      <p:sp>
+        <p:nvSpPr>
+          <p:cNvPr id="3" name="Zástupný objekt pre obsah 2">
+            <a:extLst>
+              <a:ext uri="{FF2B5EF4-FFF2-40B4-BE49-F238E27FC236}">
+                <a16:creationId xmlns:a16="http://schemas.microsoft.com/office/drawing/2014/main" id="{5838B2A4-9670-4F4C-ABF4-4CBC1B6C8B8A}"/>
+              </a:ext>
+            </a:extLst>
+          </p:cNvPr>
+          <p:cNvSpPr>
+            <a:spLocks noGrp="1"/>
+          </p:cNvSpPr>
+          <p:nvPr>
+            <p:ph idx="1"/>
+          </p:nvPr>
+        </p:nvSpPr>
+        <p:spPr/>
+        <p:txBody>
+          <a:bodyPr/>
+          <a:lstStyle/>
+          <a:p>
+            <a:r>
+              <a:rPr lang="sk-SK" dirty="0">
+                <a:hlinkClick r:id="rId2"/>
+              </a:rPr>
+              <a:t>https://keras.io/models/model/</a:t>
+            </a:r>
+            <a:endParaRPr lang="sk-SK" dirty="0"/>
+          </a:p>
+          <a:p>
+            <a:endParaRPr lang="sk-SK" dirty="0"/>
+          </a:p>
+        </p:txBody>
+      </p:sp>
+    </p:spTree>
+    <p:extLst>
+      <p:ext uri="{BB962C8B-B14F-4D97-AF65-F5344CB8AC3E}">
+        <p14:creationId xmlns:p14="http://schemas.microsoft.com/office/powerpoint/2010/main" val="371798214"/>
+      </p:ext>
+    </p:extLst>
+  </p:cSld>
+  <p:clrMapOvr>
+    <a:masterClrMapping/>
+  </p:clrMapOvr>
+</p:sld>
+</file>
+
 <file path=ppt/theme/theme1.xml><?xml version="1.0" encoding="utf-8"?>
-<a:theme xmlns:a="http://schemas.openxmlformats.org/drawingml/2006/main" name="Motív balíka Office">
+<a:theme xmlns:a="http://schemas.openxmlformats.org/drawingml/2006/main" name="Berlín">
   <a:themeElements>
-    <a:clrScheme name="Office">
+    <a:clrScheme name="Berlín">
       <a:dk1>
         <a:sysClr val="windowText" lastClr="000000"/>
       </a:dk1>
@@ -3398,44 +9591,44 @@
         <a:sysClr val="window" lastClr="FFFFFF"/>
       </a:lt1>
       <a:dk2>
-        <a:srgbClr val="44546A"/>
+        <a:srgbClr val="9D360E"/>
       </a:dk2>
       <a:lt2>
         <a:srgbClr val="E7E6E6"/>
       </a:lt2>
       <a:accent1>
-        <a:srgbClr val="4472C4"/>
+        <a:srgbClr val="F09415"/>
       </a:accent1>
       <a:accent2>
-        <a:srgbClr val="ED7D31"/>
+        <a:srgbClr val="C1B56B"/>
       </a:accent2>
       <a:accent3>
-        <a:srgbClr val="A5A5A5"/>
+        <a:srgbClr val="4BAF73"/>
       </a:accent3>
       <a:accent4>
-        <a:srgbClr val="FFC000"/>
+        <a:srgbClr val="5AA6C0"/>
       </a:accent4>
       <a:accent5>
-        <a:srgbClr val="5B9BD5"/>
+        <a:srgbClr val="D17DF9"/>
       </a:accent5>
       <a:accent6>
-        <a:srgbClr val="70AD47"/>
+        <a:srgbClr val="FA7E5C"/>
       </a:accent6>
       <a:hlink>
-        <a:srgbClr val="0563C1"/>
+        <a:srgbClr val="FFAE3E"/>
       </a:hlink>
       <a:folHlink>
-        <a:srgbClr val="954F72"/>
+        <a:srgbClr val="FCC77E"/>
       </a:folHlink>
     </a:clrScheme>
-    <a:fontScheme name="Office">
+    <a:fontScheme name="Berlín">
       <a:majorFont>
-        <a:latin typeface="Calibri Light" panose="020F0302020204030204"/>
+        <a:latin typeface="Trebuchet MS" panose="020B0603020202020204"/>
         <a:ea typeface=""/>
         <a:cs typeface=""/>
-        <a:font script="Jpan" typeface="游ゴシック Light"/>
+        <a:font script="Jpan" typeface="ＭＳ Ｐゴシック"/>
         <a:font script="Hang" typeface="맑은 고딕"/>
-        <a:font script="Hans" typeface="等线 Light"/>
+        <a:font script="Hans" typeface="宋体"/>
         <a:font script="Hant" typeface="新細明體"/>
         <a:font script="Arab" typeface="Times New Roman"/>
         <a:font script="Hebr" typeface="Times New Roman"/>
@@ -3463,31 +9656,14 @@
         <a:font script="Viet" typeface="Times New Roman"/>
         <a:font script="Uigh" typeface="Microsoft Uighur"/>
         <a:font script="Geor" typeface="Sylfaen"/>
-        <a:font script="Armn" typeface="Arial"/>
-        <a:font script="Bugi" typeface="Leelawadee UI"/>
-        <a:font script="Bopo" typeface="Microsoft JhengHei"/>
-        <a:font script="Java" typeface="Javanese Text"/>
-        <a:font script="Lisu" typeface="Segoe UI"/>
-        <a:font script="Mymr" typeface="Myanmar Text"/>
-        <a:font script="Nkoo" typeface="Ebrima"/>
-        <a:font script="Olck" typeface="Nirmala UI"/>
-        <a:font script="Osma" typeface="Ebrima"/>
-        <a:font script="Phag" typeface="Phagspa"/>
-        <a:font script="Syrn" typeface="Estrangelo Edessa"/>
-        <a:font script="Syrj" typeface="Estrangelo Edessa"/>
-        <a:font script="Syre" typeface="Estrangelo Edessa"/>
-        <a:font script="Sora" typeface="Nirmala UI"/>
-        <a:font script="Tale" typeface="Microsoft Tai Le"/>
-        <a:font script="Talu" typeface="Microsoft New Tai Lue"/>
-        <a:font script="Tfng" typeface="Ebrima"/>
       </a:majorFont>
       <a:minorFont>
-        <a:latin typeface="Calibri" panose="020F0502020204030204"/>
+        <a:latin typeface="Trebuchet MS" panose="020B0603020202020204"/>
         <a:ea typeface=""/>
         <a:cs typeface=""/>
-        <a:font script="Jpan" typeface="游ゴシック"/>
+        <a:font script="Jpan" typeface="ＭＳ Ｐゴシック"/>
         <a:font script="Hang" typeface="맑은 고딕"/>
-        <a:font script="Hans" typeface="等线"/>
+        <a:font script="Hans" typeface="宋体"/>
         <a:font script="Hant" typeface="新細明體"/>
         <a:font script="Arab" typeface="Arial"/>
         <a:font script="Hebr" typeface="Arial"/>
@@ -3515,26 +9691,9 @@
         <a:font script="Viet" typeface="Arial"/>
         <a:font script="Uigh" typeface="Microsoft Uighur"/>
         <a:font script="Geor" typeface="Sylfaen"/>
-        <a:font script="Armn" typeface="Arial"/>
-        <a:font script="Bugi" typeface="Leelawadee UI"/>
-        <a:font script="Bopo" typeface="Microsoft JhengHei"/>
-        <a:font script="Java" typeface="Javanese Text"/>
-        <a:font script="Lisu" typeface="Segoe UI"/>
-        <a:font script="Mymr" typeface="Myanmar Text"/>
-        <a:font script="Nkoo" typeface="Ebrima"/>
-        <a:font script="Olck" typeface="Nirmala UI"/>
-        <a:font script="Osma" typeface="Ebrima"/>
-        <a:font script="Phag" typeface="Phagspa"/>
-        <a:font script="Syrn" typeface="Estrangelo Edessa"/>
-        <a:font script="Syrj" typeface="Estrangelo Edessa"/>
-        <a:font script="Syre" typeface="Estrangelo Edessa"/>
-        <a:font script="Sora" typeface="Nirmala UI"/>
-        <a:font script="Tale" typeface="Microsoft Tai Le"/>
-        <a:font script="Talu" typeface="Microsoft New Tai Lue"/>
-        <a:font script="Tfng" typeface="Ebrima"/>
       </a:minorFont>
     </a:fontScheme>
-    <a:fmtScheme name="Office">
+    <a:fmtScheme name="Berlín">
       <a:fillStyleLst>
         <a:solidFill>
           <a:schemeClr val="phClr"/>
@@ -3543,23 +9702,16 @@
           <a:gsLst>
             <a:gs pos="0">
               <a:schemeClr val="phClr">
+                <a:tint val="60000"/>
+                <a:satMod val="100000"/>
                 <a:lumMod val="110000"/>
-                <a:satMod val="105000"/>
-                <a:tint val="67000"/>
-              </a:schemeClr>
-            </a:gs>
-            <a:gs pos="50000">
-              <a:schemeClr val="phClr">
-                <a:lumMod val="105000"/>
-                <a:satMod val="103000"/>
-                <a:tint val="73000"/>
               </a:schemeClr>
             </a:gs>
             <a:gs pos="100000">
               <a:schemeClr val="phClr">
-                <a:lumMod val="105000"/>
-                <a:satMod val="109000"/>
-                <a:tint val="81000"/>
+                <a:tint val="70000"/>
+                <a:satMod val="100000"/>
+                <a:lumMod val="100000"/>
               </a:schemeClr>
             </a:gs>
           </a:gsLst>
@@ -3569,23 +9721,23 @@
           <a:gsLst>
             <a:gs pos="0">
               <a:schemeClr val="phClr">
+                <a:tint val="94000"/>
                 <a:satMod val="103000"/>
                 <a:lumMod val="102000"/>
-                <a:tint val="94000"/>
               </a:schemeClr>
             </a:gs>
             <a:gs pos="50000">
               <a:schemeClr val="phClr">
+                <a:shade val="100000"/>
                 <a:satMod val="110000"/>
                 <a:lumMod val="100000"/>
-                <a:shade val="100000"/>
               </a:schemeClr>
             </a:gs>
             <a:gs pos="100000">
               <a:schemeClr val="phClr">
+                <a:shade val="78000"/>
+                <a:satMod val="120000"/>
                 <a:lumMod val="99000"/>
-                <a:satMod val="120000"/>
-                <a:shade val="78000"/>
               </a:schemeClr>
             </a:gs>
           </a:gsLst>
@@ -3593,26 +9745,23 @@
         </a:gradFill>
       </a:fillStyleLst>
       <a:lnStyleLst>
-        <a:ln w="6350" cap="flat" cmpd="sng" algn="ctr">
+        <a:ln w="9525" cap="flat" cmpd="sng" algn="ctr">
           <a:solidFill>
             <a:schemeClr val="phClr"/>
           </a:solidFill>
           <a:prstDash val="solid"/>
-          <a:miter lim="800000"/>
         </a:ln>
         <a:ln w="12700" cap="flat" cmpd="sng" algn="ctr">
           <a:solidFill>
             <a:schemeClr val="phClr"/>
           </a:solidFill>
           <a:prstDash val="solid"/>
-          <a:miter lim="800000"/>
         </a:ln>
         <a:ln w="19050" cap="flat" cmpd="sng" algn="ctr">
           <a:solidFill>
             <a:schemeClr val="phClr"/>
           </a:solidFill>
           <a:prstDash val="solid"/>
-          <a:miter lim="800000"/>
         </a:ln>
       </a:lnStyleLst>
       <a:effectStyleLst>
@@ -3646,28 +9795,31 @@
           <a:gsLst>
             <a:gs pos="0">
               <a:schemeClr val="phClr">
-                <a:tint val="93000"/>
-                <a:satMod val="150000"/>
-                <a:shade val="98000"/>
-                <a:lumMod val="102000"/>
+                <a:tint val="96000"/>
+                <a:shade val="100000"/>
+                <a:hueMod val="270000"/>
+                <a:satMod val="200000"/>
+                <a:lumMod val="128000"/>
               </a:schemeClr>
             </a:gs>
             <a:gs pos="50000">
               <a:schemeClr val="phClr">
-                <a:tint val="98000"/>
-                <a:satMod val="130000"/>
-                <a:shade val="90000"/>
-                <a:lumMod val="103000"/>
+                <a:shade val="100000"/>
+                <a:hueMod val="100000"/>
+                <a:satMod val="110000"/>
+                <a:lumMod val="130000"/>
               </a:schemeClr>
             </a:gs>
             <a:gs pos="100000">
               <a:schemeClr val="phClr">
-                <a:shade val="63000"/>
-                <a:satMod val="120000"/>
+                <a:shade val="78000"/>
+                <a:hueMod val="44000"/>
+                <a:satMod val="200000"/>
+                <a:lumMod val="69000"/>
               </a:schemeClr>
             </a:gs>
           </a:gsLst>
-          <a:lin ang="5400000" scaled="0"/>
+          <a:lin ang="2520000" scaled="0"/>
         </a:gradFill>
       </a:bgFillStyleLst>
     </a:fmtScheme>
@@ -3676,7 +9828,7 @@
   <a:extraClrSchemeLst/>
   <a:extLst>
     <a:ext uri="{05A4C25C-085E-4340-85A3-A5531E510DB2}">
-      <thm15:themeFamily xmlns:thm15="http://schemas.microsoft.com/office/thememl/2012/main" name="Office Theme" id="{62F939B6-93AF-4DB8-9C6B-D6C7DFDC589F}" vid="{4A3C46E8-61CC-4603-A589-7422A47A8E4A}"/>
+      <thm15:themeFamily xmlns:thm15="http://schemas.microsoft.com/office/thememl/2012/main" name="Berlin" id="{7B5DBA9E-B069-418E-9360-A61BDD0615A4}" vid="{C0CBE056-4EF4-4D92-969E-947779DA7AAA}"/>
     </a:ext>
   </a:extLst>
 </a:theme>
